--- a/Stuff For Class/Slides/ANOVA.pptx
+++ b/Stuff For Class/Slides/ANOVA.pptx
@@ -17183,6 +17183,281 @@
   <p:clrMapOvr>
     <a:masterClrMapping/>
   </p:clrMapOvr>
+  <p:timing>
+    <p:tnLst>
+      <p:par>
+        <p:cTn dur="indefinite" nodeType="tmRoot" restart="never">
+          <p:childTnLst>
+            <p:seq concurrent="1" nextAc="seek">
+              <p:cTn dur="indefinite" id="2" nodeType="mainSeq">
+                <p:childTnLst>
+                  <p:par>
+                    <p:cTn fill="hold">
+                      <p:stCondLst>
+                        <p:cond delay="indefinite"/>
+                      </p:stCondLst>
+                      <p:childTnLst>
+                        <p:par>
+                          <p:cTn fill="hold">
+                            <p:stCondLst>
+                              <p:cond delay="0"/>
+                            </p:stCondLst>
+                            <p:childTnLst>
+                              <p:par>
+                                <p:cTn fill="hold" nodeType="clickEffect" presetClass="entr" presetID="1" presetSubtype="0">
+                                  <p:stCondLst>
+                                    <p:cond delay="0"/>
+                                  </p:stCondLst>
+                                  <p:childTnLst>
+                                    <p:set>
+                                      <p:cBhvr>
+                                        <p:cTn dur="1" fill="hold">
+                                          <p:stCondLst>
+                                            <p:cond delay="0"/>
+                                          </p:stCondLst>
+                                        </p:cTn>
+                                        <p:tgtEl>
+                                          <p:spTgt spid="362">
+                                            <p:txEl>
+                                              <p:pRg end="0" st="0"/>
+                                            </p:txEl>
+                                          </p:spTgt>
+                                        </p:tgtEl>
+                                        <p:attrNameLst>
+                                          <p:attrName>style.visibility</p:attrName>
+                                        </p:attrNameLst>
+                                      </p:cBhvr>
+                                      <p:to>
+                                        <p:strVal val="visible"/>
+                                      </p:to>
+                                    </p:set>
+                                  </p:childTnLst>
+                                </p:cTn>
+                              </p:par>
+                            </p:childTnLst>
+                          </p:cTn>
+                        </p:par>
+                      </p:childTnLst>
+                    </p:cTn>
+                  </p:par>
+                  <p:par>
+                    <p:cTn fill="hold">
+                      <p:stCondLst>
+                        <p:cond delay="indefinite"/>
+                      </p:stCondLst>
+                      <p:childTnLst>
+                        <p:par>
+                          <p:cTn fill="hold">
+                            <p:stCondLst>
+                              <p:cond delay="0"/>
+                            </p:stCondLst>
+                            <p:childTnLst>
+                              <p:par>
+                                <p:cTn fill="hold" nodeType="clickEffect" presetClass="entr" presetID="1" presetSubtype="0">
+                                  <p:stCondLst>
+                                    <p:cond delay="0"/>
+                                  </p:stCondLst>
+                                  <p:childTnLst>
+                                    <p:set>
+                                      <p:cBhvr>
+                                        <p:cTn dur="1" fill="hold">
+                                          <p:stCondLst>
+                                            <p:cond delay="0"/>
+                                          </p:stCondLst>
+                                        </p:cTn>
+                                        <p:tgtEl>
+                                          <p:spTgt spid="362">
+                                            <p:txEl>
+                                              <p:pRg end="1" st="1"/>
+                                            </p:txEl>
+                                          </p:spTgt>
+                                        </p:tgtEl>
+                                        <p:attrNameLst>
+                                          <p:attrName>style.visibility</p:attrName>
+                                        </p:attrNameLst>
+                                      </p:cBhvr>
+                                      <p:to>
+                                        <p:strVal val="visible"/>
+                                      </p:to>
+                                    </p:set>
+                                  </p:childTnLst>
+                                </p:cTn>
+                              </p:par>
+                            </p:childTnLst>
+                          </p:cTn>
+                        </p:par>
+                      </p:childTnLst>
+                    </p:cTn>
+                  </p:par>
+                  <p:par>
+                    <p:cTn fill="hold">
+                      <p:stCondLst>
+                        <p:cond delay="indefinite"/>
+                      </p:stCondLst>
+                      <p:childTnLst>
+                        <p:par>
+                          <p:cTn fill="hold">
+                            <p:stCondLst>
+                              <p:cond delay="0"/>
+                            </p:stCondLst>
+                            <p:childTnLst>
+                              <p:par>
+                                <p:cTn fill="hold" nodeType="clickEffect" presetClass="entr" presetID="1" presetSubtype="0">
+                                  <p:stCondLst>
+                                    <p:cond delay="0"/>
+                                  </p:stCondLst>
+                                  <p:childTnLst>
+                                    <p:set>
+                                      <p:cBhvr>
+                                        <p:cTn dur="1" fill="hold">
+                                          <p:stCondLst>
+                                            <p:cond delay="0"/>
+                                          </p:stCondLst>
+                                        </p:cTn>
+                                        <p:tgtEl>
+                                          <p:spTgt spid="362">
+                                            <p:txEl>
+                                              <p:pRg end="2" st="2"/>
+                                            </p:txEl>
+                                          </p:spTgt>
+                                        </p:tgtEl>
+                                        <p:attrNameLst>
+                                          <p:attrName>style.visibility</p:attrName>
+                                        </p:attrNameLst>
+                                      </p:cBhvr>
+                                      <p:to>
+                                        <p:strVal val="visible"/>
+                                      </p:to>
+                                    </p:set>
+                                  </p:childTnLst>
+                                </p:cTn>
+                              </p:par>
+                            </p:childTnLst>
+                          </p:cTn>
+                        </p:par>
+                      </p:childTnLst>
+                    </p:cTn>
+                  </p:par>
+                  <p:par>
+                    <p:cTn fill="hold">
+                      <p:stCondLst>
+                        <p:cond delay="indefinite"/>
+                      </p:stCondLst>
+                      <p:childTnLst>
+                        <p:par>
+                          <p:cTn fill="hold">
+                            <p:stCondLst>
+                              <p:cond delay="0"/>
+                            </p:stCondLst>
+                            <p:childTnLst>
+                              <p:par>
+                                <p:cTn fill="hold" nodeType="clickEffect" presetClass="entr" presetID="1" presetSubtype="0">
+                                  <p:stCondLst>
+                                    <p:cond delay="0"/>
+                                  </p:stCondLst>
+                                  <p:childTnLst>
+                                    <p:set>
+                                      <p:cBhvr>
+                                        <p:cTn dur="1" fill="hold">
+                                          <p:stCondLst>
+                                            <p:cond delay="0"/>
+                                          </p:stCondLst>
+                                        </p:cTn>
+                                        <p:tgtEl>
+                                          <p:spTgt spid="362">
+                                            <p:txEl>
+                                              <p:pRg end="3" st="3"/>
+                                            </p:txEl>
+                                          </p:spTgt>
+                                        </p:tgtEl>
+                                        <p:attrNameLst>
+                                          <p:attrName>style.visibility</p:attrName>
+                                        </p:attrNameLst>
+                                      </p:cBhvr>
+                                      <p:to>
+                                        <p:strVal val="visible"/>
+                                      </p:to>
+                                    </p:set>
+                                  </p:childTnLst>
+                                </p:cTn>
+                              </p:par>
+                            </p:childTnLst>
+                          </p:cTn>
+                        </p:par>
+                      </p:childTnLst>
+                    </p:cTn>
+                  </p:par>
+                  <p:par>
+                    <p:cTn fill="hold">
+                      <p:stCondLst>
+                        <p:cond delay="indefinite"/>
+                      </p:stCondLst>
+                      <p:childTnLst>
+                        <p:par>
+                          <p:cTn fill="hold">
+                            <p:stCondLst>
+                              <p:cond delay="0"/>
+                            </p:stCondLst>
+                            <p:childTnLst>
+                              <p:par>
+                                <p:cTn fill="hold" nodeType="clickEffect" presetClass="entr" presetID="1" presetSubtype="0">
+                                  <p:stCondLst>
+                                    <p:cond delay="0"/>
+                                  </p:stCondLst>
+                                  <p:childTnLst>
+                                    <p:set>
+                                      <p:cBhvr>
+                                        <p:cTn dur="1" fill="hold">
+                                          <p:stCondLst>
+                                            <p:cond delay="0"/>
+                                          </p:stCondLst>
+                                        </p:cTn>
+                                        <p:tgtEl>
+                                          <p:spTgt spid="362">
+                                            <p:txEl>
+                                              <p:pRg end="4" st="4"/>
+                                            </p:txEl>
+                                          </p:spTgt>
+                                        </p:tgtEl>
+                                        <p:attrNameLst>
+                                          <p:attrName>style.visibility</p:attrName>
+                                        </p:attrNameLst>
+                                      </p:cBhvr>
+                                      <p:to>
+                                        <p:strVal val="visible"/>
+                                      </p:to>
+                                    </p:set>
+                                  </p:childTnLst>
+                                </p:cTn>
+                              </p:par>
+                            </p:childTnLst>
+                          </p:cTn>
+                        </p:par>
+                      </p:childTnLst>
+                    </p:cTn>
+                  </p:par>
+                </p:childTnLst>
+              </p:cTn>
+              <p:prevCondLst>
+                <p:cond evt="onPrev">
+                  <p:tgtEl>
+                    <p:sldTgt/>
+                  </p:tgtEl>
+                </p:cond>
+              </p:prevCondLst>
+              <p:nextCondLst>
+                <p:cond evt="onNext">
+                  <p:tgtEl>
+                    <p:sldTgt/>
+                  </p:tgtEl>
+                </p:cond>
+              </p:nextCondLst>
+            </p:seq>
+          </p:childTnLst>
+        </p:cTn>
+      </p:par>
+    </p:tnLst>
+  </p:timing>
 </p:sld>
 </file>
 
@@ -17358,6 +17633,281 @@
   <p:clrMapOvr>
     <a:masterClrMapping/>
   </p:clrMapOvr>
+  <p:timing>
+    <p:tnLst>
+      <p:par>
+        <p:cTn dur="indefinite" nodeType="tmRoot" restart="never">
+          <p:childTnLst>
+            <p:seq concurrent="1" nextAc="seek">
+              <p:cTn dur="indefinite" id="2" nodeType="mainSeq">
+                <p:childTnLst>
+                  <p:par>
+                    <p:cTn fill="hold">
+                      <p:stCondLst>
+                        <p:cond delay="indefinite"/>
+                      </p:stCondLst>
+                      <p:childTnLst>
+                        <p:par>
+                          <p:cTn fill="hold">
+                            <p:stCondLst>
+                              <p:cond delay="0"/>
+                            </p:stCondLst>
+                            <p:childTnLst>
+                              <p:par>
+                                <p:cTn fill="hold" nodeType="clickEffect" presetClass="entr" presetID="1" presetSubtype="0">
+                                  <p:stCondLst>
+                                    <p:cond delay="0"/>
+                                  </p:stCondLst>
+                                  <p:childTnLst>
+                                    <p:set>
+                                      <p:cBhvr>
+                                        <p:cTn dur="1" fill="hold">
+                                          <p:stCondLst>
+                                            <p:cond delay="0"/>
+                                          </p:stCondLst>
+                                        </p:cTn>
+                                        <p:tgtEl>
+                                          <p:spTgt spid="369">
+                                            <p:txEl>
+                                              <p:pRg end="0" st="0"/>
+                                            </p:txEl>
+                                          </p:spTgt>
+                                        </p:tgtEl>
+                                        <p:attrNameLst>
+                                          <p:attrName>style.visibility</p:attrName>
+                                        </p:attrNameLst>
+                                      </p:cBhvr>
+                                      <p:to>
+                                        <p:strVal val="visible"/>
+                                      </p:to>
+                                    </p:set>
+                                  </p:childTnLst>
+                                </p:cTn>
+                              </p:par>
+                            </p:childTnLst>
+                          </p:cTn>
+                        </p:par>
+                      </p:childTnLst>
+                    </p:cTn>
+                  </p:par>
+                  <p:par>
+                    <p:cTn fill="hold">
+                      <p:stCondLst>
+                        <p:cond delay="indefinite"/>
+                      </p:stCondLst>
+                      <p:childTnLst>
+                        <p:par>
+                          <p:cTn fill="hold">
+                            <p:stCondLst>
+                              <p:cond delay="0"/>
+                            </p:stCondLst>
+                            <p:childTnLst>
+                              <p:par>
+                                <p:cTn fill="hold" nodeType="clickEffect" presetClass="entr" presetID="1" presetSubtype="0">
+                                  <p:stCondLst>
+                                    <p:cond delay="0"/>
+                                  </p:stCondLst>
+                                  <p:childTnLst>
+                                    <p:set>
+                                      <p:cBhvr>
+                                        <p:cTn dur="1" fill="hold">
+                                          <p:stCondLst>
+                                            <p:cond delay="0"/>
+                                          </p:stCondLst>
+                                        </p:cTn>
+                                        <p:tgtEl>
+                                          <p:spTgt spid="369">
+                                            <p:txEl>
+                                              <p:pRg end="1" st="1"/>
+                                            </p:txEl>
+                                          </p:spTgt>
+                                        </p:tgtEl>
+                                        <p:attrNameLst>
+                                          <p:attrName>style.visibility</p:attrName>
+                                        </p:attrNameLst>
+                                      </p:cBhvr>
+                                      <p:to>
+                                        <p:strVal val="visible"/>
+                                      </p:to>
+                                    </p:set>
+                                  </p:childTnLst>
+                                </p:cTn>
+                              </p:par>
+                            </p:childTnLst>
+                          </p:cTn>
+                        </p:par>
+                      </p:childTnLst>
+                    </p:cTn>
+                  </p:par>
+                  <p:par>
+                    <p:cTn fill="hold">
+                      <p:stCondLst>
+                        <p:cond delay="indefinite"/>
+                      </p:stCondLst>
+                      <p:childTnLst>
+                        <p:par>
+                          <p:cTn fill="hold">
+                            <p:stCondLst>
+                              <p:cond delay="0"/>
+                            </p:stCondLst>
+                            <p:childTnLst>
+                              <p:par>
+                                <p:cTn fill="hold" nodeType="clickEffect" presetClass="entr" presetID="1" presetSubtype="0">
+                                  <p:stCondLst>
+                                    <p:cond delay="0"/>
+                                  </p:stCondLst>
+                                  <p:childTnLst>
+                                    <p:set>
+                                      <p:cBhvr>
+                                        <p:cTn dur="1" fill="hold">
+                                          <p:stCondLst>
+                                            <p:cond delay="0"/>
+                                          </p:stCondLst>
+                                        </p:cTn>
+                                        <p:tgtEl>
+                                          <p:spTgt spid="369">
+                                            <p:txEl>
+                                              <p:pRg end="2" st="2"/>
+                                            </p:txEl>
+                                          </p:spTgt>
+                                        </p:tgtEl>
+                                        <p:attrNameLst>
+                                          <p:attrName>style.visibility</p:attrName>
+                                        </p:attrNameLst>
+                                      </p:cBhvr>
+                                      <p:to>
+                                        <p:strVal val="visible"/>
+                                      </p:to>
+                                    </p:set>
+                                  </p:childTnLst>
+                                </p:cTn>
+                              </p:par>
+                            </p:childTnLst>
+                          </p:cTn>
+                        </p:par>
+                      </p:childTnLst>
+                    </p:cTn>
+                  </p:par>
+                  <p:par>
+                    <p:cTn fill="hold">
+                      <p:stCondLst>
+                        <p:cond delay="indefinite"/>
+                      </p:stCondLst>
+                      <p:childTnLst>
+                        <p:par>
+                          <p:cTn fill="hold">
+                            <p:stCondLst>
+                              <p:cond delay="0"/>
+                            </p:stCondLst>
+                            <p:childTnLst>
+                              <p:par>
+                                <p:cTn fill="hold" nodeType="clickEffect" presetClass="entr" presetID="1" presetSubtype="0">
+                                  <p:stCondLst>
+                                    <p:cond delay="0"/>
+                                  </p:stCondLst>
+                                  <p:childTnLst>
+                                    <p:set>
+                                      <p:cBhvr>
+                                        <p:cTn dur="1" fill="hold">
+                                          <p:stCondLst>
+                                            <p:cond delay="0"/>
+                                          </p:stCondLst>
+                                        </p:cTn>
+                                        <p:tgtEl>
+                                          <p:spTgt spid="369">
+                                            <p:txEl>
+                                              <p:pRg end="3" st="3"/>
+                                            </p:txEl>
+                                          </p:spTgt>
+                                        </p:tgtEl>
+                                        <p:attrNameLst>
+                                          <p:attrName>style.visibility</p:attrName>
+                                        </p:attrNameLst>
+                                      </p:cBhvr>
+                                      <p:to>
+                                        <p:strVal val="visible"/>
+                                      </p:to>
+                                    </p:set>
+                                  </p:childTnLst>
+                                </p:cTn>
+                              </p:par>
+                            </p:childTnLst>
+                          </p:cTn>
+                        </p:par>
+                      </p:childTnLst>
+                    </p:cTn>
+                  </p:par>
+                  <p:par>
+                    <p:cTn fill="hold">
+                      <p:stCondLst>
+                        <p:cond delay="indefinite"/>
+                      </p:stCondLst>
+                      <p:childTnLst>
+                        <p:par>
+                          <p:cTn fill="hold">
+                            <p:stCondLst>
+                              <p:cond delay="0"/>
+                            </p:stCondLst>
+                            <p:childTnLst>
+                              <p:par>
+                                <p:cTn fill="hold" nodeType="clickEffect" presetClass="entr" presetID="1" presetSubtype="0">
+                                  <p:stCondLst>
+                                    <p:cond delay="0"/>
+                                  </p:stCondLst>
+                                  <p:childTnLst>
+                                    <p:set>
+                                      <p:cBhvr>
+                                        <p:cTn dur="1" fill="hold">
+                                          <p:stCondLst>
+                                            <p:cond delay="0"/>
+                                          </p:stCondLst>
+                                        </p:cTn>
+                                        <p:tgtEl>
+                                          <p:spTgt spid="369">
+                                            <p:txEl>
+                                              <p:pRg end="4" st="4"/>
+                                            </p:txEl>
+                                          </p:spTgt>
+                                        </p:tgtEl>
+                                        <p:attrNameLst>
+                                          <p:attrName>style.visibility</p:attrName>
+                                        </p:attrNameLst>
+                                      </p:cBhvr>
+                                      <p:to>
+                                        <p:strVal val="visible"/>
+                                      </p:to>
+                                    </p:set>
+                                  </p:childTnLst>
+                                </p:cTn>
+                              </p:par>
+                            </p:childTnLst>
+                          </p:cTn>
+                        </p:par>
+                      </p:childTnLst>
+                    </p:cTn>
+                  </p:par>
+                </p:childTnLst>
+              </p:cTn>
+              <p:prevCondLst>
+                <p:cond evt="onPrev">
+                  <p:tgtEl>
+                    <p:sldTgt/>
+                  </p:tgtEl>
+                </p:cond>
+              </p:prevCondLst>
+              <p:nextCondLst>
+                <p:cond evt="onNext">
+                  <p:tgtEl>
+                    <p:sldTgt/>
+                  </p:tgtEl>
+                </p:cond>
+              </p:nextCondLst>
+            </p:seq>
+          </p:childTnLst>
+        </p:cTn>
+      </p:par>
+    </p:tnLst>
+  </p:timing>
 </p:sld>
 </file>
 
@@ -18568,6 +19118,477 @@
   <p:clrMapOvr>
     <a:masterClrMapping/>
   </p:clrMapOvr>
+  <p:timing>
+    <p:tnLst>
+      <p:par>
+        <p:cTn dur="indefinite" nodeType="tmRoot" restart="never">
+          <p:childTnLst>
+            <p:seq concurrent="1" nextAc="seek">
+              <p:cTn dur="indefinite" id="2" nodeType="mainSeq">
+                <p:childTnLst>
+                  <p:par>
+                    <p:cTn fill="hold">
+                      <p:stCondLst>
+                        <p:cond delay="indefinite"/>
+                      </p:stCondLst>
+                      <p:childTnLst>
+                        <p:par>
+                          <p:cTn fill="hold">
+                            <p:stCondLst>
+                              <p:cond delay="0"/>
+                            </p:stCondLst>
+                            <p:childTnLst>
+                              <p:par>
+                                <p:cTn fill="hold" nodeType="clickEffect" presetClass="entr" presetID="1" presetSubtype="0">
+                                  <p:stCondLst>
+                                    <p:cond delay="0"/>
+                                  </p:stCondLst>
+                                  <p:childTnLst>
+                                    <p:set>
+                                      <p:cBhvr>
+                                        <p:cTn dur="1" fill="hold">
+                                          <p:stCondLst>
+                                            <p:cond delay="0"/>
+                                          </p:stCondLst>
+                                        </p:cTn>
+                                        <p:tgtEl>
+                                          <p:spTgt spid="395">
+                                            <p:txEl>
+                                              <p:pRg end="0" st="0"/>
+                                            </p:txEl>
+                                          </p:spTgt>
+                                        </p:tgtEl>
+                                        <p:attrNameLst>
+                                          <p:attrName>style.visibility</p:attrName>
+                                        </p:attrNameLst>
+                                      </p:cBhvr>
+                                      <p:to>
+                                        <p:strVal val="visible"/>
+                                      </p:to>
+                                    </p:set>
+                                  </p:childTnLst>
+                                </p:cTn>
+                              </p:par>
+                            </p:childTnLst>
+                          </p:cTn>
+                        </p:par>
+                      </p:childTnLst>
+                    </p:cTn>
+                  </p:par>
+                  <p:par>
+                    <p:cTn fill="hold">
+                      <p:stCondLst>
+                        <p:cond delay="indefinite"/>
+                      </p:stCondLst>
+                      <p:childTnLst>
+                        <p:par>
+                          <p:cTn fill="hold">
+                            <p:stCondLst>
+                              <p:cond delay="0"/>
+                            </p:stCondLst>
+                            <p:childTnLst>
+                              <p:par>
+                                <p:cTn fill="hold" nodeType="clickEffect" presetClass="entr" presetID="1" presetSubtype="0">
+                                  <p:stCondLst>
+                                    <p:cond delay="0"/>
+                                  </p:stCondLst>
+                                  <p:childTnLst>
+                                    <p:set>
+                                      <p:cBhvr>
+                                        <p:cTn dur="1" fill="hold">
+                                          <p:stCondLst>
+                                            <p:cond delay="0"/>
+                                          </p:stCondLst>
+                                        </p:cTn>
+                                        <p:tgtEl>
+                                          <p:spTgt spid="395">
+                                            <p:txEl>
+                                              <p:pRg end="1" st="1"/>
+                                            </p:txEl>
+                                          </p:spTgt>
+                                        </p:tgtEl>
+                                        <p:attrNameLst>
+                                          <p:attrName>style.visibility</p:attrName>
+                                        </p:attrNameLst>
+                                      </p:cBhvr>
+                                      <p:to>
+                                        <p:strVal val="visible"/>
+                                      </p:to>
+                                    </p:set>
+                                  </p:childTnLst>
+                                </p:cTn>
+                              </p:par>
+                            </p:childTnLst>
+                          </p:cTn>
+                        </p:par>
+                      </p:childTnLst>
+                    </p:cTn>
+                  </p:par>
+                  <p:par>
+                    <p:cTn fill="hold">
+                      <p:stCondLst>
+                        <p:cond delay="indefinite"/>
+                      </p:stCondLst>
+                      <p:childTnLst>
+                        <p:par>
+                          <p:cTn fill="hold">
+                            <p:stCondLst>
+                              <p:cond delay="0"/>
+                            </p:stCondLst>
+                            <p:childTnLst>
+                              <p:par>
+                                <p:cTn fill="hold" nodeType="clickEffect" presetClass="entr" presetID="1" presetSubtype="0">
+                                  <p:stCondLst>
+                                    <p:cond delay="0"/>
+                                  </p:stCondLst>
+                                  <p:childTnLst>
+                                    <p:set>
+                                      <p:cBhvr>
+                                        <p:cTn dur="1" fill="hold">
+                                          <p:stCondLst>
+                                            <p:cond delay="0"/>
+                                          </p:stCondLst>
+                                        </p:cTn>
+                                        <p:tgtEl>
+                                          <p:spTgt spid="395">
+                                            <p:txEl>
+                                              <p:pRg end="2" st="2"/>
+                                            </p:txEl>
+                                          </p:spTgt>
+                                        </p:tgtEl>
+                                        <p:attrNameLst>
+                                          <p:attrName>style.visibility</p:attrName>
+                                        </p:attrNameLst>
+                                      </p:cBhvr>
+                                      <p:to>
+                                        <p:strVal val="visible"/>
+                                      </p:to>
+                                    </p:set>
+                                  </p:childTnLst>
+                                </p:cTn>
+                              </p:par>
+                            </p:childTnLst>
+                          </p:cTn>
+                        </p:par>
+                      </p:childTnLst>
+                    </p:cTn>
+                  </p:par>
+                  <p:par>
+                    <p:cTn fill="hold">
+                      <p:stCondLst>
+                        <p:cond delay="indefinite"/>
+                      </p:stCondLst>
+                      <p:childTnLst>
+                        <p:par>
+                          <p:cTn fill="hold">
+                            <p:stCondLst>
+                              <p:cond delay="0"/>
+                            </p:stCondLst>
+                            <p:childTnLst>
+                              <p:par>
+                                <p:cTn fill="hold" nodeType="clickEffect" presetClass="entr" presetID="1" presetSubtype="0">
+                                  <p:stCondLst>
+                                    <p:cond delay="0"/>
+                                  </p:stCondLst>
+                                  <p:childTnLst>
+                                    <p:set>
+                                      <p:cBhvr>
+                                        <p:cTn dur="1" fill="hold">
+                                          <p:stCondLst>
+                                            <p:cond delay="0"/>
+                                          </p:stCondLst>
+                                        </p:cTn>
+                                        <p:tgtEl>
+                                          <p:spTgt spid="395">
+                                            <p:txEl>
+                                              <p:pRg end="3" st="3"/>
+                                            </p:txEl>
+                                          </p:spTgt>
+                                        </p:tgtEl>
+                                        <p:attrNameLst>
+                                          <p:attrName>style.visibility</p:attrName>
+                                        </p:attrNameLst>
+                                      </p:cBhvr>
+                                      <p:to>
+                                        <p:strVal val="visible"/>
+                                      </p:to>
+                                    </p:set>
+                                  </p:childTnLst>
+                                </p:cTn>
+                              </p:par>
+                            </p:childTnLst>
+                          </p:cTn>
+                        </p:par>
+                      </p:childTnLst>
+                    </p:cTn>
+                  </p:par>
+                  <p:par>
+                    <p:cTn fill="hold">
+                      <p:stCondLst>
+                        <p:cond delay="indefinite"/>
+                      </p:stCondLst>
+                      <p:childTnLst>
+                        <p:par>
+                          <p:cTn fill="hold">
+                            <p:stCondLst>
+                              <p:cond delay="0"/>
+                            </p:stCondLst>
+                            <p:childTnLst>
+                              <p:par>
+                                <p:cTn fill="hold" nodeType="clickEffect" presetClass="entr" presetID="1" presetSubtype="0">
+                                  <p:stCondLst>
+                                    <p:cond delay="0"/>
+                                  </p:stCondLst>
+                                  <p:childTnLst>
+                                    <p:set>
+                                      <p:cBhvr>
+                                        <p:cTn dur="1" fill="hold">
+                                          <p:stCondLst>
+                                            <p:cond delay="0"/>
+                                          </p:stCondLst>
+                                        </p:cTn>
+                                        <p:tgtEl>
+                                          <p:spTgt spid="395">
+                                            <p:txEl>
+                                              <p:pRg end="4" st="4"/>
+                                            </p:txEl>
+                                          </p:spTgt>
+                                        </p:tgtEl>
+                                        <p:attrNameLst>
+                                          <p:attrName>style.visibility</p:attrName>
+                                        </p:attrNameLst>
+                                      </p:cBhvr>
+                                      <p:to>
+                                        <p:strVal val="visible"/>
+                                      </p:to>
+                                    </p:set>
+                                  </p:childTnLst>
+                                </p:cTn>
+                              </p:par>
+                            </p:childTnLst>
+                          </p:cTn>
+                        </p:par>
+                      </p:childTnLst>
+                    </p:cTn>
+                  </p:par>
+                  <p:par>
+                    <p:cTn fill="hold">
+                      <p:stCondLst>
+                        <p:cond delay="indefinite"/>
+                      </p:stCondLst>
+                      <p:childTnLst>
+                        <p:par>
+                          <p:cTn fill="hold">
+                            <p:stCondLst>
+                              <p:cond delay="0"/>
+                            </p:stCondLst>
+                            <p:childTnLst>
+                              <p:par>
+                                <p:cTn fill="hold" nodeType="clickEffect" presetClass="entr" presetID="1" presetSubtype="0">
+                                  <p:stCondLst>
+                                    <p:cond delay="0"/>
+                                  </p:stCondLst>
+                                  <p:childTnLst>
+                                    <p:set>
+                                      <p:cBhvr>
+                                        <p:cTn dur="1" fill="hold">
+                                          <p:stCondLst>
+                                            <p:cond delay="0"/>
+                                          </p:stCondLst>
+                                        </p:cTn>
+                                        <p:tgtEl>
+                                          <p:spTgt spid="395">
+                                            <p:txEl>
+                                              <p:pRg end="5" st="5"/>
+                                            </p:txEl>
+                                          </p:spTgt>
+                                        </p:tgtEl>
+                                        <p:attrNameLst>
+                                          <p:attrName>style.visibility</p:attrName>
+                                        </p:attrNameLst>
+                                      </p:cBhvr>
+                                      <p:to>
+                                        <p:strVal val="visible"/>
+                                      </p:to>
+                                    </p:set>
+                                  </p:childTnLst>
+                                </p:cTn>
+                              </p:par>
+                            </p:childTnLst>
+                          </p:cTn>
+                        </p:par>
+                      </p:childTnLst>
+                    </p:cTn>
+                  </p:par>
+                  <p:par>
+                    <p:cTn fill="hold">
+                      <p:stCondLst>
+                        <p:cond delay="indefinite"/>
+                      </p:stCondLst>
+                      <p:childTnLst>
+                        <p:par>
+                          <p:cTn fill="hold">
+                            <p:stCondLst>
+                              <p:cond delay="0"/>
+                            </p:stCondLst>
+                            <p:childTnLst>
+                              <p:par>
+                                <p:cTn fill="hold" nodeType="clickEffect" presetClass="entr" presetID="1" presetSubtype="0">
+                                  <p:stCondLst>
+                                    <p:cond delay="0"/>
+                                  </p:stCondLst>
+                                  <p:childTnLst>
+                                    <p:set>
+                                      <p:cBhvr>
+                                        <p:cTn dur="1" fill="hold">
+                                          <p:stCondLst>
+                                            <p:cond delay="0"/>
+                                          </p:stCondLst>
+                                        </p:cTn>
+                                        <p:tgtEl>
+                                          <p:spTgt spid="395">
+                                            <p:txEl>
+                                              <p:pRg end="6" st="6"/>
+                                            </p:txEl>
+                                          </p:spTgt>
+                                        </p:tgtEl>
+                                        <p:attrNameLst>
+                                          <p:attrName>style.visibility</p:attrName>
+                                        </p:attrNameLst>
+                                      </p:cBhvr>
+                                      <p:to>
+                                        <p:strVal val="visible"/>
+                                      </p:to>
+                                    </p:set>
+                                  </p:childTnLst>
+                                </p:cTn>
+                              </p:par>
+                            </p:childTnLst>
+                          </p:cTn>
+                        </p:par>
+                      </p:childTnLst>
+                    </p:cTn>
+                  </p:par>
+                  <p:par>
+                    <p:cTn fill="hold">
+                      <p:stCondLst>
+                        <p:cond delay="indefinite"/>
+                      </p:stCondLst>
+                      <p:childTnLst>
+                        <p:par>
+                          <p:cTn fill="hold">
+                            <p:stCondLst>
+                              <p:cond delay="0"/>
+                            </p:stCondLst>
+                            <p:childTnLst>
+                              <p:par>
+                                <p:cTn fill="hold" nodeType="clickEffect" presetClass="entr" presetID="1" presetSubtype="0">
+                                  <p:stCondLst>
+                                    <p:cond delay="0"/>
+                                  </p:stCondLst>
+                                  <p:childTnLst>
+                                    <p:set>
+                                      <p:cBhvr>
+                                        <p:cTn dur="1" fill="hold">
+                                          <p:stCondLst>
+                                            <p:cond delay="0"/>
+                                          </p:stCondLst>
+                                        </p:cTn>
+                                        <p:tgtEl>
+                                          <p:spTgt spid="395">
+                                            <p:txEl>
+                                              <p:pRg end="7" st="7"/>
+                                            </p:txEl>
+                                          </p:spTgt>
+                                        </p:tgtEl>
+                                        <p:attrNameLst>
+                                          <p:attrName>style.visibility</p:attrName>
+                                        </p:attrNameLst>
+                                      </p:cBhvr>
+                                      <p:to>
+                                        <p:strVal val="visible"/>
+                                      </p:to>
+                                    </p:set>
+                                  </p:childTnLst>
+                                </p:cTn>
+                              </p:par>
+                            </p:childTnLst>
+                          </p:cTn>
+                        </p:par>
+                      </p:childTnLst>
+                    </p:cTn>
+                  </p:par>
+                  <p:par>
+                    <p:cTn fill="hold">
+                      <p:stCondLst>
+                        <p:cond delay="indefinite"/>
+                      </p:stCondLst>
+                      <p:childTnLst>
+                        <p:par>
+                          <p:cTn fill="hold">
+                            <p:stCondLst>
+                              <p:cond delay="0"/>
+                            </p:stCondLst>
+                            <p:childTnLst>
+                              <p:par>
+                                <p:cTn fill="hold" nodeType="clickEffect" presetClass="entr" presetID="1" presetSubtype="0">
+                                  <p:stCondLst>
+                                    <p:cond delay="0"/>
+                                  </p:stCondLst>
+                                  <p:childTnLst>
+                                    <p:set>
+                                      <p:cBhvr>
+                                        <p:cTn dur="1" fill="hold">
+                                          <p:stCondLst>
+                                            <p:cond delay="0"/>
+                                          </p:stCondLst>
+                                        </p:cTn>
+                                        <p:tgtEl>
+                                          <p:spTgt spid="395">
+                                            <p:txEl>
+                                              <p:pRg end="8" st="8"/>
+                                            </p:txEl>
+                                          </p:spTgt>
+                                        </p:tgtEl>
+                                        <p:attrNameLst>
+                                          <p:attrName>style.visibility</p:attrName>
+                                        </p:attrNameLst>
+                                      </p:cBhvr>
+                                      <p:to>
+                                        <p:strVal val="visible"/>
+                                      </p:to>
+                                    </p:set>
+                                  </p:childTnLst>
+                                </p:cTn>
+                              </p:par>
+                            </p:childTnLst>
+                          </p:cTn>
+                        </p:par>
+                      </p:childTnLst>
+                    </p:cTn>
+                  </p:par>
+                </p:childTnLst>
+              </p:cTn>
+              <p:prevCondLst>
+                <p:cond evt="onPrev">
+                  <p:tgtEl>
+                    <p:sldTgt/>
+                  </p:tgtEl>
+                </p:cond>
+              </p:prevCondLst>
+              <p:nextCondLst>
+                <p:cond evt="onNext">
+                  <p:tgtEl>
+                    <p:sldTgt/>
+                  </p:tgtEl>
+                </p:cond>
+              </p:nextCondLst>
+            </p:seq>
+          </p:childTnLst>
+        </p:cTn>
+      </p:par>
+    </p:tnLst>
+  </p:timing>
 </p:sld>
 </file>
 
@@ -19627,6 +20648,232 @@
   <p:clrMapOvr>
     <a:masterClrMapping/>
   </p:clrMapOvr>
+  <p:timing>
+    <p:tnLst>
+      <p:par>
+        <p:cTn dur="indefinite" nodeType="tmRoot" restart="never">
+          <p:childTnLst>
+            <p:seq concurrent="1" nextAc="seek">
+              <p:cTn dur="indefinite" id="2" nodeType="mainSeq">
+                <p:childTnLst>
+                  <p:par>
+                    <p:cTn fill="hold">
+                      <p:stCondLst>
+                        <p:cond delay="indefinite"/>
+                      </p:stCondLst>
+                      <p:childTnLst>
+                        <p:par>
+                          <p:cTn fill="hold">
+                            <p:stCondLst>
+                              <p:cond delay="0"/>
+                            </p:stCondLst>
+                            <p:childTnLst>
+                              <p:par>
+                                <p:cTn fill="hold" nodeType="clickEffect" presetClass="entr" presetID="1" presetSubtype="0">
+                                  <p:stCondLst>
+                                    <p:cond delay="0"/>
+                                  </p:stCondLst>
+                                  <p:childTnLst>
+                                    <p:set>
+                                      <p:cBhvr>
+                                        <p:cTn dur="1" fill="hold">
+                                          <p:stCondLst>
+                                            <p:cond delay="0"/>
+                                          </p:stCondLst>
+                                        </p:cTn>
+                                        <p:tgtEl>
+                                          <p:spTgt spid="439">
+                                            <p:txEl>
+                                              <p:pRg end="0" st="0"/>
+                                            </p:txEl>
+                                          </p:spTgt>
+                                        </p:tgtEl>
+                                        <p:attrNameLst>
+                                          <p:attrName>style.visibility</p:attrName>
+                                        </p:attrNameLst>
+                                      </p:cBhvr>
+                                      <p:to>
+                                        <p:strVal val="visible"/>
+                                      </p:to>
+                                    </p:set>
+                                  </p:childTnLst>
+                                </p:cTn>
+                              </p:par>
+                            </p:childTnLst>
+                          </p:cTn>
+                        </p:par>
+                      </p:childTnLst>
+                    </p:cTn>
+                  </p:par>
+                  <p:par>
+                    <p:cTn fill="hold">
+                      <p:stCondLst>
+                        <p:cond delay="indefinite"/>
+                      </p:stCondLst>
+                      <p:childTnLst>
+                        <p:par>
+                          <p:cTn fill="hold">
+                            <p:stCondLst>
+                              <p:cond delay="0"/>
+                            </p:stCondLst>
+                            <p:childTnLst>
+                              <p:par>
+                                <p:cTn fill="hold" nodeType="clickEffect" presetClass="entr" presetID="1" presetSubtype="0">
+                                  <p:stCondLst>
+                                    <p:cond delay="0"/>
+                                  </p:stCondLst>
+                                  <p:childTnLst>
+                                    <p:set>
+                                      <p:cBhvr>
+                                        <p:cTn dur="1" fill="hold">
+                                          <p:stCondLst>
+                                            <p:cond delay="0"/>
+                                          </p:stCondLst>
+                                        </p:cTn>
+                                        <p:tgtEl>
+                                          <p:spTgt spid="439">
+                                            <p:txEl>
+                                              <p:pRg end="1" st="1"/>
+                                            </p:txEl>
+                                          </p:spTgt>
+                                        </p:tgtEl>
+                                        <p:attrNameLst>
+                                          <p:attrName>style.visibility</p:attrName>
+                                        </p:attrNameLst>
+                                      </p:cBhvr>
+                                      <p:to>
+                                        <p:strVal val="visible"/>
+                                      </p:to>
+                                    </p:set>
+                                  </p:childTnLst>
+                                </p:cTn>
+                              </p:par>
+                            </p:childTnLst>
+                          </p:cTn>
+                        </p:par>
+                      </p:childTnLst>
+                    </p:cTn>
+                  </p:par>
+                  <p:par>
+                    <p:cTn fill="hold">
+                      <p:stCondLst>
+                        <p:cond delay="indefinite"/>
+                      </p:stCondLst>
+                      <p:childTnLst>
+                        <p:par>
+                          <p:cTn fill="hold">
+                            <p:stCondLst>
+                              <p:cond delay="0"/>
+                            </p:stCondLst>
+                            <p:childTnLst>
+                              <p:par>
+                                <p:cTn fill="hold" nodeType="clickEffect" presetClass="entr" presetID="1" presetSubtype="0">
+                                  <p:stCondLst>
+                                    <p:cond delay="0"/>
+                                  </p:stCondLst>
+                                  <p:childTnLst>
+                                    <p:set>
+                                      <p:cBhvr>
+                                        <p:cTn dur="1" fill="hold">
+                                          <p:stCondLst>
+                                            <p:cond delay="0"/>
+                                          </p:stCondLst>
+                                        </p:cTn>
+                                        <p:tgtEl>
+                                          <p:spTgt spid="439">
+                                            <p:txEl>
+                                              <p:pRg end="2" st="2"/>
+                                            </p:txEl>
+                                          </p:spTgt>
+                                        </p:tgtEl>
+                                        <p:attrNameLst>
+                                          <p:attrName>style.visibility</p:attrName>
+                                        </p:attrNameLst>
+                                      </p:cBhvr>
+                                      <p:to>
+                                        <p:strVal val="visible"/>
+                                      </p:to>
+                                    </p:set>
+                                  </p:childTnLst>
+                                </p:cTn>
+                              </p:par>
+                            </p:childTnLst>
+                          </p:cTn>
+                        </p:par>
+                      </p:childTnLst>
+                    </p:cTn>
+                  </p:par>
+                  <p:par>
+                    <p:cTn fill="hold">
+                      <p:stCondLst>
+                        <p:cond delay="indefinite"/>
+                      </p:stCondLst>
+                      <p:childTnLst>
+                        <p:par>
+                          <p:cTn fill="hold">
+                            <p:stCondLst>
+                              <p:cond delay="0"/>
+                            </p:stCondLst>
+                            <p:childTnLst>
+                              <p:par>
+                                <p:cTn fill="hold" nodeType="clickEffect" presetClass="entr" presetID="1" presetSubtype="0">
+                                  <p:stCondLst>
+                                    <p:cond delay="0"/>
+                                  </p:stCondLst>
+                                  <p:childTnLst>
+                                    <p:set>
+                                      <p:cBhvr>
+                                        <p:cTn dur="1" fill="hold">
+                                          <p:stCondLst>
+                                            <p:cond delay="0"/>
+                                          </p:stCondLst>
+                                        </p:cTn>
+                                        <p:tgtEl>
+                                          <p:spTgt spid="439">
+                                            <p:txEl>
+                                              <p:pRg end="3" st="3"/>
+                                            </p:txEl>
+                                          </p:spTgt>
+                                        </p:tgtEl>
+                                        <p:attrNameLst>
+                                          <p:attrName>style.visibility</p:attrName>
+                                        </p:attrNameLst>
+                                      </p:cBhvr>
+                                      <p:to>
+                                        <p:strVal val="visible"/>
+                                      </p:to>
+                                    </p:set>
+                                  </p:childTnLst>
+                                </p:cTn>
+                              </p:par>
+                            </p:childTnLst>
+                          </p:cTn>
+                        </p:par>
+                      </p:childTnLst>
+                    </p:cTn>
+                  </p:par>
+                </p:childTnLst>
+              </p:cTn>
+              <p:prevCondLst>
+                <p:cond evt="onPrev">
+                  <p:tgtEl>
+                    <p:sldTgt/>
+                  </p:tgtEl>
+                </p:cond>
+              </p:prevCondLst>
+              <p:nextCondLst>
+                <p:cond evt="onNext">
+                  <p:tgtEl>
+                    <p:sldTgt/>
+                  </p:tgtEl>
+                </p:cond>
+              </p:nextCondLst>
+            </p:seq>
+          </p:childTnLst>
+        </p:cTn>
+      </p:par>
+    </p:tnLst>
+  </p:timing>
 </p:sld>
 </file>
 
@@ -20071,6 +21318,281 @@
   <p:clrMapOvr>
     <a:masterClrMapping/>
   </p:clrMapOvr>
+  <p:timing>
+    <p:tnLst>
+      <p:par>
+        <p:cTn dur="indefinite" nodeType="tmRoot" restart="never">
+          <p:childTnLst>
+            <p:seq concurrent="1" nextAc="seek">
+              <p:cTn dur="indefinite" id="2" nodeType="mainSeq">
+                <p:childTnLst>
+                  <p:par>
+                    <p:cTn fill="hold">
+                      <p:stCondLst>
+                        <p:cond delay="indefinite"/>
+                      </p:stCondLst>
+                      <p:childTnLst>
+                        <p:par>
+                          <p:cTn fill="hold">
+                            <p:stCondLst>
+                              <p:cond delay="0"/>
+                            </p:stCondLst>
+                            <p:childTnLst>
+                              <p:par>
+                                <p:cTn fill="hold" nodeType="clickEffect" presetClass="entr" presetID="1" presetSubtype="0">
+                                  <p:stCondLst>
+                                    <p:cond delay="0"/>
+                                  </p:stCondLst>
+                                  <p:childTnLst>
+                                    <p:set>
+                                      <p:cBhvr>
+                                        <p:cTn dur="1" fill="hold">
+                                          <p:stCondLst>
+                                            <p:cond delay="0"/>
+                                          </p:stCondLst>
+                                        </p:cTn>
+                                        <p:tgtEl>
+                                          <p:spTgt spid="284">
+                                            <p:txEl>
+                                              <p:pRg end="0" st="0"/>
+                                            </p:txEl>
+                                          </p:spTgt>
+                                        </p:tgtEl>
+                                        <p:attrNameLst>
+                                          <p:attrName>style.visibility</p:attrName>
+                                        </p:attrNameLst>
+                                      </p:cBhvr>
+                                      <p:to>
+                                        <p:strVal val="visible"/>
+                                      </p:to>
+                                    </p:set>
+                                  </p:childTnLst>
+                                </p:cTn>
+                              </p:par>
+                            </p:childTnLst>
+                          </p:cTn>
+                        </p:par>
+                      </p:childTnLst>
+                    </p:cTn>
+                  </p:par>
+                  <p:par>
+                    <p:cTn fill="hold">
+                      <p:stCondLst>
+                        <p:cond delay="indefinite"/>
+                      </p:stCondLst>
+                      <p:childTnLst>
+                        <p:par>
+                          <p:cTn fill="hold">
+                            <p:stCondLst>
+                              <p:cond delay="0"/>
+                            </p:stCondLst>
+                            <p:childTnLst>
+                              <p:par>
+                                <p:cTn fill="hold" nodeType="clickEffect" presetClass="entr" presetID="1" presetSubtype="0">
+                                  <p:stCondLst>
+                                    <p:cond delay="0"/>
+                                  </p:stCondLst>
+                                  <p:childTnLst>
+                                    <p:set>
+                                      <p:cBhvr>
+                                        <p:cTn dur="1" fill="hold">
+                                          <p:stCondLst>
+                                            <p:cond delay="0"/>
+                                          </p:stCondLst>
+                                        </p:cTn>
+                                        <p:tgtEl>
+                                          <p:spTgt spid="284">
+                                            <p:txEl>
+                                              <p:pRg end="1" st="1"/>
+                                            </p:txEl>
+                                          </p:spTgt>
+                                        </p:tgtEl>
+                                        <p:attrNameLst>
+                                          <p:attrName>style.visibility</p:attrName>
+                                        </p:attrNameLst>
+                                      </p:cBhvr>
+                                      <p:to>
+                                        <p:strVal val="visible"/>
+                                      </p:to>
+                                    </p:set>
+                                  </p:childTnLst>
+                                </p:cTn>
+                              </p:par>
+                            </p:childTnLst>
+                          </p:cTn>
+                        </p:par>
+                      </p:childTnLst>
+                    </p:cTn>
+                  </p:par>
+                  <p:par>
+                    <p:cTn fill="hold">
+                      <p:stCondLst>
+                        <p:cond delay="indefinite"/>
+                      </p:stCondLst>
+                      <p:childTnLst>
+                        <p:par>
+                          <p:cTn fill="hold">
+                            <p:stCondLst>
+                              <p:cond delay="0"/>
+                            </p:stCondLst>
+                            <p:childTnLst>
+                              <p:par>
+                                <p:cTn fill="hold" nodeType="clickEffect" presetClass="entr" presetID="1" presetSubtype="0">
+                                  <p:stCondLst>
+                                    <p:cond delay="0"/>
+                                  </p:stCondLst>
+                                  <p:childTnLst>
+                                    <p:set>
+                                      <p:cBhvr>
+                                        <p:cTn dur="1" fill="hold">
+                                          <p:stCondLst>
+                                            <p:cond delay="0"/>
+                                          </p:stCondLst>
+                                        </p:cTn>
+                                        <p:tgtEl>
+                                          <p:spTgt spid="284">
+                                            <p:txEl>
+                                              <p:pRg end="2" st="2"/>
+                                            </p:txEl>
+                                          </p:spTgt>
+                                        </p:tgtEl>
+                                        <p:attrNameLst>
+                                          <p:attrName>style.visibility</p:attrName>
+                                        </p:attrNameLst>
+                                      </p:cBhvr>
+                                      <p:to>
+                                        <p:strVal val="visible"/>
+                                      </p:to>
+                                    </p:set>
+                                  </p:childTnLst>
+                                </p:cTn>
+                              </p:par>
+                            </p:childTnLst>
+                          </p:cTn>
+                        </p:par>
+                      </p:childTnLst>
+                    </p:cTn>
+                  </p:par>
+                  <p:par>
+                    <p:cTn fill="hold">
+                      <p:stCondLst>
+                        <p:cond delay="indefinite"/>
+                      </p:stCondLst>
+                      <p:childTnLst>
+                        <p:par>
+                          <p:cTn fill="hold">
+                            <p:stCondLst>
+                              <p:cond delay="0"/>
+                            </p:stCondLst>
+                            <p:childTnLst>
+                              <p:par>
+                                <p:cTn fill="hold" nodeType="clickEffect" presetClass="entr" presetID="1" presetSubtype="0">
+                                  <p:stCondLst>
+                                    <p:cond delay="0"/>
+                                  </p:stCondLst>
+                                  <p:childTnLst>
+                                    <p:set>
+                                      <p:cBhvr>
+                                        <p:cTn dur="1" fill="hold">
+                                          <p:stCondLst>
+                                            <p:cond delay="0"/>
+                                          </p:stCondLst>
+                                        </p:cTn>
+                                        <p:tgtEl>
+                                          <p:spTgt spid="284">
+                                            <p:txEl>
+                                              <p:pRg end="3" st="3"/>
+                                            </p:txEl>
+                                          </p:spTgt>
+                                        </p:tgtEl>
+                                        <p:attrNameLst>
+                                          <p:attrName>style.visibility</p:attrName>
+                                        </p:attrNameLst>
+                                      </p:cBhvr>
+                                      <p:to>
+                                        <p:strVal val="visible"/>
+                                      </p:to>
+                                    </p:set>
+                                  </p:childTnLst>
+                                </p:cTn>
+                              </p:par>
+                            </p:childTnLst>
+                          </p:cTn>
+                        </p:par>
+                      </p:childTnLst>
+                    </p:cTn>
+                  </p:par>
+                  <p:par>
+                    <p:cTn fill="hold">
+                      <p:stCondLst>
+                        <p:cond delay="indefinite"/>
+                      </p:stCondLst>
+                      <p:childTnLst>
+                        <p:par>
+                          <p:cTn fill="hold">
+                            <p:stCondLst>
+                              <p:cond delay="0"/>
+                            </p:stCondLst>
+                            <p:childTnLst>
+                              <p:par>
+                                <p:cTn fill="hold" nodeType="clickEffect" presetClass="entr" presetID="1" presetSubtype="0">
+                                  <p:stCondLst>
+                                    <p:cond delay="0"/>
+                                  </p:stCondLst>
+                                  <p:childTnLst>
+                                    <p:set>
+                                      <p:cBhvr>
+                                        <p:cTn dur="1" fill="hold">
+                                          <p:stCondLst>
+                                            <p:cond delay="0"/>
+                                          </p:stCondLst>
+                                        </p:cTn>
+                                        <p:tgtEl>
+                                          <p:spTgt spid="284">
+                                            <p:txEl>
+                                              <p:pRg end="4" st="4"/>
+                                            </p:txEl>
+                                          </p:spTgt>
+                                        </p:tgtEl>
+                                        <p:attrNameLst>
+                                          <p:attrName>style.visibility</p:attrName>
+                                        </p:attrNameLst>
+                                      </p:cBhvr>
+                                      <p:to>
+                                        <p:strVal val="visible"/>
+                                      </p:to>
+                                    </p:set>
+                                  </p:childTnLst>
+                                </p:cTn>
+                              </p:par>
+                            </p:childTnLst>
+                          </p:cTn>
+                        </p:par>
+                      </p:childTnLst>
+                    </p:cTn>
+                  </p:par>
+                </p:childTnLst>
+              </p:cTn>
+              <p:prevCondLst>
+                <p:cond evt="onPrev">
+                  <p:tgtEl>
+                    <p:sldTgt/>
+                  </p:tgtEl>
+                </p:cond>
+              </p:prevCondLst>
+              <p:nextCondLst>
+                <p:cond evt="onNext">
+                  <p:tgtEl>
+                    <p:sldTgt/>
+                  </p:tgtEl>
+                </p:cond>
+              </p:nextCondLst>
+            </p:seq>
+          </p:childTnLst>
+        </p:cTn>
+      </p:par>
+    </p:tnLst>
+  </p:timing>
 </p:sld>
 </file>
 
@@ -20228,8 +21750,8 @@
         </p:blipFill>
         <p:spPr>
           <a:xfrm>
-            <a:off x="4864800" y="1605351"/>
-            <a:ext cx="4060449" cy="2050006"/>
+            <a:off x="6648009" y="0"/>
+            <a:ext cx="1854132" cy="5143499"/>
           </a:xfrm>
           <a:prstGeom prst="rect">
             <a:avLst/>
@@ -20245,6 +21767,183 @@
   <p:clrMapOvr>
     <a:masterClrMapping/>
   </p:clrMapOvr>
+  <p:timing>
+    <p:tnLst>
+      <p:par>
+        <p:cTn dur="indefinite" nodeType="tmRoot" restart="never">
+          <p:childTnLst>
+            <p:seq concurrent="1" nextAc="seek">
+              <p:cTn dur="indefinite" id="2" nodeType="mainSeq">
+                <p:childTnLst>
+                  <p:par>
+                    <p:cTn fill="hold">
+                      <p:stCondLst>
+                        <p:cond delay="indefinite"/>
+                      </p:stCondLst>
+                      <p:childTnLst>
+                        <p:par>
+                          <p:cTn fill="hold">
+                            <p:stCondLst>
+                              <p:cond delay="0"/>
+                            </p:stCondLst>
+                            <p:childTnLst>
+                              <p:par>
+                                <p:cTn fill="hold" nodeType="clickEffect" presetClass="entr" presetID="1" presetSubtype="0">
+                                  <p:stCondLst>
+                                    <p:cond delay="0"/>
+                                  </p:stCondLst>
+                                  <p:childTnLst>
+                                    <p:set>
+                                      <p:cBhvr>
+                                        <p:cTn dur="1" fill="hold">
+                                          <p:stCondLst>
+                                            <p:cond delay="0"/>
+                                          </p:stCondLst>
+                                        </p:cTn>
+                                        <p:tgtEl>
+                                          <p:spTgt spid="291">
+                                            <p:txEl>
+                                              <p:pRg end="0" st="0"/>
+                                            </p:txEl>
+                                          </p:spTgt>
+                                        </p:tgtEl>
+                                        <p:attrNameLst>
+                                          <p:attrName>style.visibility</p:attrName>
+                                        </p:attrNameLst>
+                                      </p:cBhvr>
+                                      <p:to>
+                                        <p:strVal val="visible"/>
+                                      </p:to>
+                                    </p:set>
+                                  </p:childTnLst>
+                                </p:cTn>
+                              </p:par>
+                            </p:childTnLst>
+                          </p:cTn>
+                        </p:par>
+                      </p:childTnLst>
+                    </p:cTn>
+                  </p:par>
+                  <p:par>
+                    <p:cTn fill="hold">
+                      <p:stCondLst>
+                        <p:cond delay="indefinite"/>
+                      </p:stCondLst>
+                      <p:childTnLst>
+                        <p:par>
+                          <p:cTn fill="hold">
+                            <p:stCondLst>
+                              <p:cond delay="0"/>
+                            </p:stCondLst>
+                            <p:childTnLst>
+                              <p:par>
+                                <p:cTn fill="hold" nodeType="clickEffect" presetClass="entr" presetID="1" presetSubtype="0">
+                                  <p:stCondLst>
+                                    <p:cond delay="0"/>
+                                  </p:stCondLst>
+                                  <p:childTnLst>
+                                    <p:set>
+                                      <p:cBhvr>
+                                        <p:cTn dur="1" fill="hold">
+                                          <p:stCondLst>
+                                            <p:cond delay="0"/>
+                                          </p:stCondLst>
+                                        </p:cTn>
+                                        <p:tgtEl>
+                                          <p:spTgt spid="291">
+                                            <p:txEl>
+                                              <p:pRg end="1" st="1"/>
+                                            </p:txEl>
+                                          </p:spTgt>
+                                        </p:tgtEl>
+                                        <p:attrNameLst>
+                                          <p:attrName>style.visibility</p:attrName>
+                                        </p:attrNameLst>
+                                      </p:cBhvr>
+                                      <p:to>
+                                        <p:strVal val="visible"/>
+                                      </p:to>
+                                    </p:set>
+                                  </p:childTnLst>
+                                </p:cTn>
+                              </p:par>
+                            </p:childTnLst>
+                          </p:cTn>
+                        </p:par>
+                      </p:childTnLst>
+                    </p:cTn>
+                  </p:par>
+                  <p:par>
+                    <p:cTn fill="hold">
+                      <p:stCondLst>
+                        <p:cond delay="indefinite"/>
+                      </p:stCondLst>
+                      <p:childTnLst>
+                        <p:par>
+                          <p:cTn fill="hold">
+                            <p:stCondLst>
+                              <p:cond delay="0"/>
+                            </p:stCondLst>
+                            <p:childTnLst>
+                              <p:par>
+                                <p:cTn fill="hold" nodeType="clickEffect" presetClass="entr" presetID="1" presetSubtype="0">
+                                  <p:stCondLst>
+                                    <p:cond delay="0"/>
+                                  </p:stCondLst>
+                                  <p:childTnLst>
+                                    <p:set>
+                                      <p:cBhvr>
+                                        <p:cTn dur="1" fill="hold">
+                                          <p:stCondLst>
+                                            <p:cond delay="0"/>
+                                          </p:stCondLst>
+                                        </p:cTn>
+                                        <p:tgtEl>
+                                          <p:spTgt spid="291">
+                                            <p:txEl>
+                                              <p:pRg end="2" st="2"/>
+                                            </p:txEl>
+                                          </p:spTgt>
+                                        </p:tgtEl>
+                                        <p:attrNameLst>
+                                          <p:attrName>style.visibility</p:attrName>
+                                        </p:attrNameLst>
+                                      </p:cBhvr>
+                                      <p:to>
+                                        <p:strVal val="visible"/>
+                                      </p:to>
+                                    </p:set>
+                                  </p:childTnLst>
+                                </p:cTn>
+                              </p:par>
+                            </p:childTnLst>
+                          </p:cTn>
+                        </p:par>
+                      </p:childTnLst>
+                    </p:cTn>
+                  </p:par>
+                </p:childTnLst>
+              </p:cTn>
+              <p:prevCondLst>
+                <p:cond evt="onPrev">
+                  <p:tgtEl>
+                    <p:sldTgt/>
+                  </p:tgtEl>
+                </p:cond>
+              </p:prevCondLst>
+              <p:nextCondLst>
+                <p:cond evt="onNext">
+                  <p:tgtEl>
+                    <p:sldTgt/>
+                  </p:tgtEl>
+                </p:cond>
+              </p:nextCondLst>
+            </p:seq>
+          </p:childTnLst>
+        </p:cTn>
+      </p:par>
+    </p:tnLst>
+  </p:timing>
 </p:sld>
 </file>
 
@@ -20445,6 +22144,379 @@
   <p:clrMapOvr>
     <a:masterClrMapping/>
   </p:clrMapOvr>
+  <p:timing>
+    <p:tnLst>
+      <p:par>
+        <p:cTn dur="indefinite" nodeType="tmRoot" restart="never">
+          <p:childTnLst>
+            <p:seq concurrent="1" nextAc="seek">
+              <p:cTn dur="indefinite" id="2" nodeType="mainSeq">
+                <p:childTnLst>
+                  <p:par>
+                    <p:cTn fill="hold">
+                      <p:stCondLst>
+                        <p:cond delay="indefinite"/>
+                      </p:stCondLst>
+                      <p:childTnLst>
+                        <p:par>
+                          <p:cTn fill="hold">
+                            <p:stCondLst>
+                              <p:cond delay="0"/>
+                            </p:stCondLst>
+                            <p:childTnLst>
+                              <p:par>
+                                <p:cTn fill="hold" nodeType="clickEffect" presetClass="entr" presetID="1" presetSubtype="0">
+                                  <p:stCondLst>
+                                    <p:cond delay="0"/>
+                                  </p:stCondLst>
+                                  <p:childTnLst>
+                                    <p:set>
+                                      <p:cBhvr>
+                                        <p:cTn dur="1" fill="hold">
+                                          <p:stCondLst>
+                                            <p:cond delay="0"/>
+                                          </p:stCondLst>
+                                        </p:cTn>
+                                        <p:tgtEl>
+                                          <p:spTgt spid="298">
+                                            <p:txEl>
+                                              <p:pRg end="0" st="0"/>
+                                            </p:txEl>
+                                          </p:spTgt>
+                                        </p:tgtEl>
+                                        <p:attrNameLst>
+                                          <p:attrName>style.visibility</p:attrName>
+                                        </p:attrNameLst>
+                                      </p:cBhvr>
+                                      <p:to>
+                                        <p:strVal val="visible"/>
+                                      </p:to>
+                                    </p:set>
+                                  </p:childTnLst>
+                                </p:cTn>
+                              </p:par>
+                            </p:childTnLst>
+                          </p:cTn>
+                        </p:par>
+                      </p:childTnLst>
+                    </p:cTn>
+                  </p:par>
+                  <p:par>
+                    <p:cTn fill="hold">
+                      <p:stCondLst>
+                        <p:cond delay="indefinite"/>
+                      </p:stCondLst>
+                      <p:childTnLst>
+                        <p:par>
+                          <p:cTn fill="hold">
+                            <p:stCondLst>
+                              <p:cond delay="0"/>
+                            </p:stCondLst>
+                            <p:childTnLst>
+                              <p:par>
+                                <p:cTn fill="hold" nodeType="clickEffect" presetClass="entr" presetID="1" presetSubtype="0">
+                                  <p:stCondLst>
+                                    <p:cond delay="0"/>
+                                  </p:stCondLst>
+                                  <p:childTnLst>
+                                    <p:set>
+                                      <p:cBhvr>
+                                        <p:cTn dur="1" fill="hold">
+                                          <p:stCondLst>
+                                            <p:cond delay="0"/>
+                                          </p:stCondLst>
+                                        </p:cTn>
+                                        <p:tgtEl>
+                                          <p:spTgt spid="298">
+                                            <p:txEl>
+                                              <p:pRg end="1" st="1"/>
+                                            </p:txEl>
+                                          </p:spTgt>
+                                        </p:tgtEl>
+                                        <p:attrNameLst>
+                                          <p:attrName>style.visibility</p:attrName>
+                                        </p:attrNameLst>
+                                      </p:cBhvr>
+                                      <p:to>
+                                        <p:strVal val="visible"/>
+                                      </p:to>
+                                    </p:set>
+                                  </p:childTnLst>
+                                </p:cTn>
+                              </p:par>
+                            </p:childTnLst>
+                          </p:cTn>
+                        </p:par>
+                      </p:childTnLst>
+                    </p:cTn>
+                  </p:par>
+                  <p:par>
+                    <p:cTn fill="hold">
+                      <p:stCondLst>
+                        <p:cond delay="indefinite"/>
+                      </p:stCondLst>
+                      <p:childTnLst>
+                        <p:par>
+                          <p:cTn fill="hold">
+                            <p:stCondLst>
+                              <p:cond delay="0"/>
+                            </p:stCondLst>
+                            <p:childTnLst>
+                              <p:par>
+                                <p:cTn fill="hold" nodeType="clickEffect" presetClass="entr" presetID="1" presetSubtype="0">
+                                  <p:stCondLst>
+                                    <p:cond delay="0"/>
+                                  </p:stCondLst>
+                                  <p:childTnLst>
+                                    <p:set>
+                                      <p:cBhvr>
+                                        <p:cTn dur="1" fill="hold">
+                                          <p:stCondLst>
+                                            <p:cond delay="0"/>
+                                          </p:stCondLst>
+                                        </p:cTn>
+                                        <p:tgtEl>
+                                          <p:spTgt spid="298">
+                                            <p:txEl>
+                                              <p:pRg end="2" st="2"/>
+                                            </p:txEl>
+                                          </p:spTgt>
+                                        </p:tgtEl>
+                                        <p:attrNameLst>
+                                          <p:attrName>style.visibility</p:attrName>
+                                        </p:attrNameLst>
+                                      </p:cBhvr>
+                                      <p:to>
+                                        <p:strVal val="visible"/>
+                                      </p:to>
+                                    </p:set>
+                                  </p:childTnLst>
+                                </p:cTn>
+                              </p:par>
+                            </p:childTnLst>
+                          </p:cTn>
+                        </p:par>
+                      </p:childTnLst>
+                    </p:cTn>
+                  </p:par>
+                  <p:par>
+                    <p:cTn fill="hold">
+                      <p:stCondLst>
+                        <p:cond delay="indefinite"/>
+                      </p:stCondLst>
+                      <p:childTnLst>
+                        <p:par>
+                          <p:cTn fill="hold">
+                            <p:stCondLst>
+                              <p:cond delay="0"/>
+                            </p:stCondLst>
+                            <p:childTnLst>
+                              <p:par>
+                                <p:cTn fill="hold" nodeType="clickEffect" presetClass="entr" presetID="1" presetSubtype="0">
+                                  <p:stCondLst>
+                                    <p:cond delay="0"/>
+                                  </p:stCondLst>
+                                  <p:childTnLst>
+                                    <p:set>
+                                      <p:cBhvr>
+                                        <p:cTn dur="1" fill="hold">
+                                          <p:stCondLst>
+                                            <p:cond delay="0"/>
+                                          </p:stCondLst>
+                                        </p:cTn>
+                                        <p:tgtEl>
+                                          <p:spTgt spid="298">
+                                            <p:txEl>
+                                              <p:pRg end="3" st="3"/>
+                                            </p:txEl>
+                                          </p:spTgt>
+                                        </p:tgtEl>
+                                        <p:attrNameLst>
+                                          <p:attrName>style.visibility</p:attrName>
+                                        </p:attrNameLst>
+                                      </p:cBhvr>
+                                      <p:to>
+                                        <p:strVal val="visible"/>
+                                      </p:to>
+                                    </p:set>
+                                  </p:childTnLst>
+                                </p:cTn>
+                              </p:par>
+                            </p:childTnLst>
+                          </p:cTn>
+                        </p:par>
+                      </p:childTnLst>
+                    </p:cTn>
+                  </p:par>
+                  <p:par>
+                    <p:cTn fill="hold">
+                      <p:stCondLst>
+                        <p:cond delay="indefinite"/>
+                      </p:stCondLst>
+                      <p:childTnLst>
+                        <p:par>
+                          <p:cTn fill="hold">
+                            <p:stCondLst>
+                              <p:cond delay="0"/>
+                            </p:stCondLst>
+                            <p:childTnLst>
+                              <p:par>
+                                <p:cTn fill="hold" nodeType="clickEffect" presetClass="entr" presetID="1" presetSubtype="0">
+                                  <p:stCondLst>
+                                    <p:cond delay="0"/>
+                                  </p:stCondLst>
+                                  <p:childTnLst>
+                                    <p:set>
+                                      <p:cBhvr>
+                                        <p:cTn dur="1" fill="hold">
+                                          <p:stCondLst>
+                                            <p:cond delay="0"/>
+                                          </p:stCondLst>
+                                        </p:cTn>
+                                        <p:tgtEl>
+                                          <p:spTgt spid="298">
+                                            <p:txEl>
+                                              <p:pRg end="4" st="4"/>
+                                            </p:txEl>
+                                          </p:spTgt>
+                                        </p:tgtEl>
+                                        <p:attrNameLst>
+                                          <p:attrName>style.visibility</p:attrName>
+                                        </p:attrNameLst>
+                                      </p:cBhvr>
+                                      <p:to>
+                                        <p:strVal val="visible"/>
+                                      </p:to>
+                                    </p:set>
+                                  </p:childTnLst>
+                                </p:cTn>
+                              </p:par>
+                            </p:childTnLst>
+                          </p:cTn>
+                        </p:par>
+                      </p:childTnLst>
+                    </p:cTn>
+                  </p:par>
+                  <p:par>
+                    <p:cTn fill="hold">
+                      <p:stCondLst>
+                        <p:cond delay="indefinite"/>
+                      </p:stCondLst>
+                      <p:childTnLst>
+                        <p:par>
+                          <p:cTn fill="hold">
+                            <p:stCondLst>
+                              <p:cond delay="0"/>
+                            </p:stCondLst>
+                            <p:childTnLst>
+                              <p:par>
+                                <p:cTn fill="hold" nodeType="clickEffect" presetClass="entr" presetID="1" presetSubtype="0">
+                                  <p:stCondLst>
+                                    <p:cond delay="0"/>
+                                  </p:stCondLst>
+                                  <p:childTnLst>
+                                    <p:set>
+                                      <p:cBhvr>
+                                        <p:cTn dur="1" fill="hold">
+                                          <p:stCondLst>
+                                            <p:cond delay="0"/>
+                                          </p:stCondLst>
+                                        </p:cTn>
+                                        <p:tgtEl>
+                                          <p:spTgt spid="298">
+                                            <p:txEl>
+                                              <p:pRg end="5" st="5"/>
+                                            </p:txEl>
+                                          </p:spTgt>
+                                        </p:tgtEl>
+                                        <p:attrNameLst>
+                                          <p:attrName>style.visibility</p:attrName>
+                                        </p:attrNameLst>
+                                      </p:cBhvr>
+                                      <p:to>
+                                        <p:strVal val="visible"/>
+                                      </p:to>
+                                    </p:set>
+                                  </p:childTnLst>
+                                </p:cTn>
+                              </p:par>
+                            </p:childTnLst>
+                          </p:cTn>
+                        </p:par>
+                      </p:childTnLst>
+                    </p:cTn>
+                  </p:par>
+                  <p:par>
+                    <p:cTn fill="hold">
+                      <p:stCondLst>
+                        <p:cond delay="indefinite"/>
+                      </p:stCondLst>
+                      <p:childTnLst>
+                        <p:par>
+                          <p:cTn fill="hold">
+                            <p:stCondLst>
+                              <p:cond delay="0"/>
+                            </p:stCondLst>
+                            <p:childTnLst>
+                              <p:par>
+                                <p:cTn fill="hold" nodeType="clickEffect" presetClass="entr" presetID="1" presetSubtype="0">
+                                  <p:stCondLst>
+                                    <p:cond delay="0"/>
+                                  </p:stCondLst>
+                                  <p:childTnLst>
+                                    <p:set>
+                                      <p:cBhvr>
+                                        <p:cTn dur="1" fill="hold">
+                                          <p:stCondLst>
+                                            <p:cond delay="0"/>
+                                          </p:stCondLst>
+                                        </p:cTn>
+                                        <p:tgtEl>
+                                          <p:spTgt spid="298">
+                                            <p:txEl>
+                                              <p:pRg end="6" st="6"/>
+                                            </p:txEl>
+                                          </p:spTgt>
+                                        </p:tgtEl>
+                                        <p:attrNameLst>
+                                          <p:attrName>style.visibility</p:attrName>
+                                        </p:attrNameLst>
+                                      </p:cBhvr>
+                                      <p:to>
+                                        <p:strVal val="visible"/>
+                                      </p:to>
+                                    </p:set>
+                                  </p:childTnLst>
+                                </p:cTn>
+                              </p:par>
+                            </p:childTnLst>
+                          </p:cTn>
+                        </p:par>
+                      </p:childTnLst>
+                    </p:cTn>
+                  </p:par>
+                </p:childTnLst>
+              </p:cTn>
+              <p:prevCondLst>
+                <p:cond evt="onPrev">
+                  <p:tgtEl>
+                    <p:sldTgt/>
+                  </p:tgtEl>
+                </p:cond>
+              </p:prevCondLst>
+              <p:nextCondLst>
+                <p:cond evt="onNext">
+                  <p:tgtEl>
+                    <p:sldTgt/>
+                  </p:tgtEl>
+                </p:cond>
+              </p:nextCondLst>
+            </p:seq>
+          </p:childTnLst>
+        </p:cTn>
+      </p:par>
+    </p:tnLst>
+  </p:timing>
 </p:sld>
 </file>
 
@@ -23469,6 +25541,963 @@
   <p:clrMapOvr>
     <a:masterClrMapping/>
   </p:clrMapOvr>
+  <p:timing>
+    <p:tnLst>
+      <p:par>
+        <p:cTn dur="indefinite" nodeType="tmRoot" restart="never">
+          <p:childTnLst>
+            <p:seq concurrent="1" nextAc="seek">
+              <p:cTn dur="indefinite" id="2" nodeType="mainSeq">
+                <p:childTnLst>
+                  <p:par>
+                    <p:cTn fill="hold">
+                      <p:stCondLst>
+                        <p:cond delay="indefinite"/>
+                      </p:stCondLst>
+                      <p:childTnLst>
+                        <p:par>
+                          <p:cTn fill="hold">
+                            <p:stCondLst>
+                              <p:cond delay="0"/>
+                            </p:stCondLst>
+                            <p:childTnLst>
+                              <p:par>
+                                <p:cTn fill="hold" nodeType="clickEffect" presetClass="entr" presetID="1" presetSubtype="0">
+                                  <p:stCondLst>
+                                    <p:cond delay="0"/>
+                                  </p:stCondLst>
+                                  <p:childTnLst>
+                                    <p:set>
+                                      <p:cBhvr>
+                                        <p:cTn dur="1" fill="hold">
+                                          <p:stCondLst>
+                                            <p:cond delay="0"/>
+                                          </p:stCondLst>
+                                        </p:cTn>
+                                        <p:tgtEl>
+                                          <p:spTgt spid="347">
+                                            <p:txEl>
+                                              <p:pRg end="0" st="0"/>
+                                            </p:txEl>
+                                          </p:spTgt>
+                                        </p:tgtEl>
+                                        <p:attrNameLst>
+                                          <p:attrName>style.visibility</p:attrName>
+                                        </p:attrNameLst>
+                                      </p:cBhvr>
+                                      <p:to>
+                                        <p:strVal val="visible"/>
+                                      </p:to>
+                                    </p:set>
+                                  </p:childTnLst>
+                                </p:cTn>
+                              </p:par>
+                            </p:childTnLst>
+                          </p:cTn>
+                        </p:par>
+                      </p:childTnLst>
+                    </p:cTn>
+                  </p:par>
+                  <p:par>
+                    <p:cTn fill="hold">
+                      <p:stCondLst>
+                        <p:cond delay="indefinite"/>
+                      </p:stCondLst>
+                      <p:childTnLst>
+                        <p:par>
+                          <p:cTn fill="hold">
+                            <p:stCondLst>
+                              <p:cond delay="0"/>
+                            </p:stCondLst>
+                            <p:childTnLst>
+                              <p:par>
+                                <p:cTn fill="hold" nodeType="clickEffect" presetClass="entr" presetID="1" presetSubtype="0">
+                                  <p:stCondLst>
+                                    <p:cond delay="0"/>
+                                  </p:stCondLst>
+                                  <p:childTnLst>
+                                    <p:set>
+                                      <p:cBhvr>
+                                        <p:cTn dur="1" fill="hold">
+                                          <p:stCondLst>
+                                            <p:cond delay="0"/>
+                                          </p:stCondLst>
+                                        </p:cTn>
+                                        <p:tgtEl>
+                                          <p:spTgt spid="347">
+                                            <p:txEl>
+                                              <p:pRg end="1" st="1"/>
+                                            </p:txEl>
+                                          </p:spTgt>
+                                        </p:tgtEl>
+                                        <p:attrNameLst>
+                                          <p:attrName>style.visibility</p:attrName>
+                                        </p:attrNameLst>
+                                      </p:cBhvr>
+                                      <p:to>
+                                        <p:strVal val="visible"/>
+                                      </p:to>
+                                    </p:set>
+                                  </p:childTnLst>
+                                </p:cTn>
+                              </p:par>
+                            </p:childTnLst>
+                          </p:cTn>
+                        </p:par>
+                      </p:childTnLst>
+                    </p:cTn>
+                  </p:par>
+                  <p:par>
+                    <p:cTn fill="hold">
+                      <p:stCondLst>
+                        <p:cond delay="indefinite"/>
+                      </p:stCondLst>
+                      <p:childTnLst>
+                        <p:par>
+                          <p:cTn fill="hold">
+                            <p:stCondLst>
+                              <p:cond delay="0"/>
+                            </p:stCondLst>
+                            <p:childTnLst>
+                              <p:par>
+                                <p:cTn fill="hold" nodeType="clickEffect" presetClass="entr" presetID="1" presetSubtype="0">
+                                  <p:stCondLst>
+                                    <p:cond delay="0"/>
+                                  </p:stCondLst>
+                                  <p:childTnLst>
+                                    <p:set>
+                                      <p:cBhvr>
+                                        <p:cTn dur="1" fill="hold">
+                                          <p:stCondLst>
+                                            <p:cond delay="0"/>
+                                          </p:stCondLst>
+                                        </p:cTn>
+                                        <p:tgtEl>
+                                          <p:spTgt spid="347">
+                                            <p:txEl>
+                                              <p:pRg end="2" st="2"/>
+                                            </p:txEl>
+                                          </p:spTgt>
+                                        </p:tgtEl>
+                                        <p:attrNameLst>
+                                          <p:attrName>style.visibility</p:attrName>
+                                        </p:attrNameLst>
+                                      </p:cBhvr>
+                                      <p:to>
+                                        <p:strVal val="visible"/>
+                                      </p:to>
+                                    </p:set>
+                                  </p:childTnLst>
+                                </p:cTn>
+                              </p:par>
+                            </p:childTnLst>
+                          </p:cTn>
+                        </p:par>
+                      </p:childTnLst>
+                    </p:cTn>
+                  </p:par>
+                  <p:par>
+                    <p:cTn fill="hold">
+                      <p:stCondLst>
+                        <p:cond delay="indefinite"/>
+                      </p:stCondLst>
+                      <p:childTnLst>
+                        <p:par>
+                          <p:cTn fill="hold">
+                            <p:stCondLst>
+                              <p:cond delay="0"/>
+                            </p:stCondLst>
+                            <p:childTnLst>
+                              <p:par>
+                                <p:cTn fill="hold" nodeType="clickEffect" presetClass="entr" presetID="1" presetSubtype="0">
+                                  <p:stCondLst>
+                                    <p:cond delay="0"/>
+                                  </p:stCondLst>
+                                  <p:childTnLst>
+                                    <p:set>
+                                      <p:cBhvr>
+                                        <p:cTn dur="1" fill="hold">
+                                          <p:stCondLst>
+                                            <p:cond delay="0"/>
+                                          </p:stCondLst>
+                                        </p:cTn>
+                                        <p:tgtEl>
+                                          <p:spTgt spid="347">
+                                            <p:txEl>
+                                              <p:pRg end="3" st="3"/>
+                                            </p:txEl>
+                                          </p:spTgt>
+                                        </p:tgtEl>
+                                        <p:attrNameLst>
+                                          <p:attrName>style.visibility</p:attrName>
+                                        </p:attrNameLst>
+                                      </p:cBhvr>
+                                      <p:to>
+                                        <p:strVal val="visible"/>
+                                      </p:to>
+                                    </p:set>
+                                  </p:childTnLst>
+                                </p:cTn>
+                              </p:par>
+                            </p:childTnLst>
+                          </p:cTn>
+                        </p:par>
+                      </p:childTnLst>
+                    </p:cTn>
+                  </p:par>
+                  <p:par>
+                    <p:cTn fill="hold">
+                      <p:stCondLst>
+                        <p:cond delay="indefinite"/>
+                      </p:stCondLst>
+                      <p:childTnLst>
+                        <p:par>
+                          <p:cTn fill="hold">
+                            <p:stCondLst>
+                              <p:cond delay="0"/>
+                            </p:stCondLst>
+                            <p:childTnLst>
+                              <p:par>
+                                <p:cTn fill="hold" nodeType="clickEffect" presetClass="entr" presetID="1" presetSubtype="0">
+                                  <p:stCondLst>
+                                    <p:cond delay="0"/>
+                                  </p:stCondLst>
+                                  <p:childTnLst>
+                                    <p:set>
+                                      <p:cBhvr>
+                                        <p:cTn dur="1" fill="hold">
+                                          <p:stCondLst>
+                                            <p:cond delay="0"/>
+                                          </p:stCondLst>
+                                        </p:cTn>
+                                        <p:tgtEl>
+                                          <p:spTgt spid="347">
+                                            <p:txEl>
+                                              <p:pRg end="4" st="4"/>
+                                            </p:txEl>
+                                          </p:spTgt>
+                                        </p:tgtEl>
+                                        <p:attrNameLst>
+                                          <p:attrName>style.visibility</p:attrName>
+                                        </p:attrNameLst>
+                                      </p:cBhvr>
+                                      <p:to>
+                                        <p:strVal val="visible"/>
+                                      </p:to>
+                                    </p:set>
+                                  </p:childTnLst>
+                                </p:cTn>
+                              </p:par>
+                            </p:childTnLst>
+                          </p:cTn>
+                        </p:par>
+                      </p:childTnLst>
+                    </p:cTn>
+                  </p:par>
+                  <p:par>
+                    <p:cTn fill="hold">
+                      <p:stCondLst>
+                        <p:cond delay="indefinite"/>
+                      </p:stCondLst>
+                      <p:childTnLst>
+                        <p:par>
+                          <p:cTn fill="hold">
+                            <p:stCondLst>
+                              <p:cond delay="0"/>
+                            </p:stCondLst>
+                            <p:childTnLst>
+                              <p:par>
+                                <p:cTn fill="hold" nodeType="clickEffect" presetClass="entr" presetID="1" presetSubtype="0">
+                                  <p:stCondLst>
+                                    <p:cond delay="0"/>
+                                  </p:stCondLst>
+                                  <p:childTnLst>
+                                    <p:set>
+                                      <p:cBhvr>
+                                        <p:cTn dur="1" fill="hold">
+                                          <p:stCondLst>
+                                            <p:cond delay="0"/>
+                                          </p:stCondLst>
+                                        </p:cTn>
+                                        <p:tgtEl>
+                                          <p:spTgt spid="347">
+                                            <p:txEl>
+                                              <p:pRg end="5" st="5"/>
+                                            </p:txEl>
+                                          </p:spTgt>
+                                        </p:tgtEl>
+                                        <p:attrNameLst>
+                                          <p:attrName>style.visibility</p:attrName>
+                                        </p:attrNameLst>
+                                      </p:cBhvr>
+                                      <p:to>
+                                        <p:strVal val="visible"/>
+                                      </p:to>
+                                    </p:set>
+                                  </p:childTnLst>
+                                </p:cTn>
+                              </p:par>
+                            </p:childTnLst>
+                          </p:cTn>
+                        </p:par>
+                      </p:childTnLst>
+                    </p:cTn>
+                  </p:par>
+                  <p:par>
+                    <p:cTn fill="hold">
+                      <p:stCondLst>
+                        <p:cond delay="indefinite"/>
+                      </p:stCondLst>
+                      <p:childTnLst>
+                        <p:par>
+                          <p:cTn fill="hold">
+                            <p:stCondLst>
+                              <p:cond delay="0"/>
+                            </p:stCondLst>
+                            <p:childTnLst>
+                              <p:par>
+                                <p:cTn fill="hold" nodeType="clickEffect" presetClass="entr" presetID="1" presetSubtype="0">
+                                  <p:stCondLst>
+                                    <p:cond delay="0"/>
+                                  </p:stCondLst>
+                                  <p:childTnLst>
+                                    <p:set>
+                                      <p:cBhvr>
+                                        <p:cTn dur="1" fill="hold">
+                                          <p:stCondLst>
+                                            <p:cond delay="0"/>
+                                          </p:stCondLst>
+                                        </p:cTn>
+                                        <p:tgtEl>
+                                          <p:spTgt spid="347">
+                                            <p:txEl>
+                                              <p:pRg end="6" st="6"/>
+                                            </p:txEl>
+                                          </p:spTgt>
+                                        </p:tgtEl>
+                                        <p:attrNameLst>
+                                          <p:attrName>style.visibility</p:attrName>
+                                        </p:attrNameLst>
+                                      </p:cBhvr>
+                                      <p:to>
+                                        <p:strVal val="visible"/>
+                                      </p:to>
+                                    </p:set>
+                                  </p:childTnLst>
+                                </p:cTn>
+                              </p:par>
+                            </p:childTnLst>
+                          </p:cTn>
+                        </p:par>
+                      </p:childTnLst>
+                    </p:cTn>
+                  </p:par>
+                  <p:par>
+                    <p:cTn fill="hold">
+                      <p:stCondLst>
+                        <p:cond delay="indefinite"/>
+                      </p:stCondLst>
+                      <p:childTnLst>
+                        <p:par>
+                          <p:cTn fill="hold">
+                            <p:stCondLst>
+                              <p:cond delay="0"/>
+                            </p:stCondLst>
+                            <p:childTnLst>
+                              <p:par>
+                                <p:cTn fill="hold" nodeType="clickEffect" presetClass="entr" presetID="1" presetSubtype="0">
+                                  <p:stCondLst>
+                                    <p:cond delay="0"/>
+                                  </p:stCondLst>
+                                  <p:childTnLst>
+                                    <p:set>
+                                      <p:cBhvr>
+                                        <p:cTn dur="1" fill="hold">
+                                          <p:stCondLst>
+                                            <p:cond delay="0"/>
+                                          </p:stCondLst>
+                                        </p:cTn>
+                                        <p:tgtEl>
+                                          <p:spTgt spid="347">
+                                            <p:txEl>
+                                              <p:pRg end="7" st="7"/>
+                                            </p:txEl>
+                                          </p:spTgt>
+                                        </p:tgtEl>
+                                        <p:attrNameLst>
+                                          <p:attrName>style.visibility</p:attrName>
+                                        </p:attrNameLst>
+                                      </p:cBhvr>
+                                      <p:to>
+                                        <p:strVal val="visible"/>
+                                      </p:to>
+                                    </p:set>
+                                  </p:childTnLst>
+                                </p:cTn>
+                              </p:par>
+                            </p:childTnLst>
+                          </p:cTn>
+                        </p:par>
+                      </p:childTnLst>
+                    </p:cTn>
+                  </p:par>
+                  <p:par>
+                    <p:cTn fill="hold">
+                      <p:stCondLst>
+                        <p:cond delay="indefinite"/>
+                      </p:stCondLst>
+                      <p:childTnLst>
+                        <p:par>
+                          <p:cTn fill="hold">
+                            <p:stCondLst>
+                              <p:cond delay="0"/>
+                            </p:stCondLst>
+                            <p:childTnLst>
+                              <p:par>
+                                <p:cTn fill="hold" nodeType="clickEffect" presetClass="entr" presetID="1" presetSubtype="0">
+                                  <p:stCondLst>
+                                    <p:cond delay="0"/>
+                                  </p:stCondLst>
+                                  <p:childTnLst>
+                                    <p:set>
+                                      <p:cBhvr>
+                                        <p:cTn dur="1" fill="hold">
+                                          <p:stCondLst>
+                                            <p:cond delay="0"/>
+                                          </p:stCondLst>
+                                        </p:cTn>
+                                        <p:tgtEl>
+                                          <p:spTgt spid="348">
+                                            <p:txEl>
+                                              <p:pRg end="0" st="0"/>
+                                            </p:txEl>
+                                          </p:spTgt>
+                                        </p:tgtEl>
+                                        <p:attrNameLst>
+                                          <p:attrName>style.visibility</p:attrName>
+                                        </p:attrNameLst>
+                                      </p:cBhvr>
+                                      <p:to>
+                                        <p:strVal val="visible"/>
+                                      </p:to>
+                                    </p:set>
+                                  </p:childTnLst>
+                                </p:cTn>
+                              </p:par>
+                            </p:childTnLst>
+                          </p:cTn>
+                        </p:par>
+                      </p:childTnLst>
+                    </p:cTn>
+                  </p:par>
+                  <p:par>
+                    <p:cTn fill="hold">
+                      <p:stCondLst>
+                        <p:cond delay="indefinite"/>
+                      </p:stCondLst>
+                      <p:childTnLst>
+                        <p:par>
+                          <p:cTn fill="hold">
+                            <p:stCondLst>
+                              <p:cond delay="0"/>
+                            </p:stCondLst>
+                            <p:childTnLst>
+                              <p:par>
+                                <p:cTn fill="hold" nodeType="clickEffect" presetClass="entr" presetID="1" presetSubtype="0">
+                                  <p:stCondLst>
+                                    <p:cond delay="0"/>
+                                  </p:stCondLst>
+                                  <p:childTnLst>
+                                    <p:set>
+                                      <p:cBhvr>
+                                        <p:cTn dur="1" fill="hold">
+                                          <p:stCondLst>
+                                            <p:cond delay="0"/>
+                                          </p:stCondLst>
+                                        </p:cTn>
+                                        <p:tgtEl>
+                                          <p:spTgt spid="348">
+                                            <p:txEl>
+                                              <p:pRg end="1" st="1"/>
+                                            </p:txEl>
+                                          </p:spTgt>
+                                        </p:tgtEl>
+                                        <p:attrNameLst>
+                                          <p:attrName>style.visibility</p:attrName>
+                                        </p:attrNameLst>
+                                      </p:cBhvr>
+                                      <p:to>
+                                        <p:strVal val="visible"/>
+                                      </p:to>
+                                    </p:set>
+                                  </p:childTnLst>
+                                </p:cTn>
+                              </p:par>
+                            </p:childTnLst>
+                          </p:cTn>
+                        </p:par>
+                      </p:childTnLst>
+                    </p:cTn>
+                  </p:par>
+                  <p:par>
+                    <p:cTn fill="hold">
+                      <p:stCondLst>
+                        <p:cond delay="indefinite"/>
+                      </p:stCondLst>
+                      <p:childTnLst>
+                        <p:par>
+                          <p:cTn fill="hold">
+                            <p:stCondLst>
+                              <p:cond delay="0"/>
+                            </p:stCondLst>
+                            <p:childTnLst>
+                              <p:par>
+                                <p:cTn fill="hold" nodeType="clickEffect" presetClass="entr" presetID="1" presetSubtype="0">
+                                  <p:stCondLst>
+                                    <p:cond delay="0"/>
+                                  </p:stCondLst>
+                                  <p:childTnLst>
+                                    <p:set>
+                                      <p:cBhvr>
+                                        <p:cTn dur="1" fill="hold">
+                                          <p:stCondLst>
+                                            <p:cond delay="0"/>
+                                          </p:stCondLst>
+                                        </p:cTn>
+                                        <p:tgtEl>
+                                          <p:spTgt spid="348">
+                                            <p:txEl>
+                                              <p:pRg end="2" st="2"/>
+                                            </p:txEl>
+                                          </p:spTgt>
+                                        </p:tgtEl>
+                                        <p:attrNameLst>
+                                          <p:attrName>style.visibility</p:attrName>
+                                        </p:attrNameLst>
+                                      </p:cBhvr>
+                                      <p:to>
+                                        <p:strVal val="visible"/>
+                                      </p:to>
+                                    </p:set>
+                                  </p:childTnLst>
+                                </p:cTn>
+                              </p:par>
+                            </p:childTnLst>
+                          </p:cTn>
+                        </p:par>
+                      </p:childTnLst>
+                    </p:cTn>
+                  </p:par>
+                  <p:par>
+                    <p:cTn fill="hold">
+                      <p:stCondLst>
+                        <p:cond delay="indefinite"/>
+                      </p:stCondLst>
+                      <p:childTnLst>
+                        <p:par>
+                          <p:cTn fill="hold">
+                            <p:stCondLst>
+                              <p:cond delay="0"/>
+                            </p:stCondLst>
+                            <p:childTnLst>
+                              <p:par>
+                                <p:cTn fill="hold" nodeType="clickEffect" presetClass="entr" presetID="1" presetSubtype="0">
+                                  <p:stCondLst>
+                                    <p:cond delay="0"/>
+                                  </p:stCondLst>
+                                  <p:childTnLst>
+                                    <p:set>
+                                      <p:cBhvr>
+                                        <p:cTn dur="1" fill="hold">
+                                          <p:stCondLst>
+                                            <p:cond delay="0"/>
+                                          </p:stCondLst>
+                                        </p:cTn>
+                                        <p:tgtEl>
+                                          <p:spTgt spid="348">
+                                            <p:txEl>
+                                              <p:pRg end="3" st="3"/>
+                                            </p:txEl>
+                                          </p:spTgt>
+                                        </p:tgtEl>
+                                        <p:attrNameLst>
+                                          <p:attrName>style.visibility</p:attrName>
+                                        </p:attrNameLst>
+                                      </p:cBhvr>
+                                      <p:to>
+                                        <p:strVal val="visible"/>
+                                      </p:to>
+                                    </p:set>
+                                  </p:childTnLst>
+                                </p:cTn>
+                              </p:par>
+                            </p:childTnLst>
+                          </p:cTn>
+                        </p:par>
+                      </p:childTnLst>
+                    </p:cTn>
+                  </p:par>
+                  <p:par>
+                    <p:cTn fill="hold">
+                      <p:stCondLst>
+                        <p:cond delay="indefinite"/>
+                      </p:stCondLst>
+                      <p:childTnLst>
+                        <p:par>
+                          <p:cTn fill="hold">
+                            <p:stCondLst>
+                              <p:cond delay="0"/>
+                            </p:stCondLst>
+                            <p:childTnLst>
+                              <p:par>
+                                <p:cTn fill="hold" nodeType="clickEffect" presetClass="entr" presetID="1" presetSubtype="0">
+                                  <p:stCondLst>
+                                    <p:cond delay="0"/>
+                                  </p:stCondLst>
+                                  <p:childTnLst>
+                                    <p:set>
+                                      <p:cBhvr>
+                                        <p:cTn dur="1" fill="hold">
+                                          <p:stCondLst>
+                                            <p:cond delay="0"/>
+                                          </p:stCondLst>
+                                        </p:cTn>
+                                        <p:tgtEl>
+                                          <p:spTgt spid="348">
+                                            <p:txEl>
+                                              <p:pRg end="4" st="4"/>
+                                            </p:txEl>
+                                          </p:spTgt>
+                                        </p:tgtEl>
+                                        <p:attrNameLst>
+                                          <p:attrName>style.visibility</p:attrName>
+                                        </p:attrNameLst>
+                                      </p:cBhvr>
+                                      <p:to>
+                                        <p:strVal val="visible"/>
+                                      </p:to>
+                                    </p:set>
+                                  </p:childTnLst>
+                                </p:cTn>
+                              </p:par>
+                            </p:childTnLst>
+                          </p:cTn>
+                        </p:par>
+                      </p:childTnLst>
+                    </p:cTn>
+                  </p:par>
+                  <p:par>
+                    <p:cTn fill="hold">
+                      <p:stCondLst>
+                        <p:cond delay="indefinite"/>
+                      </p:stCondLst>
+                      <p:childTnLst>
+                        <p:par>
+                          <p:cTn fill="hold">
+                            <p:stCondLst>
+                              <p:cond delay="0"/>
+                            </p:stCondLst>
+                            <p:childTnLst>
+                              <p:par>
+                                <p:cTn fill="hold" nodeType="clickEffect" presetClass="entr" presetID="1" presetSubtype="0">
+                                  <p:stCondLst>
+                                    <p:cond delay="0"/>
+                                  </p:stCondLst>
+                                  <p:childTnLst>
+                                    <p:set>
+                                      <p:cBhvr>
+                                        <p:cTn dur="1" fill="hold">
+                                          <p:stCondLst>
+                                            <p:cond delay="0"/>
+                                          </p:stCondLst>
+                                        </p:cTn>
+                                        <p:tgtEl>
+                                          <p:spTgt spid="348">
+                                            <p:txEl>
+                                              <p:pRg end="5" st="5"/>
+                                            </p:txEl>
+                                          </p:spTgt>
+                                        </p:tgtEl>
+                                        <p:attrNameLst>
+                                          <p:attrName>style.visibility</p:attrName>
+                                        </p:attrNameLst>
+                                      </p:cBhvr>
+                                      <p:to>
+                                        <p:strVal val="visible"/>
+                                      </p:to>
+                                    </p:set>
+                                  </p:childTnLst>
+                                </p:cTn>
+                              </p:par>
+                            </p:childTnLst>
+                          </p:cTn>
+                        </p:par>
+                      </p:childTnLst>
+                    </p:cTn>
+                  </p:par>
+                  <p:par>
+                    <p:cTn fill="hold">
+                      <p:stCondLst>
+                        <p:cond delay="indefinite"/>
+                      </p:stCondLst>
+                      <p:childTnLst>
+                        <p:par>
+                          <p:cTn fill="hold">
+                            <p:stCondLst>
+                              <p:cond delay="0"/>
+                            </p:stCondLst>
+                            <p:childTnLst>
+                              <p:par>
+                                <p:cTn fill="hold" nodeType="clickEffect" presetClass="entr" presetID="1" presetSubtype="0">
+                                  <p:stCondLst>
+                                    <p:cond delay="0"/>
+                                  </p:stCondLst>
+                                  <p:childTnLst>
+                                    <p:set>
+                                      <p:cBhvr>
+                                        <p:cTn dur="1" fill="hold">
+                                          <p:stCondLst>
+                                            <p:cond delay="0"/>
+                                          </p:stCondLst>
+                                        </p:cTn>
+                                        <p:tgtEl>
+                                          <p:spTgt spid="348">
+                                            <p:txEl>
+                                              <p:pRg end="6" st="6"/>
+                                            </p:txEl>
+                                          </p:spTgt>
+                                        </p:tgtEl>
+                                        <p:attrNameLst>
+                                          <p:attrName>style.visibility</p:attrName>
+                                        </p:attrNameLst>
+                                      </p:cBhvr>
+                                      <p:to>
+                                        <p:strVal val="visible"/>
+                                      </p:to>
+                                    </p:set>
+                                  </p:childTnLst>
+                                </p:cTn>
+                              </p:par>
+                            </p:childTnLst>
+                          </p:cTn>
+                        </p:par>
+                      </p:childTnLst>
+                    </p:cTn>
+                  </p:par>
+                  <p:par>
+                    <p:cTn fill="hold">
+                      <p:stCondLst>
+                        <p:cond delay="indefinite"/>
+                      </p:stCondLst>
+                      <p:childTnLst>
+                        <p:par>
+                          <p:cTn fill="hold">
+                            <p:stCondLst>
+                              <p:cond delay="0"/>
+                            </p:stCondLst>
+                            <p:childTnLst>
+                              <p:par>
+                                <p:cTn fill="hold" nodeType="clickEffect" presetClass="entr" presetID="1" presetSubtype="0">
+                                  <p:stCondLst>
+                                    <p:cond delay="0"/>
+                                  </p:stCondLst>
+                                  <p:childTnLst>
+                                    <p:set>
+                                      <p:cBhvr>
+                                        <p:cTn dur="1" fill="hold">
+                                          <p:stCondLst>
+                                            <p:cond delay="0"/>
+                                          </p:stCondLst>
+                                        </p:cTn>
+                                        <p:tgtEl>
+                                          <p:spTgt spid="348">
+                                            <p:txEl>
+                                              <p:pRg end="7" st="7"/>
+                                            </p:txEl>
+                                          </p:spTgt>
+                                        </p:tgtEl>
+                                        <p:attrNameLst>
+                                          <p:attrName>style.visibility</p:attrName>
+                                        </p:attrNameLst>
+                                      </p:cBhvr>
+                                      <p:to>
+                                        <p:strVal val="visible"/>
+                                      </p:to>
+                                    </p:set>
+                                  </p:childTnLst>
+                                </p:cTn>
+                              </p:par>
+                            </p:childTnLst>
+                          </p:cTn>
+                        </p:par>
+                      </p:childTnLst>
+                    </p:cTn>
+                  </p:par>
+                  <p:par>
+                    <p:cTn fill="hold">
+                      <p:stCondLst>
+                        <p:cond delay="indefinite"/>
+                      </p:stCondLst>
+                      <p:childTnLst>
+                        <p:par>
+                          <p:cTn fill="hold">
+                            <p:stCondLst>
+                              <p:cond delay="0"/>
+                            </p:stCondLst>
+                            <p:childTnLst>
+                              <p:par>
+                                <p:cTn fill="hold" nodeType="clickEffect" presetClass="entr" presetID="1" presetSubtype="0">
+                                  <p:stCondLst>
+                                    <p:cond delay="0"/>
+                                  </p:stCondLst>
+                                  <p:childTnLst>
+                                    <p:set>
+                                      <p:cBhvr>
+                                        <p:cTn dur="1" fill="hold">
+                                          <p:stCondLst>
+                                            <p:cond delay="0"/>
+                                          </p:stCondLst>
+                                        </p:cTn>
+                                        <p:tgtEl>
+                                          <p:spTgt spid="348">
+                                            <p:txEl>
+                                              <p:pRg end="8" st="8"/>
+                                            </p:txEl>
+                                          </p:spTgt>
+                                        </p:tgtEl>
+                                        <p:attrNameLst>
+                                          <p:attrName>style.visibility</p:attrName>
+                                        </p:attrNameLst>
+                                      </p:cBhvr>
+                                      <p:to>
+                                        <p:strVal val="visible"/>
+                                      </p:to>
+                                    </p:set>
+                                  </p:childTnLst>
+                                </p:cTn>
+                              </p:par>
+                            </p:childTnLst>
+                          </p:cTn>
+                        </p:par>
+                      </p:childTnLst>
+                    </p:cTn>
+                  </p:par>
+                  <p:par>
+                    <p:cTn fill="hold">
+                      <p:stCondLst>
+                        <p:cond delay="indefinite"/>
+                      </p:stCondLst>
+                      <p:childTnLst>
+                        <p:par>
+                          <p:cTn fill="hold">
+                            <p:stCondLst>
+                              <p:cond delay="0"/>
+                            </p:stCondLst>
+                            <p:childTnLst>
+                              <p:par>
+                                <p:cTn fill="hold" nodeType="clickEffect" presetClass="entr" presetID="1" presetSubtype="0">
+                                  <p:stCondLst>
+                                    <p:cond delay="0"/>
+                                  </p:stCondLst>
+                                  <p:childTnLst>
+                                    <p:set>
+                                      <p:cBhvr>
+                                        <p:cTn dur="1" fill="hold">
+                                          <p:stCondLst>
+                                            <p:cond delay="0"/>
+                                          </p:stCondLst>
+                                        </p:cTn>
+                                        <p:tgtEl>
+                                          <p:spTgt spid="348">
+                                            <p:txEl>
+                                              <p:pRg end="9" st="9"/>
+                                            </p:txEl>
+                                          </p:spTgt>
+                                        </p:tgtEl>
+                                        <p:attrNameLst>
+                                          <p:attrName>style.visibility</p:attrName>
+                                        </p:attrNameLst>
+                                      </p:cBhvr>
+                                      <p:to>
+                                        <p:strVal val="visible"/>
+                                      </p:to>
+                                    </p:set>
+                                  </p:childTnLst>
+                                </p:cTn>
+                              </p:par>
+                            </p:childTnLst>
+                          </p:cTn>
+                        </p:par>
+                      </p:childTnLst>
+                    </p:cTn>
+                  </p:par>
+                  <p:par>
+                    <p:cTn fill="hold">
+                      <p:stCondLst>
+                        <p:cond delay="indefinite"/>
+                      </p:stCondLst>
+                      <p:childTnLst>
+                        <p:par>
+                          <p:cTn fill="hold">
+                            <p:stCondLst>
+                              <p:cond delay="0"/>
+                            </p:stCondLst>
+                            <p:childTnLst>
+                              <p:par>
+                                <p:cTn fill="hold" nodeType="clickEffect" presetClass="entr" presetID="1" presetSubtype="0">
+                                  <p:stCondLst>
+                                    <p:cond delay="0"/>
+                                  </p:stCondLst>
+                                  <p:childTnLst>
+                                    <p:set>
+                                      <p:cBhvr>
+                                        <p:cTn dur="1" fill="hold">
+                                          <p:stCondLst>
+                                            <p:cond delay="0"/>
+                                          </p:stCondLst>
+                                        </p:cTn>
+                                        <p:tgtEl>
+                                          <p:spTgt spid="349"/>
+                                        </p:tgtEl>
+                                        <p:attrNameLst>
+                                          <p:attrName>style.visibility</p:attrName>
+                                        </p:attrNameLst>
+                                      </p:cBhvr>
+                                      <p:to>
+                                        <p:strVal val="visible"/>
+                                      </p:to>
+                                    </p:set>
+                                  </p:childTnLst>
+                                </p:cTn>
+                              </p:par>
+                            </p:childTnLst>
+                          </p:cTn>
+                        </p:par>
+                      </p:childTnLst>
+                    </p:cTn>
+                  </p:par>
+                </p:childTnLst>
+              </p:cTn>
+              <p:prevCondLst>
+                <p:cond evt="onPrev">
+                  <p:tgtEl>
+                    <p:sldTgt/>
+                  </p:tgtEl>
+                </p:cond>
+              </p:prevCondLst>
+              <p:nextCondLst>
+                <p:cond evt="onNext">
+                  <p:tgtEl>
+                    <p:sldTgt/>
+                  </p:tgtEl>
+                </p:cond>
+              </p:nextCondLst>
+            </p:seq>
+          </p:childTnLst>
+        </p:cTn>
+      </p:par>
+    </p:tnLst>
+  </p:timing>
 </p:sld>
 </file>
 
@@ -23658,10 +26687,515 @@
   <p:clrMapOvr>
     <a:masterClrMapping/>
   </p:clrMapOvr>
+  <p:timing>
+    <p:tnLst>
+      <p:par>
+        <p:cTn dur="indefinite" nodeType="tmRoot" restart="never">
+          <p:childTnLst>
+            <p:seq concurrent="1" nextAc="seek">
+              <p:cTn dur="indefinite" id="2" nodeType="mainSeq">
+                <p:childTnLst>
+                  <p:par>
+                    <p:cTn fill="hold">
+                      <p:stCondLst>
+                        <p:cond delay="indefinite"/>
+                      </p:stCondLst>
+                      <p:childTnLst>
+                        <p:par>
+                          <p:cTn fill="hold">
+                            <p:stCondLst>
+                              <p:cond delay="0"/>
+                            </p:stCondLst>
+                            <p:childTnLst>
+                              <p:par>
+                                <p:cTn fill="hold" nodeType="clickEffect" presetClass="entr" presetID="1" presetSubtype="0">
+                                  <p:stCondLst>
+                                    <p:cond delay="0"/>
+                                  </p:stCondLst>
+                                  <p:childTnLst>
+                                    <p:set>
+                                      <p:cBhvr>
+                                        <p:cTn dur="1" fill="hold">
+                                          <p:stCondLst>
+                                            <p:cond delay="0"/>
+                                          </p:stCondLst>
+                                        </p:cTn>
+                                        <p:tgtEl>
+                                          <p:spTgt spid="355">
+                                            <p:txEl>
+                                              <p:pRg end="0" st="0"/>
+                                            </p:txEl>
+                                          </p:spTgt>
+                                        </p:tgtEl>
+                                        <p:attrNameLst>
+                                          <p:attrName>style.visibility</p:attrName>
+                                        </p:attrNameLst>
+                                      </p:cBhvr>
+                                      <p:to>
+                                        <p:strVal val="visible"/>
+                                      </p:to>
+                                    </p:set>
+                                  </p:childTnLst>
+                                </p:cTn>
+                              </p:par>
+                            </p:childTnLst>
+                          </p:cTn>
+                        </p:par>
+                      </p:childTnLst>
+                    </p:cTn>
+                  </p:par>
+                  <p:par>
+                    <p:cTn fill="hold">
+                      <p:stCondLst>
+                        <p:cond delay="indefinite"/>
+                      </p:stCondLst>
+                      <p:childTnLst>
+                        <p:par>
+                          <p:cTn fill="hold">
+                            <p:stCondLst>
+                              <p:cond delay="0"/>
+                            </p:stCondLst>
+                            <p:childTnLst>
+                              <p:par>
+                                <p:cTn fill="hold" nodeType="clickEffect" presetClass="entr" presetID="1" presetSubtype="0">
+                                  <p:stCondLst>
+                                    <p:cond delay="0"/>
+                                  </p:stCondLst>
+                                  <p:childTnLst>
+                                    <p:set>
+                                      <p:cBhvr>
+                                        <p:cTn dur="1" fill="hold">
+                                          <p:stCondLst>
+                                            <p:cond delay="0"/>
+                                          </p:stCondLst>
+                                        </p:cTn>
+                                        <p:tgtEl>
+                                          <p:spTgt spid="355">
+                                            <p:txEl>
+                                              <p:pRg end="1" st="1"/>
+                                            </p:txEl>
+                                          </p:spTgt>
+                                        </p:tgtEl>
+                                        <p:attrNameLst>
+                                          <p:attrName>style.visibility</p:attrName>
+                                        </p:attrNameLst>
+                                      </p:cBhvr>
+                                      <p:to>
+                                        <p:strVal val="visible"/>
+                                      </p:to>
+                                    </p:set>
+                                  </p:childTnLst>
+                                </p:cTn>
+                              </p:par>
+                            </p:childTnLst>
+                          </p:cTn>
+                        </p:par>
+                      </p:childTnLst>
+                    </p:cTn>
+                  </p:par>
+                  <p:par>
+                    <p:cTn fill="hold">
+                      <p:stCondLst>
+                        <p:cond delay="indefinite"/>
+                      </p:stCondLst>
+                      <p:childTnLst>
+                        <p:par>
+                          <p:cTn fill="hold">
+                            <p:stCondLst>
+                              <p:cond delay="0"/>
+                            </p:stCondLst>
+                            <p:childTnLst>
+                              <p:par>
+                                <p:cTn fill="hold" nodeType="clickEffect" presetClass="entr" presetID="1" presetSubtype="0">
+                                  <p:stCondLst>
+                                    <p:cond delay="0"/>
+                                  </p:stCondLst>
+                                  <p:childTnLst>
+                                    <p:set>
+                                      <p:cBhvr>
+                                        <p:cTn dur="1" fill="hold">
+                                          <p:stCondLst>
+                                            <p:cond delay="0"/>
+                                          </p:stCondLst>
+                                        </p:cTn>
+                                        <p:tgtEl>
+                                          <p:spTgt spid="355">
+                                            <p:txEl>
+                                              <p:pRg end="2" st="2"/>
+                                            </p:txEl>
+                                          </p:spTgt>
+                                        </p:tgtEl>
+                                        <p:attrNameLst>
+                                          <p:attrName>style.visibility</p:attrName>
+                                        </p:attrNameLst>
+                                      </p:cBhvr>
+                                      <p:to>
+                                        <p:strVal val="visible"/>
+                                      </p:to>
+                                    </p:set>
+                                  </p:childTnLst>
+                                </p:cTn>
+                              </p:par>
+                            </p:childTnLst>
+                          </p:cTn>
+                        </p:par>
+                      </p:childTnLst>
+                    </p:cTn>
+                  </p:par>
+                  <p:par>
+                    <p:cTn fill="hold">
+                      <p:stCondLst>
+                        <p:cond delay="indefinite"/>
+                      </p:stCondLst>
+                      <p:childTnLst>
+                        <p:par>
+                          <p:cTn fill="hold">
+                            <p:stCondLst>
+                              <p:cond delay="0"/>
+                            </p:stCondLst>
+                            <p:childTnLst>
+                              <p:par>
+                                <p:cTn fill="hold" nodeType="clickEffect" presetClass="entr" presetID="1" presetSubtype="0">
+                                  <p:stCondLst>
+                                    <p:cond delay="0"/>
+                                  </p:stCondLst>
+                                  <p:childTnLst>
+                                    <p:set>
+                                      <p:cBhvr>
+                                        <p:cTn dur="1" fill="hold">
+                                          <p:stCondLst>
+                                            <p:cond delay="0"/>
+                                          </p:stCondLst>
+                                        </p:cTn>
+                                        <p:tgtEl>
+                                          <p:spTgt spid="355">
+                                            <p:txEl>
+                                              <p:pRg end="3" st="3"/>
+                                            </p:txEl>
+                                          </p:spTgt>
+                                        </p:tgtEl>
+                                        <p:attrNameLst>
+                                          <p:attrName>style.visibility</p:attrName>
+                                        </p:attrNameLst>
+                                      </p:cBhvr>
+                                      <p:to>
+                                        <p:strVal val="visible"/>
+                                      </p:to>
+                                    </p:set>
+                                  </p:childTnLst>
+                                </p:cTn>
+                              </p:par>
+                            </p:childTnLst>
+                          </p:cTn>
+                        </p:par>
+                      </p:childTnLst>
+                    </p:cTn>
+                  </p:par>
+                </p:childTnLst>
+              </p:cTn>
+              <p:prevCondLst>
+                <p:cond evt="onPrev">
+                  <p:tgtEl>
+                    <p:sldTgt/>
+                  </p:tgtEl>
+                </p:cond>
+              </p:prevCondLst>
+              <p:nextCondLst>
+                <p:cond evt="onNext">
+                  <p:tgtEl>
+                    <p:sldTgt/>
+                  </p:tgtEl>
+                </p:cond>
+              </p:nextCondLst>
+            </p:seq>
+          </p:childTnLst>
+        </p:cTn>
+      </p:par>
+    </p:tnLst>
+  </p:timing>
 </p:sld>
 </file>
 
 <file path=ppt/theme/theme1.xml><?xml version="1.0" encoding="utf-8"?>
+<a:theme xmlns:a="http://schemas.openxmlformats.org/drawingml/2006/main" xmlns:r="http://schemas.openxmlformats.org/officeDocument/2006/relationships" name="Momentum">
+  <a:themeElements>
+    <a:clrScheme name="Momentum">
+      <a:dk1>
+        <a:srgbClr val="C0791B"/>
+      </a:dk1>
+      <a:lt1>
+        <a:srgbClr val="FFFFFF"/>
+      </a:lt1>
+      <a:dk2>
+        <a:srgbClr val="424242"/>
+      </a:dk2>
+      <a:lt2>
+        <a:srgbClr val="8DD8D3"/>
+      </a:lt2>
+      <a:accent1>
+        <a:srgbClr val="0B6374"/>
+      </a:accent1>
+      <a:accent2>
+        <a:srgbClr val="FD5B58"/>
+      </a:accent2>
+      <a:accent3>
+        <a:srgbClr val="599191"/>
+      </a:accent3>
+      <a:accent4>
+        <a:srgbClr val="D7E6A3"/>
+      </a:accent4>
+      <a:accent5>
+        <a:srgbClr val="27278B"/>
+      </a:accent5>
+      <a:accent6>
+        <a:srgbClr val="D558AB"/>
+      </a:accent6>
+      <a:hlink>
+        <a:srgbClr val="27278B"/>
+      </a:hlink>
+      <a:folHlink>
+        <a:srgbClr val="27278B"/>
+      </a:folHlink>
+    </a:clrScheme>
+    <a:fontScheme name="Office">
+      <a:majorFont>
+        <a:latin typeface="Arial"/>
+        <a:ea typeface=""/>
+        <a:cs typeface=""/>
+        <a:font script="Jpan" typeface="ＭＳ Ｐゴシック"/>
+        <a:font script="Hang" typeface="맑은 고딕"/>
+        <a:font script="Hans" typeface="宋体"/>
+        <a:font script="Hant" typeface="新細明體"/>
+        <a:font script="Arab" typeface="Times New Roman"/>
+        <a:font script="Hebr" typeface="Times New Roman"/>
+        <a:font script="Thai" typeface="Angsana New"/>
+        <a:font script="Ethi" typeface="Nyala"/>
+        <a:font script="Beng" typeface="Vrinda"/>
+        <a:font script="Gujr" typeface="Shruti"/>
+        <a:font script="Khmr" typeface="MoolBoran"/>
+        <a:font script="Knda" typeface="Tunga"/>
+        <a:font script="Guru" typeface="Raavi"/>
+        <a:font script="Cans" typeface="Euphemia"/>
+        <a:font script="Cher" typeface="Plantagenet Cherokee"/>
+        <a:font script="Yiii" typeface="Microsoft Yi Baiti"/>
+        <a:font script="Tibt" typeface="Microsoft Himalaya"/>
+        <a:font script="Thaa" typeface="MV Boli"/>
+        <a:font script="Deva" typeface="Mangal"/>
+        <a:font script="Telu" typeface="Gautami"/>
+        <a:font script="Taml" typeface="Latha"/>
+        <a:font script="Syrc" typeface="Estrangelo Edessa"/>
+        <a:font script="Orya" typeface="Kalinga"/>
+        <a:font script="Mlym" typeface="Kartika"/>
+        <a:font script="Laoo" typeface="DokChampa"/>
+        <a:font script="Sinh" typeface="Iskoola Pota"/>
+        <a:font script="Mong" typeface="Mongolian Baiti"/>
+        <a:font script="Viet" typeface="Times New Roman"/>
+        <a:font script="Uigh" typeface="Microsoft Uighur"/>
+        <a:font script="Geor" typeface="Sylfaen"/>
+      </a:majorFont>
+      <a:minorFont>
+        <a:latin typeface="Arial"/>
+        <a:ea typeface=""/>
+        <a:cs typeface=""/>
+        <a:font script="Jpan" typeface="ＭＳ Ｐゴシック"/>
+        <a:font script="Hang" typeface="맑은 고딕"/>
+        <a:font script="Hans" typeface="宋体"/>
+        <a:font script="Hant" typeface="新細明體"/>
+        <a:font script="Arab" typeface="Arial"/>
+        <a:font script="Hebr" typeface="Arial"/>
+        <a:font script="Thai" typeface="Cordia New"/>
+        <a:font script="Ethi" typeface="Nyala"/>
+        <a:font script="Beng" typeface="Vrinda"/>
+        <a:font script="Gujr" typeface="Shruti"/>
+        <a:font script="Khmr" typeface="DaunPenh"/>
+        <a:font script="Knda" typeface="Tunga"/>
+        <a:font script="Guru" typeface="Raavi"/>
+        <a:font script="Cans" typeface="Euphemia"/>
+        <a:font script="Cher" typeface="Plantagenet Cherokee"/>
+        <a:font script="Yiii" typeface="Microsoft Yi Baiti"/>
+        <a:font script="Tibt" typeface="Microsoft Himalaya"/>
+        <a:font script="Thaa" typeface="MV Boli"/>
+        <a:font script="Deva" typeface="Mangal"/>
+        <a:font script="Telu" typeface="Gautami"/>
+        <a:font script="Taml" typeface="Latha"/>
+        <a:font script="Syrc" typeface="Estrangelo Edessa"/>
+        <a:font script="Orya" typeface="Kalinga"/>
+        <a:font script="Mlym" typeface="Kartika"/>
+        <a:font script="Laoo" typeface="DokChampa"/>
+        <a:font script="Sinh" typeface="Iskoola Pota"/>
+        <a:font script="Mong" typeface="Mongolian Baiti"/>
+        <a:font script="Viet" typeface="Arial"/>
+        <a:font script="Uigh" typeface="Microsoft Uighur"/>
+        <a:font script="Geor" typeface="Sylfaen"/>
+      </a:minorFont>
+    </a:fontScheme>
+    <a:fmtScheme name="Office">
+      <a:fillStyleLst>
+        <a:solidFill>
+          <a:schemeClr val="phClr"/>
+        </a:solidFill>
+        <a:gradFill rotWithShape="1">
+          <a:gsLst>
+            <a:gs pos="0">
+              <a:schemeClr val="phClr">
+                <a:tint val="50000"/>
+                <a:satMod val="300000"/>
+              </a:schemeClr>
+            </a:gs>
+            <a:gs pos="35000">
+              <a:schemeClr val="phClr">
+                <a:tint val="37000"/>
+                <a:satMod val="300000"/>
+              </a:schemeClr>
+            </a:gs>
+            <a:gs pos="100000">
+              <a:schemeClr val="phClr">
+                <a:tint val="15000"/>
+                <a:satMod val="350000"/>
+              </a:schemeClr>
+            </a:gs>
+          </a:gsLst>
+          <a:lin ang="16200000" scaled="1"/>
+        </a:gradFill>
+        <a:gradFill rotWithShape="1">
+          <a:gsLst>
+            <a:gs pos="0">
+              <a:schemeClr val="phClr">
+                <a:tint val="100000"/>
+                <a:shade val="100000"/>
+                <a:satMod val="130000"/>
+              </a:schemeClr>
+            </a:gs>
+            <a:gs pos="100000">
+              <a:schemeClr val="phClr">
+                <a:tint val="50000"/>
+                <a:shade val="100000"/>
+                <a:satMod val="350000"/>
+              </a:schemeClr>
+            </a:gs>
+          </a:gsLst>
+          <a:lin ang="16200000" scaled="0"/>
+        </a:gradFill>
+      </a:fillStyleLst>
+      <a:lnStyleLst>
+        <a:ln w="9525" cap="flat" cmpd="sng" algn="ctr">
+          <a:solidFill>
+            <a:schemeClr val="phClr">
+              <a:shade val="95000"/>
+              <a:satMod val="105000"/>
+            </a:schemeClr>
+          </a:solidFill>
+          <a:prstDash val="solid"/>
+        </a:ln>
+        <a:ln w="25400" cap="flat" cmpd="sng" algn="ctr">
+          <a:solidFill>
+            <a:schemeClr val="phClr"/>
+          </a:solidFill>
+          <a:prstDash val="solid"/>
+        </a:ln>
+        <a:ln w="38100" cap="flat" cmpd="sng" algn="ctr">
+          <a:solidFill>
+            <a:schemeClr val="phClr"/>
+          </a:solidFill>
+          <a:prstDash val="solid"/>
+        </a:ln>
+      </a:lnStyleLst>
+      <a:effectStyleLst>
+        <a:effectStyle>
+          <a:effectLst>
+            <a:outerShdw blurRad="40000" dist="20000" dir="5400000" rotWithShape="0">
+              <a:srgbClr val="000000">
+                <a:alpha val="38000"/>
+              </a:srgbClr>
+            </a:outerShdw>
+          </a:effectLst>
+        </a:effectStyle>
+        <a:effectStyle>
+          <a:effectLst>
+            <a:outerShdw blurRad="40000" dist="23000" dir="5400000" rotWithShape="0">
+              <a:srgbClr val="000000">
+                <a:alpha val="35000"/>
+              </a:srgbClr>
+            </a:outerShdw>
+          </a:effectLst>
+        </a:effectStyle>
+        <a:effectStyle>
+          <a:effectLst>
+            <a:outerShdw blurRad="40000" dist="23000" dir="5400000" rotWithShape="0">
+              <a:srgbClr val="000000">
+                <a:alpha val="35000"/>
+              </a:srgbClr>
+            </a:outerShdw>
+          </a:effectLst>
+          <a:scene3d>
+            <a:camera prst="orthographicFront">
+              <a:rot lat="0" lon="0" rev="0"/>
+            </a:camera>
+            <a:lightRig rig="threePt" dir="t">
+              <a:rot lat="0" lon="0" rev="1200000"/>
+            </a:lightRig>
+          </a:scene3d>
+          <a:sp3d>
+            <a:bevelT w="63500" h="25400"/>
+          </a:sp3d>
+        </a:effectStyle>
+      </a:effectStyleLst>
+      <a:bgFillStyleLst>
+        <a:solidFill>
+          <a:schemeClr val="phClr"/>
+        </a:solidFill>
+        <a:gradFill rotWithShape="1">
+          <a:gsLst>
+            <a:gs pos="0">
+              <a:schemeClr val="phClr">
+                <a:tint val="40000"/>
+                <a:satMod val="350000"/>
+              </a:schemeClr>
+            </a:gs>
+            <a:gs pos="40000">
+              <a:schemeClr val="phClr">
+                <a:tint val="45000"/>
+                <a:shade val="99000"/>
+                <a:satMod val="350000"/>
+              </a:schemeClr>
+            </a:gs>
+            <a:gs pos="100000">
+              <a:schemeClr val="phClr">
+                <a:shade val="20000"/>
+                <a:satMod val="255000"/>
+              </a:schemeClr>
+            </a:gs>
+          </a:gsLst>
+          <a:path path="circle">
+            <a:fillToRect l="50000" t="-80000" r="50000" b="180000"/>
+          </a:path>
+        </a:gradFill>
+        <a:gradFill rotWithShape="1">
+          <a:gsLst>
+            <a:gs pos="0">
+              <a:schemeClr val="phClr">
+                <a:tint val="80000"/>
+                <a:satMod val="300000"/>
+              </a:schemeClr>
+            </a:gs>
+            <a:gs pos="100000">
+              <a:schemeClr val="phClr">
+                <a:shade val="30000"/>
+                <a:satMod val="200000"/>
+              </a:schemeClr>
+            </a:gs>
+          </a:gsLst>
+          <a:path path="circle">
+            <a:fillToRect l="50000" t="50000" r="50000" b="50000"/>
+          </a:path>
+        </a:gradFill>
+      </a:bgFillStyleLst>
+    </a:fmtScheme>
+  </a:themeElements>
+</a:theme>
+</file>
+
+<file path=ppt/theme/theme2.xml><?xml version="1.0" encoding="utf-8"?>
 <a:theme xmlns:a="http://schemas.openxmlformats.org/drawingml/2006/main" xmlns:r="http://schemas.openxmlformats.org/officeDocument/2006/relationships">
   <a:themeElements>
     <a:clrScheme name="Default">
@@ -23938,283 +27472,4 @@
     </a:fmtScheme>
   </a:themeElements>
 </a:theme>
-</file>
-
-<file path=ppt/theme/theme2.xml><?xml version="1.0" encoding="utf-8"?>
-<a:theme xmlns:a="http://schemas.openxmlformats.org/drawingml/2006/main" xmlns:r="http://schemas.openxmlformats.org/officeDocument/2006/relationships" name="Momentum">
-  <a:themeElements>
-    <a:clrScheme name="Momentum">
-      <a:dk1>
-        <a:srgbClr val="C0791B"/>
-      </a:dk1>
-      <a:lt1>
-        <a:srgbClr val="FFFFFF"/>
-      </a:lt1>
-      <a:dk2>
-        <a:srgbClr val="424242"/>
-      </a:dk2>
-      <a:lt2>
-        <a:srgbClr val="8DD8D3"/>
-      </a:lt2>
-      <a:accent1>
-        <a:srgbClr val="0B6374"/>
-      </a:accent1>
-      <a:accent2>
-        <a:srgbClr val="FD5B58"/>
-      </a:accent2>
-      <a:accent3>
-        <a:srgbClr val="599191"/>
-      </a:accent3>
-      <a:accent4>
-        <a:srgbClr val="D7E6A3"/>
-      </a:accent4>
-      <a:accent5>
-        <a:srgbClr val="27278B"/>
-      </a:accent5>
-      <a:accent6>
-        <a:srgbClr val="D558AB"/>
-      </a:accent6>
-      <a:hlink>
-        <a:srgbClr val="27278B"/>
-      </a:hlink>
-      <a:folHlink>
-        <a:srgbClr val="27278B"/>
-      </a:folHlink>
-    </a:clrScheme>
-    <a:fontScheme name="Office">
-      <a:majorFont>
-        <a:latin typeface="Arial"/>
-        <a:ea typeface=""/>
-        <a:cs typeface=""/>
-        <a:font script="Jpan" typeface="ＭＳ Ｐゴシック"/>
-        <a:font script="Hang" typeface="맑은 고딕"/>
-        <a:font script="Hans" typeface="宋体"/>
-        <a:font script="Hant" typeface="新細明體"/>
-        <a:font script="Arab" typeface="Times New Roman"/>
-        <a:font script="Hebr" typeface="Times New Roman"/>
-        <a:font script="Thai" typeface="Angsana New"/>
-        <a:font script="Ethi" typeface="Nyala"/>
-        <a:font script="Beng" typeface="Vrinda"/>
-        <a:font script="Gujr" typeface="Shruti"/>
-        <a:font script="Khmr" typeface="MoolBoran"/>
-        <a:font script="Knda" typeface="Tunga"/>
-        <a:font script="Guru" typeface="Raavi"/>
-        <a:font script="Cans" typeface="Euphemia"/>
-        <a:font script="Cher" typeface="Plantagenet Cherokee"/>
-        <a:font script="Yiii" typeface="Microsoft Yi Baiti"/>
-        <a:font script="Tibt" typeface="Microsoft Himalaya"/>
-        <a:font script="Thaa" typeface="MV Boli"/>
-        <a:font script="Deva" typeface="Mangal"/>
-        <a:font script="Telu" typeface="Gautami"/>
-        <a:font script="Taml" typeface="Latha"/>
-        <a:font script="Syrc" typeface="Estrangelo Edessa"/>
-        <a:font script="Orya" typeface="Kalinga"/>
-        <a:font script="Mlym" typeface="Kartika"/>
-        <a:font script="Laoo" typeface="DokChampa"/>
-        <a:font script="Sinh" typeface="Iskoola Pota"/>
-        <a:font script="Mong" typeface="Mongolian Baiti"/>
-        <a:font script="Viet" typeface="Times New Roman"/>
-        <a:font script="Uigh" typeface="Microsoft Uighur"/>
-        <a:font script="Geor" typeface="Sylfaen"/>
-      </a:majorFont>
-      <a:minorFont>
-        <a:latin typeface="Arial"/>
-        <a:ea typeface=""/>
-        <a:cs typeface=""/>
-        <a:font script="Jpan" typeface="ＭＳ Ｐゴシック"/>
-        <a:font script="Hang" typeface="맑은 고딕"/>
-        <a:font script="Hans" typeface="宋体"/>
-        <a:font script="Hant" typeface="新細明體"/>
-        <a:font script="Arab" typeface="Arial"/>
-        <a:font script="Hebr" typeface="Arial"/>
-        <a:font script="Thai" typeface="Cordia New"/>
-        <a:font script="Ethi" typeface="Nyala"/>
-        <a:font script="Beng" typeface="Vrinda"/>
-        <a:font script="Gujr" typeface="Shruti"/>
-        <a:font script="Khmr" typeface="DaunPenh"/>
-        <a:font script="Knda" typeface="Tunga"/>
-        <a:font script="Guru" typeface="Raavi"/>
-        <a:font script="Cans" typeface="Euphemia"/>
-        <a:font script="Cher" typeface="Plantagenet Cherokee"/>
-        <a:font script="Yiii" typeface="Microsoft Yi Baiti"/>
-        <a:font script="Tibt" typeface="Microsoft Himalaya"/>
-        <a:font script="Thaa" typeface="MV Boli"/>
-        <a:font script="Deva" typeface="Mangal"/>
-        <a:font script="Telu" typeface="Gautami"/>
-        <a:font script="Taml" typeface="Latha"/>
-        <a:font script="Syrc" typeface="Estrangelo Edessa"/>
-        <a:font script="Orya" typeface="Kalinga"/>
-        <a:font script="Mlym" typeface="Kartika"/>
-        <a:font script="Laoo" typeface="DokChampa"/>
-        <a:font script="Sinh" typeface="Iskoola Pota"/>
-        <a:font script="Mong" typeface="Mongolian Baiti"/>
-        <a:font script="Viet" typeface="Arial"/>
-        <a:font script="Uigh" typeface="Microsoft Uighur"/>
-        <a:font script="Geor" typeface="Sylfaen"/>
-      </a:minorFont>
-    </a:fontScheme>
-    <a:fmtScheme name="Office">
-      <a:fillStyleLst>
-        <a:solidFill>
-          <a:schemeClr val="phClr"/>
-        </a:solidFill>
-        <a:gradFill rotWithShape="1">
-          <a:gsLst>
-            <a:gs pos="0">
-              <a:schemeClr val="phClr">
-                <a:tint val="50000"/>
-                <a:satMod val="300000"/>
-              </a:schemeClr>
-            </a:gs>
-            <a:gs pos="35000">
-              <a:schemeClr val="phClr">
-                <a:tint val="37000"/>
-                <a:satMod val="300000"/>
-              </a:schemeClr>
-            </a:gs>
-            <a:gs pos="100000">
-              <a:schemeClr val="phClr">
-                <a:tint val="15000"/>
-                <a:satMod val="350000"/>
-              </a:schemeClr>
-            </a:gs>
-          </a:gsLst>
-          <a:lin ang="16200000" scaled="1"/>
-        </a:gradFill>
-        <a:gradFill rotWithShape="1">
-          <a:gsLst>
-            <a:gs pos="0">
-              <a:schemeClr val="phClr">
-                <a:tint val="100000"/>
-                <a:shade val="100000"/>
-                <a:satMod val="130000"/>
-              </a:schemeClr>
-            </a:gs>
-            <a:gs pos="100000">
-              <a:schemeClr val="phClr">
-                <a:tint val="50000"/>
-                <a:shade val="100000"/>
-                <a:satMod val="350000"/>
-              </a:schemeClr>
-            </a:gs>
-          </a:gsLst>
-          <a:lin ang="16200000" scaled="0"/>
-        </a:gradFill>
-      </a:fillStyleLst>
-      <a:lnStyleLst>
-        <a:ln w="9525" cap="flat" cmpd="sng" algn="ctr">
-          <a:solidFill>
-            <a:schemeClr val="phClr">
-              <a:shade val="95000"/>
-              <a:satMod val="105000"/>
-            </a:schemeClr>
-          </a:solidFill>
-          <a:prstDash val="solid"/>
-        </a:ln>
-        <a:ln w="25400" cap="flat" cmpd="sng" algn="ctr">
-          <a:solidFill>
-            <a:schemeClr val="phClr"/>
-          </a:solidFill>
-          <a:prstDash val="solid"/>
-        </a:ln>
-        <a:ln w="38100" cap="flat" cmpd="sng" algn="ctr">
-          <a:solidFill>
-            <a:schemeClr val="phClr"/>
-          </a:solidFill>
-          <a:prstDash val="solid"/>
-        </a:ln>
-      </a:lnStyleLst>
-      <a:effectStyleLst>
-        <a:effectStyle>
-          <a:effectLst>
-            <a:outerShdw blurRad="40000" dist="20000" dir="5400000" rotWithShape="0">
-              <a:srgbClr val="000000">
-                <a:alpha val="38000"/>
-              </a:srgbClr>
-            </a:outerShdw>
-          </a:effectLst>
-        </a:effectStyle>
-        <a:effectStyle>
-          <a:effectLst>
-            <a:outerShdw blurRad="40000" dist="23000" dir="5400000" rotWithShape="0">
-              <a:srgbClr val="000000">
-                <a:alpha val="35000"/>
-              </a:srgbClr>
-            </a:outerShdw>
-          </a:effectLst>
-        </a:effectStyle>
-        <a:effectStyle>
-          <a:effectLst>
-            <a:outerShdw blurRad="40000" dist="23000" dir="5400000" rotWithShape="0">
-              <a:srgbClr val="000000">
-                <a:alpha val="35000"/>
-              </a:srgbClr>
-            </a:outerShdw>
-          </a:effectLst>
-          <a:scene3d>
-            <a:camera prst="orthographicFront">
-              <a:rot lat="0" lon="0" rev="0"/>
-            </a:camera>
-            <a:lightRig rig="threePt" dir="t">
-              <a:rot lat="0" lon="0" rev="1200000"/>
-            </a:lightRig>
-          </a:scene3d>
-          <a:sp3d>
-            <a:bevelT w="63500" h="25400"/>
-          </a:sp3d>
-        </a:effectStyle>
-      </a:effectStyleLst>
-      <a:bgFillStyleLst>
-        <a:solidFill>
-          <a:schemeClr val="phClr"/>
-        </a:solidFill>
-        <a:gradFill rotWithShape="1">
-          <a:gsLst>
-            <a:gs pos="0">
-              <a:schemeClr val="phClr">
-                <a:tint val="40000"/>
-                <a:satMod val="350000"/>
-              </a:schemeClr>
-            </a:gs>
-            <a:gs pos="40000">
-              <a:schemeClr val="phClr">
-                <a:tint val="45000"/>
-                <a:shade val="99000"/>
-                <a:satMod val="350000"/>
-              </a:schemeClr>
-            </a:gs>
-            <a:gs pos="100000">
-              <a:schemeClr val="phClr">
-                <a:shade val="20000"/>
-                <a:satMod val="255000"/>
-              </a:schemeClr>
-            </a:gs>
-          </a:gsLst>
-          <a:path path="circle">
-            <a:fillToRect l="50000" t="-80000" r="50000" b="180000"/>
-          </a:path>
-        </a:gradFill>
-        <a:gradFill rotWithShape="1">
-          <a:gsLst>
-            <a:gs pos="0">
-              <a:schemeClr val="phClr">
-                <a:tint val="80000"/>
-                <a:satMod val="300000"/>
-              </a:schemeClr>
-            </a:gs>
-            <a:gs pos="100000">
-              <a:schemeClr val="phClr">
-                <a:shade val="30000"/>
-                <a:satMod val="200000"/>
-              </a:schemeClr>
-            </a:gs>
-          </a:gsLst>
-          <a:path path="circle">
-            <a:fillToRect l="50000" t="50000" r="50000" b="50000"/>
-          </a:path>
-        </a:gradFill>
-      </a:bgFillStyleLst>
-    </a:fmtScheme>
-  </a:themeElements>
-</a:theme>
 </file>
--- a/Stuff For Class/Slides/ANOVA.pptx
+++ b/Stuff For Class/Slides/ANOVA.pptx
@@ -827,7 +827,7 @@
   <p:cSld>
     <p:spTree>
       <p:nvGrpSpPr>
-        <p:cNvPr id="357" name="Shape 357"/>
+        <p:cNvPr id="358" name="Shape 358"/>
         <p:cNvGrpSpPr/>
         <p:nvPr/>
       </p:nvGrpSpPr>
@@ -841,7 +841,7 @@
       </p:grpSpPr>
       <p:sp>
         <p:nvSpPr>
-          <p:cNvPr id="358" name="Google Shape;358;g2bf84c6ea02_0_6:notes"/>
+          <p:cNvPr id="359" name="Google Shape;359;g2bf84c6ea02_0_6:notes"/>
           <p:cNvSpPr/>
           <p:nvPr>
             <p:ph idx="2" type="sldImg"/>
@@ -876,7 +876,7 @@
       </p:sp>
       <p:sp>
         <p:nvSpPr>
-          <p:cNvPr id="359" name="Google Shape;359;g2bf84c6ea02_0_6:notes"/>
+          <p:cNvPr id="360" name="Google Shape;360;g2bf84c6ea02_0_6:notes"/>
           <p:cNvSpPr txBox="1"/>
           <p:nvPr>
             <p:ph idx="1" type="body"/>
@@ -926,7 +926,7 @@
   <p:cSld>
     <p:spTree>
       <p:nvGrpSpPr>
-        <p:cNvPr id="364" name="Shape 364"/>
+        <p:cNvPr id="365" name="Shape 365"/>
         <p:cNvGrpSpPr/>
         <p:nvPr/>
       </p:nvGrpSpPr>
@@ -940,7 +940,7 @@
       </p:grpSpPr>
       <p:sp>
         <p:nvSpPr>
-          <p:cNvPr id="365" name="Google Shape;365;g2b8707c75e7_1_2:notes"/>
+          <p:cNvPr id="366" name="Google Shape;366;g2b8707c75e7_1_2:notes"/>
           <p:cNvSpPr/>
           <p:nvPr>
             <p:ph idx="2" type="sldImg"/>
@@ -975,7 +975,7 @@
       </p:sp>
       <p:sp>
         <p:nvSpPr>
-          <p:cNvPr id="366" name="Google Shape;366;g2b8707c75e7_1_2:notes"/>
+          <p:cNvPr id="367" name="Google Shape;367;g2b8707c75e7_1_2:notes"/>
           <p:cNvSpPr txBox="1"/>
           <p:nvPr>
             <p:ph idx="1" type="body"/>
@@ -1025,7 +1025,7 @@
   <p:cSld>
     <p:spTree>
       <p:nvGrpSpPr>
-        <p:cNvPr id="370" name="Shape 370"/>
+        <p:cNvPr id="371" name="Shape 371"/>
         <p:cNvGrpSpPr/>
         <p:nvPr/>
       </p:nvGrpSpPr>
@@ -1039,7 +1039,7 @@
       </p:grpSpPr>
       <p:sp>
         <p:nvSpPr>
-          <p:cNvPr id="371" name="Google Shape;371;g2b8707c75e7_1_7:notes"/>
+          <p:cNvPr id="372" name="Google Shape;372;g2b8707c75e7_1_7:notes"/>
           <p:cNvSpPr/>
           <p:nvPr>
             <p:ph idx="2" type="sldImg"/>
@@ -1074,7 +1074,7 @@
       </p:sp>
       <p:sp>
         <p:nvSpPr>
-          <p:cNvPr id="372" name="Google Shape;372;g2b8707c75e7_1_7:notes"/>
+          <p:cNvPr id="373" name="Google Shape;373;g2b8707c75e7_1_7:notes"/>
           <p:cNvSpPr txBox="1"/>
           <p:nvPr>
             <p:ph idx="1" type="body"/>
@@ -1124,7 +1124,7 @@
   <p:cSld>
     <p:spTree>
       <p:nvGrpSpPr>
-        <p:cNvPr id="390" name="Shape 390"/>
+        <p:cNvPr id="391" name="Shape 391"/>
         <p:cNvGrpSpPr/>
         <p:nvPr/>
       </p:nvGrpSpPr>
@@ -1138,7 +1138,7 @@
       </p:grpSpPr>
       <p:sp>
         <p:nvSpPr>
-          <p:cNvPr id="391" name="Google Shape;391;g2bf84c6ea02_0_14:notes"/>
+          <p:cNvPr id="392" name="Google Shape;392;g2bf84c6ea02_0_14:notes"/>
           <p:cNvSpPr/>
           <p:nvPr>
             <p:ph idx="2" type="sldImg"/>
@@ -1173,7 +1173,7 @@
       </p:sp>
       <p:sp>
         <p:nvSpPr>
-          <p:cNvPr id="392" name="Google Shape;392;g2bf84c6ea02_0_14:notes"/>
+          <p:cNvPr id="393" name="Google Shape;393;g2bf84c6ea02_0_14:notes"/>
           <p:cNvSpPr txBox="1"/>
           <p:nvPr>
             <p:ph idx="1" type="body"/>
@@ -1223,7 +1223,7 @@
   <p:cSld>
     <p:spTree>
       <p:nvGrpSpPr>
-        <p:cNvPr id="398" name="Shape 398"/>
+        <p:cNvPr id="399" name="Shape 399"/>
         <p:cNvGrpSpPr/>
         <p:nvPr/>
       </p:nvGrpSpPr>
@@ -1237,7 +1237,7 @@
       </p:grpSpPr>
       <p:sp>
         <p:nvSpPr>
-          <p:cNvPr id="399" name="Google Shape;399;g2fdc4af30cb_0_0:notes"/>
+          <p:cNvPr id="400" name="Google Shape;400;g2fdc4af30cb_0_0:notes"/>
           <p:cNvSpPr/>
           <p:nvPr>
             <p:ph idx="2" type="sldImg"/>
@@ -1272,7 +1272,7 @@
       </p:sp>
       <p:sp>
         <p:nvSpPr>
-          <p:cNvPr id="400" name="Google Shape;400;g2fdc4af30cb_0_0:notes"/>
+          <p:cNvPr id="401" name="Google Shape;401;g2fdc4af30cb_0_0:notes"/>
           <p:cNvSpPr txBox="1"/>
           <p:nvPr>
             <p:ph idx="1" type="body"/>
@@ -1322,7 +1322,7 @@
   <p:cSld>
     <p:spTree>
       <p:nvGrpSpPr>
-        <p:cNvPr id="406" name="Shape 406"/>
+        <p:cNvPr id="407" name="Shape 407"/>
         <p:cNvGrpSpPr/>
         <p:nvPr/>
       </p:nvGrpSpPr>
@@ -1336,7 +1336,7 @@
       </p:grpSpPr>
       <p:sp>
         <p:nvSpPr>
-          <p:cNvPr id="407" name="Google Shape;407;g33032354bd7_0_16:notes"/>
+          <p:cNvPr id="408" name="Google Shape;408;g33032354bd7_0_16:notes"/>
           <p:cNvSpPr/>
           <p:nvPr>
             <p:ph idx="2" type="sldImg"/>
@@ -1371,7 +1371,7 @@
       </p:sp>
       <p:sp>
         <p:nvSpPr>
-          <p:cNvPr id="408" name="Google Shape;408;g33032354bd7_0_16:notes"/>
+          <p:cNvPr id="409" name="Google Shape;409;g33032354bd7_0_16:notes"/>
           <p:cNvSpPr txBox="1"/>
           <p:nvPr>
             <p:ph idx="1" type="body"/>
@@ -1421,7 +1421,7 @@
   <p:cSld>
     <p:spTree>
       <p:nvGrpSpPr>
-        <p:cNvPr id="415" name="Shape 415"/>
+        <p:cNvPr id="416" name="Shape 416"/>
         <p:cNvGrpSpPr/>
         <p:nvPr/>
       </p:nvGrpSpPr>
@@ -1435,7 +1435,7 @@
       </p:grpSpPr>
       <p:sp>
         <p:nvSpPr>
-          <p:cNvPr id="416" name="Google Shape;416;g33032354bd7_0_25:notes"/>
+          <p:cNvPr id="417" name="Google Shape;417;g33032354bd7_0_25:notes"/>
           <p:cNvSpPr/>
           <p:nvPr>
             <p:ph idx="2" type="sldImg"/>
@@ -1470,7 +1470,7 @@
       </p:sp>
       <p:sp>
         <p:nvSpPr>
-          <p:cNvPr id="417" name="Google Shape;417;g33032354bd7_0_25:notes"/>
+          <p:cNvPr id="418" name="Google Shape;418;g33032354bd7_0_25:notes"/>
           <p:cNvSpPr txBox="1"/>
           <p:nvPr>
             <p:ph idx="1" type="body"/>
@@ -1520,7 +1520,7 @@
   <p:cSld>
     <p:spTree>
       <p:nvGrpSpPr>
-        <p:cNvPr id="424" name="Shape 424"/>
+        <p:cNvPr id="425" name="Shape 425"/>
         <p:cNvGrpSpPr/>
         <p:nvPr/>
       </p:nvGrpSpPr>
@@ -1534,7 +1534,7 @@
       </p:grpSpPr>
       <p:sp>
         <p:nvSpPr>
-          <p:cNvPr id="425" name="Google Shape;425;g2fdc4af30cb_0_7:notes"/>
+          <p:cNvPr id="426" name="Google Shape;426;g2fdc4af30cb_0_7:notes"/>
           <p:cNvSpPr/>
           <p:nvPr>
             <p:ph idx="2" type="sldImg"/>
@@ -1569,7 +1569,7 @@
       </p:sp>
       <p:sp>
         <p:nvSpPr>
-          <p:cNvPr id="426" name="Google Shape;426;g2fdc4af30cb_0_7:notes"/>
+          <p:cNvPr id="427" name="Google Shape;427;g2fdc4af30cb_0_7:notes"/>
           <p:cNvSpPr txBox="1"/>
           <p:nvPr>
             <p:ph idx="1" type="body"/>
@@ -1619,7 +1619,7 @@
   <p:cSld>
     <p:spTree>
       <p:nvGrpSpPr>
-        <p:cNvPr id="434" name="Shape 434"/>
+        <p:cNvPr id="435" name="Shape 435"/>
         <p:cNvGrpSpPr/>
         <p:nvPr/>
       </p:nvGrpSpPr>
@@ -1633,7 +1633,7 @@
       </p:grpSpPr>
       <p:sp>
         <p:nvSpPr>
-          <p:cNvPr id="435" name="Google Shape;435;g2fdc4af30cb_0_20:notes"/>
+          <p:cNvPr id="436" name="Google Shape;436;g2fdc4af30cb_0_20:notes"/>
           <p:cNvSpPr/>
           <p:nvPr>
             <p:ph idx="2" type="sldImg"/>
@@ -1668,7 +1668,7 @@
       </p:sp>
       <p:sp>
         <p:nvSpPr>
-          <p:cNvPr id="436" name="Google Shape;436;g2fdc4af30cb_0_20:notes"/>
+          <p:cNvPr id="437" name="Google Shape;437;g2fdc4af30cb_0_20:notes"/>
           <p:cNvSpPr txBox="1"/>
           <p:nvPr>
             <p:ph idx="1" type="body"/>
@@ -1718,7 +1718,7 @@
   <p:cSld>
     <p:spTree>
       <p:nvGrpSpPr>
-        <p:cNvPr id="442" name="Shape 442"/>
+        <p:cNvPr id="443" name="Shape 443"/>
         <p:cNvGrpSpPr/>
         <p:nvPr/>
       </p:nvGrpSpPr>
@@ -1732,7 +1732,7 @@
       </p:grpSpPr>
       <p:sp>
         <p:nvSpPr>
-          <p:cNvPr id="443" name="Google Shape;443;g2fdc4af30cb_0_13:notes"/>
+          <p:cNvPr id="444" name="Google Shape;444;g2fdc4af30cb_0_13:notes"/>
           <p:cNvSpPr/>
           <p:nvPr>
             <p:ph idx="2" type="sldImg"/>
@@ -1767,7 +1767,7 @@
       </p:sp>
       <p:sp>
         <p:nvSpPr>
-          <p:cNvPr id="444" name="Google Shape;444;g2fdc4af30cb_0_13:notes"/>
+          <p:cNvPr id="445" name="Google Shape;445;g2fdc4af30cb_0_13:notes"/>
           <p:cNvSpPr txBox="1"/>
           <p:nvPr>
             <p:ph idx="1" type="body"/>
@@ -2015,7 +2015,7 @@
   <p:cSld>
     <p:spTree>
       <p:nvGrpSpPr>
-        <p:cNvPr id="293" name="Shape 293"/>
+        <p:cNvPr id="294" name="Shape 294"/>
         <p:cNvGrpSpPr/>
         <p:nvPr/>
       </p:nvGrpSpPr>
@@ -2029,7 +2029,7 @@
       </p:grpSpPr>
       <p:sp>
         <p:nvSpPr>
-          <p:cNvPr id="294" name="Google Shape;294;g2b8707c75e7_0_11:notes"/>
+          <p:cNvPr id="295" name="Google Shape;295;g2b8707c75e7_0_11:notes"/>
           <p:cNvSpPr/>
           <p:nvPr>
             <p:ph idx="2" type="sldImg"/>
@@ -2064,7 +2064,7 @@
       </p:sp>
       <p:sp>
         <p:nvSpPr>
-          <p:cNvPr id="295" name="Google Shape;295;g2b8707c75e7_0_11:notes"/>
+          <p:cNvPr id="296" name="Google Shape;296;g2b8707c75e7_0_11:notes"/>
           <p:cNvSpPr txBox="1"/>
           <p:nvPr>
             <p:ph idx="1" type="body"/>
@@ -2114,7 +2114,7 @@
   <p:cSld>
     <p:spTree>
       <p:nvGrpSpPr>
-        <p:cNvPr id="299" name="Shape 299"/>
+        <p:cNvPr id="300" name="Shape 300"/>
         <p:cNvGrpSpPr/>
         <p:nvPr/>
       </p:nvGrpSpPr>
@@ -2128,7 +2128,7 @@
       </p:grpSpPr>
       <p:sp>
         <p:nvSpPr>
-          <p:cNvPr id="300" name="Google Shape;300;g2fdde5d87d2_0_6:notes"/>
+          <p:cNvPr id="301" name="Google Shape;301;g2fdde5d87d2_0_6:notes"/>
           <p:cNvSpPr/>
           <p:nvPr>
             <p:ph idx="2" type="sldImg"/>
@@ -2163,7 +2163,7 @@
       </p:sp>
       <p:sp>
         <p:nvSpPr>
-          <p:cNvPr id="301" name="Google Shape;301;g2fdde5d87d2_0_6:notes"/>
+          <p:cNvPr id="302" name="Google Shape;302;g2fdde5d87d2_0_6:notes"/>
           <p:cNvSpPr txBox="1"/>
           <p:nvPr>
             <p:ph idx="1" type="body"/>
@@ -2213,7 +2213,7 @@
   <p:cSld>
     <p:spTree>
       <p:nvGrpSpPr>
-        <p:cNvPr id="305" name="Shape 305"/>
+        <p:cNvPr id="306" name="Shape 306"/>
         <p:cNvGrpSpPr/>
         <p:nvPr/>
       </p:nvGrpSpPr>
@@ -2227,7 +2227,7 @@
       </p:grpSpPr>
       <p:sp>
         <p:nvSpPr>
-          <p:cNvPr id="306" name="Google Shape;306;g2fdde5d87d2_0_0:notes"/>
+          <p:cNvPr id="307" name="Google Shape;307;g2fdde5d87d2_0_0:notes"/>
           <p:cNvSpPr/>
           <p:nvPr>
             <p:ph idx="2" type="sldImg"/>
@@ -2262,7 +2262,7 @@
       </p:sp>
       <p:sp>
         <p:nvSpPr>
-          <p:cNvPr id="307" name="Google Shape;307;g2fdde5d87d2_0_0:notes"/>
+          <p:cNvPr id="308" name="Google Shape;308;g2fdde5d87d2_0_0:notes"/>
           <p:cNvSpPr txBox="1"/>
           <p:nvPr>
             <p:ph idx="1" type="body"/>
@@ -2312,7 +2312,7 @@
   <p:cSld>
     <p:spTree>
       <p:nvGrpSpPr>
-        <p:cNvPr id="313" name="Shape 313"/>
+        <p:cNvPr id="314" name="Shape 314"/>
         <p:cNvGrpSpPr/>
         <p:nvPr/>
       </p:nvGrpSpPr>
@@ -2326,7 +2326,7 @@
       </p:grpSpPr>
       <p:sp>
         <p:nvSpPr>
-          <p:cNvPr id="314" name="Google Shape;314;g2b8707c75e7_0_16:notes"/>
+          <p:cNvPr id="315" name="Google Shape;315;g2b8707c75e7_0_16:notes"/>
           <p:cNvSpPr/>
           <p:nvPr>
             <p:ph idx="2" type="sldImg"/>
@@ -2361,7 +2361,7 @@
       </p:sp>
       <p:sp>
         <p:nvSpPr>
-          <p:cNvPr id="315" name="Google Shape;315;g2b8707c75e7_0_16:notes"/>
+          <p:cNvPr id="316" name="Google Shape;316;g2b8707c75e7_0_16:notes"/>
           <p:cNvSpPr txBox="1"/>
           <p:nvPr>
             <p:ph idx="1" type="body"/>
@@ -2411,7 +2411,7 @@
   <p:cSld>
     <p:spTree>
       <p:nvGrpSpPr>
-        <p:cNvPr id="342" name="Shape 342"/>
+        <p:cNvPr id="343" name="Shape 343"/>
         <p:cNvGrpSpPr/>
         <p:nvPr/>
       </p:nvGrpSpPr>
@@ -2425,7 +2425,7 @@
       </p:grpSpPr>
       <p:sp>
         <p:nvSpPr>
-          <p:cNvPr id="343" name="Google Shape;343;g2b8707c75e7_0_44:notes"/>
+          <p:cNvPr id="344" name="Google Shape;344;g2b8707c75e7_0_44:notes"/>
           <p:cNvSpPr/>
           <p:nvPr>
             <p:ph idx="2" type="sldImg"/>
@@ -2460,7 +2460,7 @@
       </p:sp>
       <p:sp>
         <p:nvSpPr>
-          <p:cNvPr id="344" name="Google Shape;344;g2b8707c75e7_0_44:notes"/>
+          <p:cNvPr id="345" name="Google Shape;345;g2b8707c75e7_0_44:notes"/>
           <p:cNvSpPr txBox="1"/>
           <p:nvPr>
             <p:ph idx="1" type="body"/>
@@ -2510,7 +2510,7 @@
   <p:cSld>
     <p:spTree>
       <p:nvGrpSpPr>
-        <p:cNvPr id="350" name="Shape 350"/>
+        <p:cNvPr id="351" name="Shape 351"/>
         <p:cNvGrpSpPr/>
         <p:nvPr/>
       </p:nvGrpSpPr>
@@ -2524,7 +2524,7 @@
       </p:grpSpPr>
       <p:sp>
         <p:nvSpPr>
-          <p:cNvPr id="351" name="Google Shape;351;g2bf84c6ea02_0_0:notes"/>
+          <p:cNvPr id="352" name="Google Shape;352;g2bf84c6ea02_0_0:notes"/>
           <p:cNvSpPr/>
           <p:nvPr>
             <p:ph idx="2" type="sldImg"/>
@@ -2559,7 +2559,7 @@
       </p:sp>
       <p:sp>
         <p:nvSpPr>
-          <p:cNvPr id="352" name="Google Shape;352;g2bf84c6ea02_0_0:notes"/>
+          <p:cNvPr id="353" name="Google Shape;353;g2bf84c6ea02_0_0:notes"/>
           <p:cNvSpPr txBox="1"/>
           <p:nvPr>
             <p:ph idx="1" type="body"/>
@@ -16985,7 +16985,7 @@
   <p:cSld>
     <p:spTree>
       <p:nvGrpSpPr>
-        <p:cNvPr id="360" name="Shape 360"/>
+        <p:cNvPr id="361" name="Shape 361"/>
         <p:cNvGrpSpPr/>
         <p:nvPr/>
       </p:nvGrpSpPr>
@@ -16999,7 +16999,7 @@
       </p:grpSpPr>
       <p:sp>
         <p:nvSpPr>
-          <p:cNvPr id="361" name="Google Shape;361;p22"/>
+          <p:cNvPr id="362" name="Google Shape;362;p22"/>
           <p:cNvSpPr txBox="1"/>
           <p:nvPr>
             <p:ph type="title"/>
@@ -17039,7 +17039,7 @@
       </p:sp>
       <p:sp>
         <p:nvSpPr>
-          <p:cNvPr id="362" name="Google Shape;362;p22"/>
+          <p:cNvPr id="363" name="Google Shape;363;p22"/>
           <p:cNvSpPr txBox="1"/>
           <p:nvPr>
             <p:ph idx="1" type="body"/>
@@ -17152,7 +17152,7 @@
       </p:sp>
       <p:pic>
         <p:nvPicPr>
-          <p:cNvPr id="363" name="Google Shape;363;p22"/>
+          <p:cNvPr id="364" name="Google Shape;364;p22"/>
           <p:cNvPicPr preferRelativeResize="0"/>
           <p:nvPr/>
         </p:nvPicPr>
@@ -17217,7 +17217,7 @@
                                           </p:stCondLst>
                                         </p:cTn>
                                         <p:tgtEl>
-                                          <p:spTgt spid="362">
+                                          <p:spTgt spid="363">
                                             <p:txEl>
                                               <p:pRg end="0" st="0"/>
                                             </p:txEl>
@@ -17266,7 +17266,7 @@
                                           </p:stCondLst>
                                         </p:cTn>
                                         <p:tgtEl>
-                                          <p:spTgt spid="362">
+                                          <p:spTgt spid="363">
                                             <p:txEl>
                                               <p:pRg end="1" st="1"/>
                                             </p:txEl>
@@ -17315,7 +17315,7 @@
                                           </p:stCondLst>
                                         </p:cTn>
                                         <p:tgtEl>
-                                          <p:spTgt spid="362">
+                                          <p:spTgt spid="363">
                                             <p:txEl>
                                               <p:pRg end="2" st="2"/>
                                             </p:txEl>
@@ -17364,7 +17364,7 @@
                                           </p:stCondLst>
                                         </p:cTn>
                                         <p:tgtEl>
-                                          <p:spTgt spid="362">
+                                          <p:spTgt spid="363">
                                             <p:txEl>
                                               <p:pRg end="3" st="3"/>
                                             </p:txEl>
@@ -17413,7 +17413,7 @@
                                           </p:stCondLst>
                                         </p:cTn>
                                         <p:tgtEl>
-                                          <p:spTgt spid="362">
+                                          <p:spTgt spid="363">
                                             <p:txEl>
                                               <p:pRg end="4" st="4"/>
                                             </p:txEl>
@@ -17466,7 +17466,7 @@
   <p:cSld>
     <p:spTree>
       <p:nvGrpSpPr>
-        <p:cNvPr id="367" name="Shape 367"/>
+        <p:cNvPr id="368" name="Shape 368"/>
         <p:cNvGrpSpPr/>
         <p:nvPr/>
       </p:nvGrpSpPr>
@@ -17480,7 +17480,7 @@
       </p:grpSpPr>
       <p:sp>
         <p:nvSpPr>
-          <p:cNvPr id="368" name="Google Shape;368;p23"/>
+          <p:cNvPr id="369" name="Google Shape;369;p23"/>
           <p:cNvSpPr txBox="1"/>
           <p:nvPr>
             <p:ph type="title"/>
@@ -17520,7 +17520,7 @@
       </p:sp>
       <p:sp>
         <p:nvSpPr>
-          <p:cNvPr id="369" name="Google Shape;369;p23"/>
+          <p:cNvPr id="370" name="Google Shape;370;p23"/>
           <p:cNvSpPr txBox="1"/>
           <p:nvPr>
             <p:ph idx="1" type="body"/>
@@ -17667,7 +17667,7 @@
                                           </p:stCondLst>
                                         </p:cTn>
                                         <p:tgtEl>
-                                          <p:spTgt spid="369">
+                                          <p:spTgt spid="370">
                                             <p:txEl>
                                               <p:pRg end="0" st="0"/>
                                             </p:txEl>
@@ -17716,7 +17716,7 @@
                                           </p:stCondLst>
                                         </p:cTn>
                                         <p:tgtEl>
-                                          <p:spTgt spid="369">
+                                          <p:spTgt spid="370">
                                             <p:txEl>
                                               <p:pRg end="1" st="1"/>
                                             </p:txEl>
@@ -17765,7 +17765,7 @@
                                           </p:stCondLst>
                                         </p:cTn>
                                         <p:tgtEl>
-                                          <p:spTgt spid="369">
+                                          <p:spTgt spid="370">
                                             <p:txEl>
                                               <p:pRg end="2" st="2"/>
                                             </p:txEl>
@@ -17814,7 +17814,7 @@
                                           </p:stCondLst>
                                         </p:cTn>
                                         <p:tgtEl>
-                                          <p:spTgt spid="369">
+                                          <p:spTgt spid="370">
                                             <p:txEl>
                                               <p:pRg end="3" st="3"/>
                                             </p:txEl>
@@ -17863,7 +17863,7 @@
                                           </p:stCondLst>
                                         </p:cTn>
                                         <p:tgtEl>
-                                          <p:spTgt spid="369">
+                                          <p:spTgt spid="370">
                                             <p:txEl>
                                               <p:pRg end="4" st="4"/>
                                             </p:txEl>
@@ -17916,7 +17916,7 @@
   <p:cSld>
     <p:spTree>
       <p:nvGrpSpPr>
-        <p:cNvPr id="373" name="Shape 373"/>
+        <p:cNvPr id="374" name="Shape 374"/>
         <p:cNvGrpSpPr/>
         <p:nvPr/>
       </p:nvGrpSpPr>
@@ -17930,7 +17930,7 @@
       </p:grpSpPr>
       <p:sp>
         <p:nvSpPr>
-          <p:cNvPr id="374" name="Google Shape;374;p24"/>
+          <p:cNvPr id="375" name="Google Shape;375;p24"/>
           <p:cNvSpPr txBox="1"/>
           <p:nvPr>
             <p:ph type="title"/>
@@ -17970,7 +17970,7 @@
       </p:sp>
       <p:sp>
         <p:nvSpPr>
-          <p:cNvPr id="375" name="Google Shape;375;p24"/>
+          <p:cNvPr id="376" name="Google Shape;376;p24"/>
           <p:cNvSpPr txBox="1"/>
           <p:nvPr>
             <p:ph idx="1" type="body"/>
@@ -18046,7 +18046,7 @@
       </p:sp>
       <p:sp>
         <p:nvSpPr>
-          <p:cNvPr id="376" name="Google Shape;376;p24"/>
+          <p:cNvPr id="377" name="Google Shape;377;p24"/>
           <p:cNvSpPr/>
           <p:nvPr/>
         </p:nvSpPr>
@@ -18134,7 +18134,7 @@
       </p:sp>
       <p:sp>
         <p:nvSpPr>
-          <p:cNvPr id="377" name="Google Shape;377;p24"/>
+          <p:cNvPr id="378" name="Google Shape;378;p24"/>
           <p:cNvSpPr/>
           <p:nvPr/>
         </p:nvSpPr>
@@ -18205,7 +18205,7 @@
       </p:sp>
       <p:sp>
         <p:nvSpPr>
-          <p:cNvPr id="378" name="Google Shape;378;p24"/>
+          <p:cNvPr id="379" name="Google Shape;379;p24"/>
           <p:cNvSpPr txBox="1"/>
           <p:nvPr/>
         </p:nvSpPr>
@@ -18275,7 +18275,7 @@
       </p:sp>
       <p:sp>
         <p:nvSpPr>
-          <p:cNvPr id="379" name="Google Shape;379;p24"/>
+          <p:cNvPr id="380" name="Google Shape;380;p24"/>
           <p:cNvSpPr/>
           <p:nvPr/>
         </p:nvSpPr>
@@ -18360,7 +18360,7 @@
       </p:sp>
       <p:cxnSp>
         <p:nvCxnSpPr>
-          <p:cNvPr id="380" name="Google Shape;380;p24"/>
+          <p:cNvPr id="381" name="Google Shape;381;p24"/>
           <p:cNvCxnSpPr/>
           <p:nvPr/>
         </p:nvCxnSpPr>
@@ -18386,7 +18386,7 @@
       </p:cxnSp>
       <p:cxnSp>
         <p:nvCxnSpPr>
-          <p:cNvPr id="381" name="Google Shape;381;p24"/>
+          <p:cNvPr id="382" name="Google Shape;382;p24"/>
           <p:cNvCxnSpPr/>
           <p:nvPr/>
         </p:nvCxnSpPr>
@@ -18412,7 +18412,7 @@
       </p:cxnSp>
       <p:sp>
         <p:nvSpPr>
-          <p:cNvPr id="382" name="Google Shape;382;p24"/>
+          <p:cNvPr id="383" name="Google Shape;383;p24"/>
           <p:cNvSpPr txBox="1"/>
           <p:nvPr/>
         </p:nvSpPr>
@@ -18470,7 +18470,7 @@
       </p:sp>
       <p:cxnSp>
         <p:nvCxnSpPr>
-          <p:cNvPr id="383" name="Google Shape;383;p24"/>
+          <p:cNvPr id="384" name="Google Shape;384;p24"/>
           <p:cNvCxnSpPr/>
           <p:nvPr/>
         </p:nvCxnSpPr>
@@ -18496,7 +18496,7 @@
       </p:cxnSp>
       <p:cxnSp>
         <p:nvCxnSpPr>
-          <p:cNvPr id="384" name="Google Shape;384;p24"/>
+          <p:cNvPr id="385" name="Google Shape;385;p24"/>
           <p:cNvCxnSpPr/>
           <p:nvPr/>
         </p:nvCxnSpPr>
@@ -18522,7 +18522,7 @@
       </p:cxnSp>
       <p:cxnSp>
         <p:nvCxnSpPr>
-          <p:cNvPr id="385" name="Google Shape;385;p24"/>
+          <p:cNvPr id="386" name="Google Shape;386;p24"/>
           <p:cNvCxnSpPr/>
           <p:nvPr/>
         </p:nvCxnSpPr>
@@ -18548,7 +18548,7 @@
       </p:cxnSp>
       <p:sp>
         <p:nvSpPr>
-          <p:cNvPr id="386" name="Google Shape;386;p24"/>
+          <p:cNvPr id="387" name="Google Shape;387;p24"/>
           <p:cNvSpPr txBox="1"/>
           <p:nvPr/>
         </p:nvSpPr>
@@ -18618,7 +18618,7 @@
       </p:sp>
       <p:sp>
         <p:nvSpPr>
-          <p:cNvPr id="387" name="Google Shape;387;p24"/>
+          <p:cNvPr id="388" name="Google Shape;388;p24"/>
           <p:cNvSpPr txBox="1"/>
           <p:nvPr/>
         </p:nvSpPr>
@@ -18720,7 +18720,7 @@
       </p:sp>
       <p:sp>
         <p:nvSpPr>
-          <p:cNvPr id="388" name="Google Shape;388;p24"/>
+          <p:cNvPr id="389" name="Google Shape;389;p24"/>
           <p:cNvSpPr txBox="1"/>
           <p:nvPr/>
         </p:nvSpPr>
@@ -18790,7 +18790,7 @@
       </p:sp>
       <p:pic>
         <p:nvPicPr>
-          <p:cNvPr id="389" name="Google Shape;389;p24"/>
+          <p:cNvPr id="390" name="Google Shape;390;p24"/>
           <p:cNvPicPr preferRelativeResize="0"/>
           <p:nvPr/>
         </p:nvPicPr>
@@ -18829,7 +18829,7 @@
   <p:cSld>
     <p:spTree>
       <p:nvGrpSpPr>
-        <p:cNvPr id="393" name="Shape 393"/>
+        <p:cNvPr id="394" name="Shape 394"/>
         <p:cNvGrpSpPr/>
         <p:nvPr/>
       </p:nvGrpSpPr>
@@ -18843,7 +18843,7 @@
       </p:grpSpPr>
       <p:sp>
         <p:nvSpPr>
-          <p:cNvPr id="394" name="Google Shape;394;p25"/>
+          <p:cNvPr id="395" name="Google Shape;395;p25"/>
           <p:cNvSpPr txBox="1"/>
           <p:nvPr>
             <p:ph type="title"/>
@@ -18883,7 +18883,7 @@
       </p:sp>
       <p:sp>
         <p:nvSpPr>
-          <p:cNvPr id="395" name="Google Shape;395;p25"/>
+          <p:cNvPr id="396" name="Google Shape;396;p25"/>
           <p:cNvSpPr txBox="1"/>
           <p:nvPr>
             <p:ph idx="1" type="body"/>
@@ -19059,7 +19059,7 @@
       </p:sp>
       <p:pic>
         <p:nvPicPr>
-          <p:cNvPr id="396" name="Google Shape;396;p25"/>
+          <p:cNvPr id="397" name="Google Shape;397;p25"/>
           <p:cNvPicPr preferRelativeResize="0"/>
           <p:nvPr/>
         </p:nvPicPr>
@@ -19087,7 +19087,7 @@
       </p:pic>
       <p:pic>
         <p:nvPicPr>
-          <p:cNvPr id="397" name="Google Shape;397;p25"/>
+          <p:cNvPr id="398" name="Google Shape;398;p25"/>
           <p:cNvPicPr preferRelativeResize="0"/>
           <p:nvPr/>
         </p:nvPicPr>
@@ -19152,7 +19152,7 @@
                                           </p:stCondLst>
                                         </p:cTn>
                                         <p:tgtEl>
-                                          <p:spTgt spid="395">
+                                          <p:spTgt spid="396">
                                             <p:txEl>
                                               <p:pRg end="0" st="0"/>
                                             </p:txEl>
@@ -19201,7 +19201,7 @@
                                           </p:stCondLst>
                                         </p:cTn>
                                         <p:tgtEl>
-                                          <p:spTgt spid="395">
+                                          <p:spTgt spid="396">
                                             <p:txEl>
                                               <p:pRg end="1" st="1"/>
                                             </p:txEl>
@@ -19250,7 +19250,7 @@
                                           </p:stCondLst>
                                         </p:cTn>
                                         <p:tgtEl>
-                                          <p:spTgt spid="395">
+                                          <p:spTgt spid="396">
                                             <p:txEl>
                                               <p:pRg end="2" st="2"/>
                                             </p:txEl>
@@ -19299,7 +19299,7 @@
                                           </p:stCondLst>
                                         </p:cTn>
                                         <p:tgtEl>
-                                          <p:spTgt spid="395">
+                                          <p:spTgt spid="396">
                                             <p:txEl>
                                               <p:pRg end="3" st="3"/>
                                             </p:txEl>
@@ -19348,7 +19348,7 @@
                                           </p:stCondLst>
                                         </p:cTn>
                                         <p:tgtEl>
-                                          <p:spTgt spid="395">
+                                          <p:spTgt spid="396">
                                             <p:txEl>
                                               <p:pRg end="4" st="4"/>
                                             </p:txEl>
@@ -19397,7 +19397,7 @@
                                           </p:stCondLst>
                                         </p:cTn>
                                         <p:tgtEl>
-                                          <p:spTgt spid="395">
+                                          <p:spTgt spid="396">
                                             <p:txEl>
                                               <p:pRg end="5" st="5"/>
                                             </p:txEl>
@@ -19446,7 +19446,7 @@
                                           </p:stCondLst>
                                         </p:cTn>
                                         <p:tgtEl>
-                                          <p:spTgt spid="395">
+                                          <p:spTgt spid="396">
                                             <p:txEl>
                                               <p:pRg end="6" st="6"/>
                                             </p:txEl>
@@ -19495,7 +19495,7 @@
                                           </p:stCondLst>
                                         </p:cTn>
                                         <p:tgtEl>
-                                          <p:spTgt spid="395">
+                                          <p:spTgt spid="396">
                                             <p:txEl>
                                               <p:pRg end="7" st="7"/>
                                             </p:txEl>
@@ -19544,7 +19544,7 @@
                                           </p:stCondLst>
                                         </p:cTn>
                                         <p:tgtEl>
-                                          <p:spTgt spid="395">
+                                          <p:spTgt spid="396">
                                             <p:txEl>
                                               <p:pRg end="8" st="8"/>
                                             </p:txEl>
@@ -19597,7 +19597,7 @@
   <p:cSld>
     <p:spTree>
       <p:nvGrpSpPr>
-        <p:cNvPr id="401" name="Shape 401"/>
+        <p:cNvPr id="402" name="Shape 402"/>
         <p:cNvGrpSpPr/>
         <p:nvPr/>
       </p:nvGrpSpPr>
@@ -19611,7 +19611,7 @@
       </p:grpSpPr>
       <p:pic>
         <p:nvPicPr>
-          <p:cNvPr id="402" name="Google Shape;402;p26"/>
+          <p:cNvPr id="403" name="Google Shape;403;p26"/>
           <p:cNvPicPr preferRelativeResize="0"/>
           <p:nvPr/>
         </p:nvPicPr>
@@ -19639,7 +19639,7 @@
       </p:pic>
       <p:pic>
         <p:nvPicPr>
-          <p:cNvPr id="403" name="Google Shape;403;p26"/>
+          <p:cNvPr id="404" name="Google Shape;404;p26"/>
           <p:cNvPicPr preferRelativeResize="0"/>
           <p:nvPr/>
         </p:nvPicPr>
@@ -19667,7 +19667,7 @@
       </p:pic>
       <p:sp>
         <p:nvSpPr>
-          <p:cNvPr id="404" name="Google Shape;404;p26"/>
+          <p:cNvPr id="405" name="Google Shape;405;p26"/>
           <p:cNvSpPr txBox="1"/>
           <p:nvPr/>
         </p:nvSpPr>
@@ -19725,7 +19725,7 @@
       </p:sp>
       <p:cxnSp>
         <p:nvCxnSpPr>
-          <p:cNvPr id="405" name="Google Shape;405;p26"/>
+          <p:cNvPr id="406" name="Google Shape;406;p26"/>
           <p:cNvCxnSpPr/>
           <p:nvPr/>
         </p:nvCxnSpPr>
@@ -19762,7 +19762,7 @@
   <p:cSld>
     <p:spTree>
       <p:nvGrpSpPr>
-        <p:cNvPr id="409" name="Shape 409"/>
+        <p:cNvPr id="410" name="Shape 410"/>
         <p:cNvGrpSpPr/>
         <p:nvPr/>
       </p:nvGrpSpPr>
@@ -19776,7 +19776,7 @@
       </p:grpSpPr>
       <p:pic>
         <p:nvPicPr>
-          <p:cNvPr id="410" name="Google Shape;410;p27"/>
+          <p:cNvPr id="411" name="Google Shape;411;p27"/>
           <p:cNvPicPr preferRelativeResize="0"/>
           <p:nvPr/>
         </p:nvPicPr>
@@ -19804,7 +19804,7 @@
       </p:pic>
       <p:pic>
         <p:nvPicPr>
-          <p:cNvPr id="411" name="Google Shape;411;p27"/>
+          <p:cNvPr id="412" name="Google Shape;412;p27"/>
           <p:cNvPicPr preferRelativeResize="0"/>
           <p:nvPr/>
         </p:nvPicPr>
@@ -19832,7 +19832,7 @@
       </p:pic>
       <p:cxnSp>
         <p:nvCxnSpPr>
-          <p:cNvPr id="412" name="Google Shape;412;p27"/>
+          <p:cNvPr id="413" name="Google Shape;413;p27"/>
           <p:cNvCxnSpPr/>
           <p:nvPr/>
         </p:nvCxnSpPr>
@@ -19858,7 +19858,7 @@
       </p:cxnSp>
       <p:cxnSp>
         <p:nvCxnSpPr>
-          <p:cNvPr id="413" name="Google Shape;413;p27"/>
+          <p:cNvPr id="414" name="Google Shape;414;p27"/>
           <p:cNvCxnSpPr/>
           <p:nvPr/>
         </p:nvCxnSpPr>
@@ -19884,7 +19884,7 @@
       </p:cxnSp>
       <p:sp>
         <p:nvSpPr>
-          <p:cNvPr id="414" name="Google Shape;414;p27"/>
+          <p:cNvPr id="415" name="Google Shape;415;p27"/>
           <p:cNvSpPr txBox="1"/>
           <p:nvPr/>
         </p:nvSpPr>
@@ -19953,7 +19953,7 @@
   <p:cSld>
     <p:spTree>
       <p:nvGrpSpPr>
-        <p:cNvPr id="418" name="Shape 418"/>
+        <p:cNvPr id="419" name="Shape 419"/>
         <p:cNvGrpSpPr/>
         <p:nvPr/>
       </p:nvGrpSpPr>
@@ -19967,7 +19967,7 @@
       </p:grpSpPr>
       <p:pic>
         <p:nvPicPr>
-          <p:cNvPr id="419" name="Google Shape;419;p28"/>
+          <p:cNvPr id="420" name="Google Shape;420;p28"/>
           <p:cNvPicPr preferRelativeResize="0"/>
           <p:nvPr/>
         </p:nvPicPr>
@@ -19995,7 +19995,7 @@
       </p:pic>
       <p:pic>
         <p:nvPicPr>
-          <p:cNvPr id="420" name="Google Shape;420;p28"/>
+          <p:cNvPr id="421" name="Google Shape;421;p28"/>
           <p:cNvPicPr preferRelativeResize="0"/>
           <p:nvPr/>
         </p:nvPicPr>
@@ -20023,7 +20023,7 @@
       </p:pic>
       <p:cxnSp>
         <p:nvCxnSpPr>
-          <p:cNvPr id="421" name="Google Shape;421;p28"/>
+          <p:cNvPr id="422" name="Google Shape;422;p28"/>
           <p:cNvCxnSpPr/>
           <p:nvPr/>
         </p:nvCxnSpPr>
@@ -20049,7 +20049,7 @@
       </p:cxnSp>
       <p:cxnSp>
         <p:nvCxnSpPr>
-          <p:cNvPr id="422" name="Google Shape;422;p28"/>
+          <p:cNvPr id="423" name="Google Shape;423;p28"/>
           <p:cNvCxnSpPr/>
           <p:nvPr/>
         </p:nvCxnSpPr>
@@ -20075,7 +20075,7 @@
       </p:cxnSp>
       <p:sp>
         <p:nvSpPr>
-          <p:cNvPr id="423" name="Google Shape;423;p28"/>
+          <p:cNvPr id="424" name="Google Shape;424;p28"/>
           <p:cNvSpPr txBox="1"/>
           <p:nvPr/>
         </p:nvSpPr>
@@ -20144,7 +20144,7 @@
   <p:cSld>
     <p:spTree>
       <p:nvGrpSpPr>
-        <p:cNvPr id="427" name="Shape 427"/>
+        <p:cNvPr id="428" name="Shape 428"/>
         <p:cNvGrpSpPr/>
         <p:nvPr/>
       </p:nvGrpSpPr>
@@ -20158,7 +20158,7 @@
       </p:grpSpPr>
       <p:sp>
         <p:nvSpPr>
-          <p:cNvPr id="428" name="Google Shape;428;p29"/>
+          <p:cNvPr id="429" name="Google Shape;429;p29"/>
           <p:cNvSpPr txBox="1"/>
           <p:nvPr>
             <p:ph type="title"/>
@@ -20198,7 +20198,7 @@
       </p:sp>
       <p:pic>
         <p:nvPicPr>
-          <p:cNvPr id="429" name="Google Shape;429;p29"/>
+          <p:cNvPr id="430" name="Google Shape;430;p29"/>
           <p:cNvPicPr preferRelativeResize="0"/>
           <p:nvPr/>
         </p:nvPicPr>
@@ -20226,7 +20226,7 @@
       </p:pic>
       <p:sp>
         <p:nvSpPr>
-          <p:cNvPr id="430" name="Google Shape;430;p29"/>
+          <p:cNvPr id="431" name="Google Shape;431;p29"/>
           <p:cNvSpPr txBox="1"/>
           <p:nvPr/>
         </p:nvSpPr>
@@ -20284,7 +20284,7 @@
       </p:sp>
       <p:pic>
         <p:nvPicPr>
-          <p:cNvPr id="431" name="Google Shape;431;p29"/>
+          <p:cNvPr id="432" name="Google Shape;432;p29"/>
           <p:cNvPicPr preferRelativeResize="0"/>
           <p:nvPr/>
         </p:nvPicPr>
@@ -20312,7 +20312,7 @@
       </p:pic>
       <p:sp>
         <p:nvSpPr>
-          <p:cNvPr id="432" name="Google Shape;432;p29"/>
+          <p:cNvPr id="433" name="Google Shape;433;p29"/>
           <p:cNvSpPr txBox="1"/>
           <p:nvPr/>
         </p:nvSpPr>
@@ -20370,7 +20370,7 @@
       </p:sp>
       <p:sp>
         <p:nvSpPr>
-          <p:cNvPr id="433" name="Google Shape;433;p29"/>
+          <p:cNvPr id="434" name="Google Shape;434;p29"/>
           <p:cNvSpPr txBox="1"/>
           <p:nvPr/>
         </p:nvSpPr>
@@ -20439,7 +20439,7 @@
   <p:cSld>
     <p:spTree>
       <p:nvGrpSpPr>
-        <p:cNvPr id="437" name="Shape 437"/>
+        <p:cNvPr id="438" name="Shape 438"/>
         <p:cNvGrpSpPr/>
         <p:nvPr/>
       </p:nvGrpSpPr>
@@ -20453,7 +20453,7 @@
       </p:grpSpPr>
       <p:sp>
         <p:nvSpPr>
-          <p:cNvPr id="438" name="Google Shape;438;p30"/>
+          <p:cNvPr id="439" name="Google Shape;439;p30"/>
           <p:cNvSpPr txBox="1"/>
           <p:nvPr>
             <p:ph type="title"/>
@@ -20493,7 +20493,7 @@
       </p:sp>
       <p:sp>
         <p:nvSpPr>
-          <p:cNvPr id="439" name="Google Shape;439;p30"/>
+          <p:cNvPr id="440" name="Google Shape;440;p30"/>
           <p:cNvSpPr txBox="1"/>
           <p:nvPr>
             <p:ph idx="1" type="body"/>
@@ -20589,7 +20589,7 @@
       </p:sp>
       <p:pic>
         <p:nvPicPr>
-          <p:cNvPr id="440" name="Google Shape;440;p30"/>
+          <p:cNvPr id="441" name="Google Shape;441;p30"/>
           <p:cNvPicPr preferRelativeResize="0"/>
           <p:nvPr/>
         </p:nvPicPr>
@@ -20617,7 +20617,7 @@
       </p:pic>
       <p:pic>
         <p:nvPicPr>
-          <p:cNvPr id="441" name="Google Shape;441;p30"/>
+          <p:cNvPr id="442" name="Google Shape;442;p30"/>
           <p:cNvPicPr preferRelativeResize="0"/>
           <p:nvPr/>
         </p:nvPicPr>
@@ -20682,7 +20682,7 @@
                                           </p:stCondLst>
                                         </p:cTn>
                                         <p:tgtEl>
-                                          <p:spTgt spid="439">
+                                          <p:spTgt spid="440">
                                             <p:txEl>
                                               <p:pRg end="0" st="0"/>
                                             </p:txEl>
@@ -20731,7 +20731,7 @@
                                           </p:stCondLst>
                                         </p:cTn>
                                         <p:tgtEl>
-                                          <p:spTgt spid="439">
+                                          <p:spTgt spid="440">
                                             <p:txEl>
                                               <p:pRg end="1" st="1"/>
                                             </p:txEl>
@@ -20780,7 +20780,7 @@
                                           </p:stCondLst>
                                         </p:cTn>
                                         <p:tgtEl>
-                                          <p:spTgt spid="439">
+                                          <p:spTgt spid="440">
                                             <p:txEl>
                                               <p:pRg end="2" st="2"/>
                                             </p:txEl>
@@ -20829,7 +20829,7 @@
                                           </p:stCondLst>
                                         </p:cTn>
                                         <p:tgtEl>
-                                          <p:spTgt spid="439">
+                                          <p:spTgt spid="440">
                                             <p:txEl>
                                               <p:pRg end="3" st="3"/>
                                             </p:txEl>
@@ -20882,7 +20882,7 @@
   <p:cSld>
     <p:spTree>
       <p:nvGrpSpPr>
-        <p:cNvPr id="445" name="Shape 445"/>
+        <p:cNvPr id="446" name="Shape 446"/>
         <p:cNvGrpSpPr/>
         <p:nvPr/>
       </p:nvGrpSpPr>
@@ -20896,7 +20896,7 @@
       </p:grpSpPr>
       <p:pic>
         <p:nvPicPr>
-          <p:cNvPr id="446" name="Google Shape;446;p31"/>
+          <p:cNvPr id="447" name="Google Shape;447;p31"/>
           <p:cNvPicPr preferRelativeResize="0"/>
           <p:nvPr/>
         </p:nvPicPr>
@@ -20924,7 +20924,7 @@
       </p:pic>
       <p:pic>
         <p:nvPicPr>
-          <p:cNvPr id="447" name="Google Shape;447;p31"/>
+          <p:cNvPr id="448" name="Google Shape;448;p31"/>
           <p:cNvPicPr preferRelativeResize="0"/>
           <p:nvPr/>
         </p:nvPicPr>
@@ -20952,7 +20952,7 @@
       </p:pic>
       <p:sp>
         <p:nvSpPr>
-          <p:cNvPr id="448" name="Google Shape;448;p31"/>
+          <p:cNvPr id="449" name="Google Shape;449;p31"/>
           <p:cNvSpPr txBox="1"/>
           <p:nvPr/>
         </p:nvSpPr>
@@ -21016,7 +21016,7 @@
       </p:sp>
       <p:sp>
         <p:nvSpPr>
-          <p:cNvPr id="449" name="Google Shape;449;p31"/>
+          <p:cNvPr id="450" name="Google Shape;450;p31"/>
           <p:cNvSpPr txBox="1"/>
           <p:nvPr/>
         </p:nvSpPr>
@@ -21664,7 +21664,7 @@
         <p:spPr>
           <a:xfrm>
             <a:off x="311700" y="1362725"/>
-            <a:ext cx="4553100" cy="3206100"/>
+            <a:ext cx="4168500" cy="3206100"/>
           </a:xfrm>
           <a:prstGeom prst="rect">
             <a:avLst/>
@@ -21750,8 +21750,36 @@
         </p:blipFill>
         <p:spPr>
           <a:xfrm>
-            <a:off x="6648009" y="0"/>
+            <a:off x="7184634" y="0"/>
             <a:ext cx="1854132" cy="5143499"/>
+          </a:xfrm>
+          <a:prstGeom prst="rect">
+            <a:avLst/>
+          </a:prstGeom>
+          <a:noFill/>
+          <a:ln>
+            <a:noFill/>
+          </a:ln>
+        </p:spPr>
+      </p:pic>
+      <p:pic>
+        <p:nvPicPr>
+          <p:cNvPr id="293" name="Google Shape;293;p15"/>
+          <p:cNvPicPr preferRelativeResize="0"/>
+          <p:nvPr/>
+        </p:nvPicPr>
+        <p:blipFill>
+          <a:blip r:embed="rId4">
+            <a:alphaModFix/>
+          </a:blip>
+          <a:stretch>
+            <a:fillRect/>
+          </a:stretch>
+        </p:blipFill>
+        <p:spPr>
+          <a:xfrm>
+            <a:off x="4572000" y="1597876"/>
+            <a:ext cx="2242126" cy="2039300"/>
           </a:xfrm>
           <a:prstGeom prst="rect">
             <a:avLst/>
@@ -21922,6 +21950,51 @@
                       </p:childTnLst>
                     </p:cTn>
                   </p:par>
+                  <p:par>
+                    <p:cTn fill="hold">
+                      <p:stCondLst>
+                        <p:cond delay="indefinite"/>
+                      </p:stCondLst>
+                      <p:childTnLst>
+                        <p:par>
+                          <p:cTn fill="hold">
+                            <p:stCondLst>
+                              <p:cond delay="0"/>
+                            </p:stCondLst>
+                            <p:childTnLst>
+                              <p:par>
+                                <p:cTn fill="hold" nodeType="clickEffect" presetClass="entr" presetID="1" presetSubtype="0">
+                                  <p:stCondLst>
+                                    <p:cond delay="0"/>
+                                  </p:stCondLst>
+                                  <p:childTnLst>
+                                    <p:set>
+                                      <p:cBhvr>
+                                        <p:cTn dur="1" fill="hold">
+                                          <p:stCondLst>
+                                            <p:cond delay="0"/>
+                                          </p:stCondLst>
+                                        </p:cTn>
+                                        <p:tgtEl>
+                                          <p:spTgt spid="293"/>
+                                        </p:tgtEl>
+                                        <p:attrNameLst>
+                                          <p:attrName>style.visibility</p:attrName>
+                                        </p:attrNameLst>
+                                      </p:cBhvr>
+                                      <p:to>
+                                        <p:strVal val="visible"/>
+                                      </p:to>
+                                    </p:set>
+                                  </p:childTnLst>
+                                </p:cTn>
+                              </p:par>
+                            </p:childTnLst>
+                          </p:cTn>
+                        </p:par>
+                      </p:childTnLst>
+                    </p:cTn>
+                  </p:par>
                 </p:childTnLst>
               </p:cTn>
               <p:prevCondLst>
@@ -21952,7 +22025,7 @@
   <p:cSld>
     <p:spTree>
       <p:nvGrpSpPr>
-        <p:cNvPr id="296" name="Shape 296"/>
+        <p:cNvPr id="297" name="Shape 297"/>
         <p:cNvGrpSpPr/>
         <p:nvPr/>
       </p:nvGrpSpPr>
@@ -21966,7 +22039,7 @@
       </p:grpSpPr>
       <p:sp>
         <p:nvSpPr>
-          <p:cNvPr id="297" name="Google Shape;297;p16"/>
+          <p:cNvPr id="298" name="Google Shape;298;p16"/>
           <p:cNvSpPr txBox="1"/>
           <p:nvPr>
             <p:ph type="title"/>
@@ -22006,7 +22079,7 @@
       </p:sp>
       <p:sp>
         <p:nvSpPr>
-          <p:cNvPr id="298" name="Google Shape;298;p16"/>
+          <p:cNvPr id="299" name="Google Shape;299;p16"/>
           <p:cNvSpPr txBox="1"/>
           <p:nvPr>
             <p:ph idx="1" type="body"/>
@@ -22178,7 +22251,7 @@
                                           </p:stCondLst>
                                         </p:cTn>
                                         <p:tgtEl>
-                                          <p:spTgt spid="298">
+                                          <p:spTgt spid="299">
                                             <p:txEl>
                                               <p:pRg end="0" st="0"/>
                                             </p:txEl>
@@ -22227,7 +22300,7 @@
                                           </p:stCondLst>
                                         </p:cTn>
                                         <p:tgtEl>
-                                          <p:spTgt spid="298">
+                                          <p:spTgt spid="299">
                                             <p:txEl>
                                               <p:pRg end="1" st="1"/>
                                             </p:txEl>
@@ -22276,7 +22349,7 @@
                                           </p:stCondLst>
                                         </p:cTn>
                                         <p:tgtEl>
-                                          <p:spTgt spid="298">
+                                          <p:spTgt spid="299">
                                             <p:txEl>
                                               <p:pRg end="2" st="2"/>
                                             </p:txEl>
@@ -22325,7 +22398,7 @@
                                           </p:stCondLst>
                                         </p:cTn>
                                         <p:tgtEl>
-                                          <p:spTgt spid="298">
+                                          <p:spTgt spid="299">
                                             <p:txEl>
                                               <p:pRg end="3" st="3"/>
                                             </p:txEl>
@@ -22374,7 +22447,7 @@
                                           </p:stCondLst>
                                         </p:cTn>
                                         <p:tgtEl>
-                                          <p:spTgt spid="298">
+                                          <p:spTgt spid="299">
                                             <p:txEl>
                                               <p:pRg end="4" st="4"/>
                                             </p:txEl>
@@ -22423,7 +22496,7 @@
                                           </p:stCondLst>
                                         </p:cTn>
                                         <p:tgtEl>
-                                          <p:spTgt spid="298">
+                                          <p:spTgt spid="299">
                                             <p:txEl>
                                               <p:pRg end="5" st="5"/>
                                             </p:txEl>
@@ -22472,7 +22545,7 @@
                                           </p:stCondLst>
                                         </p:cTn>
                                         <p:tgtEl>
-                                          <p:spTgt spid="298">
+                                          <p:spTgt spid="299">
                                             <p:txEl>
                                               <p:pRg end="6" st="6"/>
                                             </p:txEl>
@@ -22525,7 +22598,7 @@
   <p:cSld>
     <p:spTree>
       <p:nvGrpSpPr>
-        <p:cNvPr id="302" name="Shape 302"/>
+        <p:cNvPr id="303" name="Shape 303"/>
         <p:cNvGrpSpPr/>
         <p:nvPr/>
       </p:nvGrpSpPr>
@@ -22539,7 +22612,7 @@
       </p:grpSpPr>
       <p:sp>
         <p:nvSpPr>
-          <p:cNvPr id="303" name="Google Shape;303;p17"/>
+          <p:cNvPr id="304" name="Google Shape;304;p17"/>
           <p:cNvSpPr txBox="1"/>
           <p:nvPr>
             <p:ph type="title"/>
@@ -22579,7 +22652,7 @@
       </p:sp>
       <p:pic>
         <p:nvPicPr>
-          <p:cNvPr id="304" name="Google Shape;304;p17"/>
+          <p:cNvPr id="305" name="Google Shape;305;p17"/>
           <p:cNvPicPr preferRelativeResize="0"/>
           <p:nvPr/>
         </p:nvPicPr>
@@ -22618,7 +22691,7 @@
   <p:cSld>
     <p:spTree>
       <p:nvGrpSpPr>
-        <p:cNvPr id="308" name="Shape 308"/>
+        <p:cNvPr id="309" name="Shape 309"/>
         <p:cNvGrpSpPr/>
         <p:nvPr/>
       </p:nvGrpSpPr>
@@ -22632,7 +22705,7 @@
       </p:grpSpPr>
       <p:sp>
         <p:nvSpPr>
-          <p:cNvPr id="309" name="Google Shape;309;p18"/>
+          <p:cNvPr id="310" name="Google Shape;310;p18"/>
           <p:cNvSpPr txBox="1"/>
           <p:nvPr>
             <p:ph type="title"/>
@@ -22672,7 +22745,7 @@
       </p:sp>
       <p:pic>
         <p:nvPicPr>
-          <p:cNvPr id="310" name="Google Shape;310;p18"/>
+          <p:cNvPr id="311" name="Google Shape;311;p18"/>
           <p:cNvPicPr preferRelativeResize="0"/>
           <p:nvPr/>
         </p:nvPicPr>
@@ -22700,7 +22773,7 @@
       </p:pic>
       <p:cxnSp>
         <p:nvCxnSpPr>
-          <p:cNvPr id="311" name="Google Shape;311;p18"/>
+          <p:cNvPr id="312" name="Google Shape;312;p18"/>
           <p:cNvCxnSpPr/>
           <p:nvPr/>
         </p:nvCxnSpPr>
@@ -22726,7 +22799,7 @@
       </p:cxnSp>
       <p:sp>
         <p:nvSpPr>
-          <p:cNvPr id="312" name="Google Shape;312;p18"/>
+          <p:cNvPr id="313" name="Google Shape;313;p18"/>
           <p:cNvSpPr txBox="1"/>
           <p:nvPr/>
         </p:nvSpPr>
@@ -22795,7 +22868,7 @@
   <p:cSld>
     <p:spTree>
       <p:nvGrpSpPr>
-        <p:cNvPr id="316" name="Shape 316"/>
+        <p:cNvPr id="317" name="Shape 317"/>
         <p:cNvGrpSpPr/>
         <p:nvPr/>
       </p:nvGrpSpPr>
@@ -22809,7 +22882,7 @@
       </p:grpSpPr>
       <p:sp>
         <p:nvSpPr>
-          <p:cNvPr id="317" name="Google Shape;317;p19"/>
+          <p:cNvPr id="318" name="Google Shape;318;p19"/>
           <p:cNvSpPr txBox="1"/>
           <p:nvPr>
             <p:ph type="title"/>
@@ -22849,7 +22922,7 @@
       </p:sp>
       <p:sp>
         <p:nvSpPr>
-          <p:cNvPr id="318" name="Google Shape;318;p19"/>
+          <p:cNvPr id="319" name="Google Shape;319;p19"/>
           <p:cNvSpPr txBox="1"/>
           <p:nvPr>
             <p:ph idx="1" type="body"/>
@@ -22904,7 +22977,7 @@
       </p:sp>
       <p:grpSp>
         <p:nvGrpSpPr>
-          <p:cNvPr id="319" name="Google Shape;319;p19"/>
+          <p:cNvPr id="320" name="Google Shape;320;p19"/>
           <p:cNvGrpSpPr/>
           <p:nvPr/>
         </p:nvGrpSpPr>
@@ -22918,7 +22991,7 @@
         </p:grpSpPr>
         <p:sp>
           <p:nvSpPr>
-            <p:cNvPr id="320" name="Google Shape;320;p19"/>
+            <p:cNvPr id="321" name="Google Shape;321;p19"/>
             <p:cNvSpPr/>
             <p:nvPr/>
           </p:nvSpPr>
@@ -23028,7 +23101,7 @@
         </p:sp>
         <p:sp>
           <p:nvSpPr>
-            <p:cNvPr id="321" name="Google Shape;321;p19"/>
+            <p:cNvPr id="322" name="Google Shape;322;p19"/>
             <p:cNvSpPr/>
             <p:nvPr/>
           </p:nvSpPr>
@@ -23138,7 +23211,7 @@
         </p:sp>
         <p:sp>
           <p:nvSpPr>
-            <p:cNvPr id="322" name="Google Shape;322;p19"/>
+            <p:cNvPr id="323" name="Google Shape;323;p19"/>
             <p:cNvSpPr/>
             <p:nvPr/>
           </p:nvSpPr>
@@ -23248,7 +23321,7 @@
         </p:sp>
         <p:sp>
           <p:nvSpPr>
-            <p:cNvPr id="323" name="Google Shape;323;p19"/>
+            <p:cNvPr id="324" name="Google Shape;324;p19"/>
             <p:cNvSpPr/>
             <p:nvPr/>
           </p:nvSpPr>
@@ -23358,7 +23431,7 @@
         </p:sp>
         <p:sp>
           <p:nvSpPr>
-            <p:cNvPr id="324" name="Google Shape;324;p19"/>
+            <p:cNvPr id="325" name="Google Shape;325;p19"/>
             <p:cNvSpPr/>
             <p:nvPr/>
           </p:nvSpPr>
@@ -23468,7 +23541,7 @@
         </p:sp>
         <p:sp>
           <p:nvSpPr>
-            <p:cNvPr id="325" name="Google Shape;325;p19"/>
+            <p:cNvPr id="326" name="Google Shape;326;p19"/>
             <p:cNvSpPr/>
             <p:nvPr/>
           </p:nvSpPr>
@@ -23578,7 +23651,7 @@
         </p:sp>
         <p:cxnSp>
           <p:nvCxnSpPr>
-            <p:cNvPr id="326" name="Google Shape;326;p19"/>
+            <p:cNvPr id="327" name="Google Shape;327;p19"/>
             <p:cNvCxnSpPr/>
             <p:nvPr/>
           </p:nvCxnSpPr>
@@ -23604,7 +23677,7 @@
         </p:cxnSp>
         <p:cxnSp>
           <p:nvCxnSpPr>
-            <p:cNvPr id="327" name="Google Shape;327;p19"/>
+            <p:cNvPr id="328" name="Google Shape;328;p19"/>
             <p:cNvCxnSpPr/>
             <p:nvPr/>
           </p:nvCxnSpPr>
@@ -23631,7 +23704,7 @@
       </p:grpSp>
       <p:sp>
         <p:nvSpPr>
-          <p:cNvPr id="328" name="Google Shape;328;p19"/>
+          <p:cNvPr id="329" name="Google Shape;329;p19"/>
           <p:cNvSpPr/>
           <p:nvPr/>
         </p:nvSpPr>
@@ -23741,7 +23814,7 @@
       </p:sp>
       <p:sp>
         <p:nvSpPr>
-          <p:cNvPr id="329" name="Google Shape;329;p19"/>
+          <p:cNvPr id="330" name="Google Shape;330;p19"/>
           <p:cNvSpPr/>
           <p:nvPr/>
         </p:nvSpPr>
@@ -23851,7 +23924,7 @@
       </p:sp>
       <p:sp>
         <p:nvSpPr>
-          <p:cNvPr id="330" name="Google Shape;330;p19"/>
+          <p:cNvPr id="331" name="Google Shape;331;p19"/>
           <p:cNvSpPr/>
           <p:nvPr/>
         </p:nvSpPr>
@@ -23961,7 +24034,7 @@
       </p:sp>
       <p:sp>
         <p:nvSpPr>
-          <p:cNvPr id="331" name="Google Shape;331;p19"/>
+          <p:cNvPr id="332" name="Google Shape;332;p19"/>
           <p:cNvSpPr/>
           <p:nvPr/>
         </p:nvSpPr>
@@ -24071,7 +24144,7 @@
       </p:sp>
       <p:sp>
         <p:nvSpPr>
-          <p:cNvPr id="332" name="Google Shape;332;p19"/>
+          <p:cNvPr id="333" name="Google Shape;333;p19"/>
           <p:cNvSpPr/>
           <p:nvPr/>
         </p:nvSpPr>
@@ -24181,7 +24254,7 @@
       </p:sp>
       <p:sp>
         <p:nvSpPr>
-          <p:cNvPr id="333" name="Google Shape;333;p19"/>
+          <p:cNvPr id="334" name="Google Shape;334;p19"/>
           <p:cNvSpPr/>
           <p:nvPr/>
         </p:nvSpPr>
@@ -24291,7 +24364,7 @@
       </p:sp>
       <p:sp>
         <p:nvSpPr>
-          <p:cNvPr id="334" name="Google Shape;334;p19"/>
+          <p:cNvPr id="335" name="Google Shape;335;p19"/>
           <p:cNvSpPr/>
           <p:nvPr/>
         </p:nvSpPr>
@@ -24401,7 +24474,7 @@
       </p:sp>
       <p:sp>
         <p:nvSpPr>
-          <p:cNvPr id="335" name="Google Shape;335;p19"/>
+          <p:cNvPr id="336" name="Google Shape;336;p19"/>
           <p:cNvSpPr/>
           <p:nvPr/>
         </p:nvSpPr>
@@ -24511,7 +24584,7 @@
       </p:sp>
       <p:sp>
         <p:nvSpPr>
-          <p:cNvPr id="336" name="Google Shape;336;p19"/>
+          <p:cNvPr id="337" name="Google Shape;337;p19"/>
           <p:cNvSpPr/>
           <p:nvPr/>
         </p:nvSpPr>
@@ -24621,7 +24694,7 @@
       </p:sp>
       <p:sp>
         <p:nvSpPr>
-          <p:cNvPr id="337" name="Google Shape;337;p19"/>
+          <p:cNvPr id="338" name="Google Shape;338;p19"/>
           <p:cNvSpPr/>
           <p:nvPr/>
         </p:nvSpPr>
@@ -24731,7 +24804,7 @@
       </p:sp>
       <p:sp>
         <p:nvSpPr>
-          <p:cNvPr id="338" name="Google Shape;338;p19"/>
+          <p:cNvPr id="339" name="Google Shape;339;p19"/>
           <p:cNvSpPr/>
           <p:nvPr/>
         </p:nvSpPr>
@@ -24841,7 +24914,7 @@
       </p:sp>
       <p:sp>
         <p:nvSpPr>
-          <p:cNvPr id="339" name="Google Shape;339;p19"/>
+          <p:cNvPr id="340" name="Google Shape;340;p19"/>
           <p:cNvSpPr/>
           <p:nvPr/>
         </p:nvSpPr>
@@ -24951,7 +25024,7 @@
       </p:sp>
       <p:cxnSp>
         <p:nvCxnSpPr>
-          <p:cNvPr id="340" name="Google Shape;340;p19"/>
+          <p:cNvPr id="341" name="Google Shape;341;p19"/>
           <p:cNvCxnSpPr/>
           <p:nvPr/>
         </p:nvCxnSpPr>
@@ -24977,7 +25050,7 @@
       </p:cxnSp>
       <p:sp>
         <p:nvSpPr>
-          <p:cNvPr id="341" name="Google Shape;341;p19"/>
+          <p:cNvPr id="342" name="Google Shape;342;p19"/>
           <p:cNvSpPr txBox="1"/>
           <p:nvPr>
             <p:ph idx="1" type="body"/>
@@ -25028,7 +25101,7 @@
   <p:cSld>
     <p:spTree>
       <p:nvGrpSpPr>
-        <p:cNvPr id="345" name="Shape 345"/>
+        <p:cNvPr id="346" name="Shape 346"/>
         <p:cNvGrpSpPr/>
         <p:nvPr/>
       </p:nvGrpSpPr>
@@ -25042,7 +25115,7 @@
       </p:grpSpPr>
       <p:sp>
         <p:nvSpPr>
-          <p:cNvPr id="346" name="Google Shape;346;p20"/>
+          <p:cNvPr id="347" name="Google Shape;347;p20"/>
           <p:cNvSpPr txBox="1"/>
           <p:nvPr>
             <p:ph type="title"/>
@@ -25098,7 +25171,7 @@
       </p:sp>
       <p:sp>
         <p:nvSpPr>
-          <p:cNvPr id="347" name="Google Shape;347;p20"/>
+          <p:cNvPr id="348" name="Google Shape;348;p20"/>
           <p:cNvSpPr txBox="1"/>
           <p:nvPr>
             <p:ph idx="1" type="body"/>
@@ -25270,7 +25343,7 @@
       </p:sp>
       <p:sp>
         <p:nvSpPr>
-          <p:cNvPr id="348" name="Google Shape;348;p20"/>
+          <p:cNvPr id="349" name="Google Shape;349;p20"/>
           <p:cNvSpPr txBox="1"/>
           <p:nvPr>
             <p:ph idx="1" type="body"/>
@@ -25480,7 +25553,7 @@
       </p:sp>
       <p:sp>
         <p:nvSpPr>
-          <p:cNvPr id="349" name="Google Shape;349;p20"/>
+          <p:cNvPr id="350" name="Google Shape;350;p20"/>
           <p:cNvSpPr txBox="1"/>
           <p:nvPr>
             <p:ph type="title"/>
@@ -25549,398 +25622,6 @@
             <p:seq concurrent="1" nextAc="seek">
               <p:cTn dur="indefinite" id="2" nodeType="mainSeq">
                 <p:childTnLst>
-                  <p:par>
-                    <p:cTn fill="hold">
-                      <p:stCondLst>
-                        <p:cond delay="indefinite"/>
-                      </p:stCondLst>
-                      <p:childTnLst>
-                        <p:par>
-                          <p:cTn fill="hold">
-                            <p:stCondLst>
-                              <p:cond delay="0"/>
-                            </p:stCondLst>
-                            <p:childTnLst>
-                              <p:par>
-                                <p:cTn fill="hold" nodeType="clickEffect" presetClass="entr" presetID="1" presetSubtype="0">
-                                  <p:stCondLst>
-                                    <p:cond delay="0"/>
-                                  </p:stCondLst>
-                                  <p:childTnLst>
-                                    <p:set>
-                                      <p:cBhvr>
-                                        <p:cTn dur="1" fill="hold">
-                                          <p:stCondLst>
-                                            <p:cond delay="0"/>
-                                          </p:stCondLst>
-                                        </p:cTn>
-                                        <p:tgtEl>
-                                          <p:spTgt spid="347">
-                                            <p:txEl>
-                                              <p:pRg end="0" st="0"/>
-                                            </p:txEl>
-                                          </p:spTgt>
-                                        </p:tgtEl>
-                                        <p:attrNameLst>
-                                          <p:attrName>style.visibility</p:attrName>
-                                        </p:attrNameLst>
-                                      </p:cBhvr>
-                                      <p:to>
-                                        <p:strVal val="visible"/>
-                                      </p:to>
-                                    </p:set>
-                                  </p:childTnLst>
-                                </p:cTn>
-                              </p:par>
-                            </p:childTnLst>
-                          </p:cTn>
-                        </p:par>
-                      </p:childTnLst>
-                    </p:cTn>
-                  </p:par>
-                  <p:par>
-                    <p:cTn fill="hold">
-                      <p:stCondLst>
-                        <p:cond delay="indefinite"/>
-                      </p:stCondLst>
-                      <p:childTnLst>
-                        <p:par>
-                          <p:cTn fill="hold">
-                            <p:stCondLst>
-                              <p:cond delay="0"/>
-                            </p:stCondLst>
-                            <p:childTnLst>
-                              <p:par>
-                                <p:cTn fill="hold" nodeType="clickEffect" presetClass="entr" presetID="1" presetSubtype="0">
-                                  <p:stCondLst>
-                                    <p:cond delay="0"/>
-                                  </p:stCondLst>
-                                  <p:childTnLst>
-                                    <p:set>
-                                      <p:cBhvr>
-                                        <p:cTn dur="1" fill="hold">
-                                          <p:stCondLst>
-                                            <p:cond delay="0"/>
-                                          </p:stCondLst>
-                                        </p:cTn>
-                                        <p:tgtEl>
-                                          <p:spTgt spid="347">
-                                            <p:txEl>
-                                              <p:pRg end="1" st="1"/>
-                                            </p:txEl>
-                                          </p:spTgt>
-                                        </p:tgtEl>
-                                        <p:attrNameLst>
-                                          <p:attrName>style.visibility</p:attrName>
-                                        </p:attrNameLst>
-                                      </p:cBhvr>
-                                      <p:to>
-                                        <p:strVal val="visible"/>
-                                      </p:to>
-                                    </p:set>
-                                  </p:childTnLst>
-                                </p:cTn>
-                              </p:par>
-                            </p:childTnLst>
-                          </p:cTn>
-                        </p:par>
-                      </p:childTnLst>
-                    </p:cTn>
-                  </p:par>
-                  <p:par>
-                    <p:cTn fill="hold">
-                      <p:stCondLst>
-                        <p:cond delay="indefinite"/>
-                      </p:stCondLst>
-                      <p:childTnLst>
-                        <p:par>
-                          <p:cTn fill="hold">
-                            <p:stCondLst>
-                              <p:cond delay="0"/>
-                            </p:stCondLst>
-                            <p:childTnLst>
-                              <p:par>
-                                <p:cTn fill="hold" nodeType="clickEffect" presetClass="entr" presetID="1" presetSubtype="0">
-                                  <p:stCondLst>
-                                    <p:cond delay="0"/>
-                                  </p:stCondLst>
-                                  <p:childTnLst>
-                                    <p:set>
-                                      <p:cBhvr>
-                                        <p:cTn dur="1" fill="hold">
-                                          <p:stCondLst>
-                                            <p:cond delay="0"/>
-                                          </p:stCondLst>
-                                        </p:cTn>
-                                        <p:tgtEl>
-                                          <p:spTgt spid="347">
-                                            <p:txEl>
-                                              <p:pRg end="2" st="2"/>
-                                            </p:txEl>
-                                          </p:spTgt>
-                                        </p:tgtEl>
-                                        <p:attrNameLst>
-                                          <p:attrName>style.visibility</p:attrName>
-                                        </p:attrNameLst>
-                                      </p:cBhvr>
-                                      <p:to>
-                                        <p:strVal val="visible"/>
-                                      </p:to>
-                                    </p:set>
-                                  </p:childTnLst>
-                                </p:cTn>
-                              </p:par>
-                            </p:childTnLst>
-                          </p:cTn>
-                        </p:par>
-                      </p:childTnLst>
-                    </p:cTn>
-                  </p:par>
-                  <p:par>
-                    <p:cTn fill="hold">
-                      <p:stCondLst>
-                        <p:cond delay="indefinite"/>
-                      </p:stCondLst>
-                      <p:childTnLst>
-                        <p:par>
-                          <p:cTn fill="hold">
-                            <p:stCondLst>
-                              <p:cond delay="0"/>
-                            </p:stCondLst>
-                            <p:childTnLst>
-                              <p:par>
-                                <p:cTn fill="hold" nodeType="clickEffect" presetClass="entr" presetID="1" presetSubtype="0">
-                                  <p:stCondLst>
-                                    <p:cond delay="0"/>
-                                  </p:stCondLst>
-                                  <p:childTnLst>
-                                    <p:set>
-                                      <p:cBhvr>
-                                        <p:cTn dur="1" fill="hold">
-                                          <p:stCondLst>
-                                            <p:cond delay="0"/>
-                                          </p:stCondLst>
-                                        </p:cTn>
-                                        <p:tgtEl>
-                                          <p:spTgt spid="347">
-                                            <p:txEl>
-                                              <p:pRg end="3" st="3"/>
-                                            </p:txEl>
-                                          </p:spTgt>
-                                        </p:tgtEl>
-                                        <p:attrNameLst>
-                                          <p:attrName>style.visibility</p:attrName>
-                                        </p:attrNameLst>
-                                      </p:cBhvr>
-                                      <p:to>
-                                        <p:strVal val="visible"/>
-                                      </p:to>
-                                    </p:set>
-                                  </p:childTnLst>
-                                </p:cTn>
-                              </p:par>
-                            </p:childTnLst>
-                          </p:cTn>
-                        </p:par>
-                      </p:childTnLst>
-                    </p:cTn>
-                  </p:par>
-                  <p:par>
-                    <p:cTn fill="hold">
-                      <p:stCondLst>
-                        <p:cond delay="indefinite"/>
-                      </p:stCondLst>
-                      <p:childTnLst>
-                        <p:par>
-                          <p:cTn fill="hold">
-                            <p:stCondLst>
-                              <p:cond delay="0"/>
-                            </p:stCondLst>
-                            <p:childTnLst>
-                              <p:par>
-                                <p:cTn fill="hold" nodeType="clickEffect" presetClass="entr" presetID="1" presetSubtype="0">
-                                  <p:stCondLst>
-                                    <p:cond delay="0"/>
-                                  </p:stCondLst>
-                                  <p:childTnLst>
-                                    <p:set>
-                                      <p:cBhvr>
-                                        <p:cTn dur="1" fill="hold">
-                                          <p:stCondLst>
-                                            <p:cond delay="0"/>
-                                          </p:stCondLst>
-                                        </p:cTn>
-                                        <p:tgtEl>
-                                          <p:spTgt spid="347">
-                                            <p:txEl>
-                                              <p:pRg end="4" st="4"/>
-                                            </p:txEl>
-                                          </p:spTgt>
-                                        </p:tgtEl>
-                                        <p:attrNameLst>
-                                          <p:attrName>style.visibility</p:attrName>
-                                        </p:attrNameLst>
-                                      </p:cBhvr>
-                                      <p:to>
-                                        <p:strVal val="visible"/>
-                                      </p:to>
-                                    </p:set>
-                                  </p:childTnLst>
-                                </p:cTn>
-                              </p:par>
-                            </p:childTnLst>
-                          </p:cTn>
-                        </p:par>
-                      </p:childTnLst>
-                    </p:cTn>
-                  </p:par>
-                  <p:par>
-                    <p:cTn fill="hold">
-                      <p:stCondLst>
-                        <p:cond delay="indefinite"/>
-                      </p:stCondLst>
-                      <p:childTnLst>
-                        <p:par>
-                          <p:cTn fill="hold">
-                            <p:stCondLst>
-                              <p:cond delay="0"/>
-                            </p:stCondLst>
-                            <p:childTnLst>
-                              <p:par>
-                                <p:cTn fill="hold" nodeType="clickEffect" presetClass="entr" presetID="1" presetSubtype="0">
-                                  <p:stCondLst>
-                                    <p:cond delay="0"/>
-                                  </p:stCondLst>
-                                  <p:childTnLst>
-                                    <p:set>
-                                      <p:cBhvr>
-                                        <p:cTn dur="1" fill="hold">
-                                          <p:stCondLst>
-                                            <p:cond delay="0"/>
-                                          </p:stCondLst>
-                                        </p:cTn>
-                                        <p:tgtEl>
-                                          <p:spTgt spid="347">
-                                            <p:txEl>
-                                              <p:pRg end="5" st="5"/>
-                                            </p:txEl>
-                                          </p:spTgt>
-                                        </p:tgtEl>
-                                        <p:attrNameLst>
-                                          <p:attrName>style.visibility</p:attrName>
-                                        </p:attrNameLst>
-                                      </p:cBhvr>
-                                      <p:to>
-                                        <p:strVal val="visible"/>
-                                      </p:to>
-                                    </p:set>
-                                  </p:childTnLst>
-                                </p:cTn>
-                              </p:par>
-                            </p:childTnLst>
-                          </p:cTn>
-                        </p:par>
-                      </p:childTnLst>
-                    </p:cTn>
-                  </p:par>
-                  <p:par>
-                    <p:cTn fill="hold">
-                      <p:stCondLst>
-                        <p:cond delay="indefinite"/>
-                      </p:stCondLst>
-                      <p:childTnLst>
-                        <p:par>
-                          <p:cTn fill="hold">
-                            <p:stCondLst>
-                              <p:cond delay="0"/>
-                            </p:stCondLst>
-                            <p:childTnLst>
-                              <p:par>
-                                <p:cTn fill="hold" nodeType="clickEffect" presetClass="entr" presetID="1" presetSubtype="0">
-                                  <p:stCondLst>
-                                    <p:cond delay="0"/>
-                                  </p:stCondLst>
-                                  <p:childTnLst>
-                                    <p:set>
-                                      <p:cBhvr>
-                                        <p:cTn dur="1" fill="hold">
-                                          <p:stCondLst>
-                                            <p:cond delay="0"/>
-                                          </p:stCondLst>
-                                        </p:cTn>
-                                        <p:tgtEl>
-                                          <p:spTgt spid="347">
-                                            <p:txEl>
-                                              <p:pRg end="6" st="6"/>
-                                            </p:txEl>
-                                          </p:spTgt>
-                                        </p:tgtEl>
-                                        <p:attrNameLst>
-                                          <p:attrName>style.visibility</p:attrName>
-                                        </p:attrNameLst>
-                                      </p:cBhvr>
-                                      <p:to>
-                                        <p:strVal val="visible"/>
-                                      </p:to>
-                                    </p:set>
-                                  </p:childTnLst>
-                                </p:cTn>
-                              </p:par>
-                            </p:childTnLst>
-                          </p:cTn>
-                        </p:par>
-                      </p:childTnLst>
-                    </p:cTn>
-                  </p:par>
-                  <p:par>
-                    <p:cTn fill="hold">
-                      <p:stCondLst>
-                        <p:cond delay="indefinite"/>
-                      </p:stCondLst>
-                      <p:childTnLst>
-                        <p:par>
-                          <p:cTn fill="hold">
-                            <p:stCondLst>
-                              <p:cond delay="0"/>
-                            </p:stCondLst>
-                            <p:childTnLst>
-                              <p:par>
-                                <p:cTn fill="hold" nodeType="clickEffect" presetClass="entr" presetID="1" presetSubtype="0">
-                                  <p:stCondLst>
-                                    <p:cond delay="0"/>
-                                  </p:stCondLst>
-                                  <p:childTnLst>
-                                    <p:set>
-                                      <p:cBhvr>
-                                        <p:cTn dur="1" fill="hold">
-                                          <p:stCondLst>
-                                            <p:cond delay="0"/>
-                                          </p:stCondLst>
-                                        </p:cTn>
-                                        <p:tgtEl>
-                                          <p:spTgt spid="347">
-                                            <p:txEl>
-                                              <p:pRg end="7" st="7"/>
-                                            </p:txEl>
-                                          </p:spTgt>
-                                        </p:tgtEl>
-                                        <p:attrNameLst>
-                                          <p:attrName>style.visibility</p:attrName>
-                                        </p:attrNameLst>
-                                      </p:cBhvr>
-                                      <p:to>
-                                        <p:strVal val="visible"/>
-                                      </p:to>
-                                    </p:set>
-                                  </p:childTnLst>
-                                </p:cTn>
-                              </p:par>
-                            </p:childTnLst>
-                          </p:cTn>
-                        </p:par>
-                      </p:childTnLst>
-                    </p:cTn>
-                  </p:par>
                   <p:par>
                     <p:cTn fill="hold">
                       <p:stCondLst>
@@ -26359,7 +26040,399 @@
                                           </p:stCondLst>
                                         </p:cTn>
                                         <p:tgtEl>
-                                          <p:spTgt spid="348">
+                                          <p:spTgt spid="349">
+                                            <p:txEl>
+                                              <p:pRg end="0" st="0"/>
+                                            </p:txEl>
+                                          </p:spTgt>
+                                        </p:tgtEl>
+                                        <p:attrNameLst>
+                                          <p:attrName>style.visibility</p:attrName>
+                                        </p:attrNameLst>
+                                      </p:cBhvr>
+                                      <p:to>
+                                        <p:strVal val="visible"/>
+                                      </p:to>
+                                    </p:set>
+                                  </p:childTnLst>
+                                </p:cTn>
+                              </p:par>
+                            </p:childTnLst>
+                          </p:cTn>
+                        </p:par>
+                      </p:childTnLst>
+                    </p:cTn>
+                  </p:par>
+                  <p:par>
+                    <p:cTn fill="hold">
+                      <p:stCondLst>
+                        <p:cond delay="indefinite"/>
+                      </p:stCondLst>
+                      <p:childTnLst>
+                        <p:par>
+                          <p:cTn fill="hold">
+                            <p:stCondLst>
+                              <p:cond delay="0"/>
+                            </p:stCondLst>
+                            <p:childTnLst>
+                              <p:par>
+                                <p:cTn fill="hold" nodeType="clickEffect" presetClass="entr" presetID="1" presetSubtype="0">
+                                  <p:stCondLst>
+                                    <p:cond delay="0"/>
+                                  </p:stCondLst>
+                                  <p:childTnLst>
+                                    <p:set>
+                                      <p:cBhvr>
+                                        <p:cTn dur="1" fill="hold">
+                                          <p:stCondLst>
+                                            <p:cond delay="0"/>
+                                          </p:stCondLst>
+                                        </p:cTn>
+                                        <p:tgtEl>
+                                          <p:spTgt spid="349">
+                                            <p:txEl>
+                                              <p:pRg end="1" st="1"/>
+                                            </p:txEl>
+                                          </p:spTgt>
+                                        </p:tgtEl>
+                                        <p:attrNameLst>
+                                          <p:attrName>style.visibility</p:attrName>
+                                        </p:attrNameLst>
+                                      </p:cBhvr>
+                                      <p:to>
+                                        <p:strVal val="visible"/>
+                                      </p:to>
+                                    </p:set>
+                                  </p:childTnLst>
+                                </p:cTn>
+                              </p:par>
+                            </p:childTnLst>
+                          </p:cTn>
+                        </p:par>
+                      </p:childTnLst>
+                    </p:cTn>
+                  </p:par>
+                  <p:par>
+                    <p:cTn fill="hold">
+                      <p:stCondLst>
+                        <p:cond delay="indefinite"/>
+                      </p:stCondLst>
+                      <p:childTnLst>
+                        <p:par>
+                          <p:cTn fill="hold">
+                            <p:stCondLst>
+                              <p:cond delay="0"/>
+                            </p:stCondLst>
+                            <p:childTnLst>
+                              <p:par>
+                                <p:cTn fill="hold" nodeType="clickEffect" presetClass="entr" presetID="1" presetSubtype="0">
+                                  <p:stCondLst>
+                                    <p:cond delay="0"/>
+                                  </p:stCondLst>
+                                  <p:childTnLst>
+                                    <p:set>
+                                      <p:cBhvr>
+                                        <p:cTn dur="1" fill="hold">
+                                          <p:stCondLst>
+                                            <p:cond delay="0"/>
+                                          </p:stCondLst>
+                                        </p:cTn>
+                                        <p:tgtEl>
+                                          <p:spTgt spid="349">
+                                            <p:txEl>
+                                              <p:pRg end="2" st="2"/>
+                                            </p:txEl>
+                                          </p:spTgt>
+                                        </p:tgtEl>
+                                        <p:attrNameLst>
+                                          <p:attrName>style.visibility</p:attrName>
+                                        </p:attrNameLst>
+                                      </p:cBhvr>
+                                      <p:to>
+                                        <p:strVal val="visible"/>
+                                      </p:to>
+                                    </p:set>
+                                  </p:childTnLst>
+                                </p:cTn>
+                              </p:par>
+                            </p:childTnLst>
+                          </p:cTn>
+                        </p:par>
+                      </p:childTnLst>
+                    </p:cTn>
+                  </p:par>
+                  <p:par>
+                    <p:cTn fill="hold">
+                      <p:stCondLst>
+                        <p:cond delay="indefinite"/>
+                      </p:stCondLst>
+                      <p:childTnLst>
+                        <p:par>
+                          <p:cTn fill="hold">
+                            <p:stCondLst>
+                              <p:cond delay="0"/>
+                            </p:stCondLst>
+                            <p:childTnLst>
+                              <p:par>
+                                <p:cTn fill="hold" nodeType="clickEffect" presetClass="entr" presetID="1" presetSubtype="0">
+                                  <p:stCondLst>
+                                    <p:cond delay="0"/>
+                                  </p:stCondLst>
+                                  <p:childTnLst>
+                                    <p:set>
+                                      <p:cBhvr>
+                                        <p:cTn dur="1" fill="hold">
+                                          <p:stCondLst>
+                                            <p:cond delay="0"/>
+                                          </p:stCondLst>
+                                        </p:cTn>
+                                        <p:tgtEl>
+                                          <p:spTgt spid="349">
+                                            <p:txEl>
+                                              <p:pRg end="3" st="3"/>
+                                            </p:txEl>
+                                          </p:spTgt>
+                                        </p:tgtEl>
+                                        <p:attrNameLst>
+                                          <p:attrName>style.visibility</p:attrName>
+                                        </p:attrNameLst>
+                                      </p:cBhvr>
+                                      <p:to>
+                                        <p:strVal val="visible"/>
+                                      </p:to>
+                                    </p:set>
+                                  </p:childTnLst>
+                                </p:cTn>
+                              </p:par>
+                            </p:childTnLst>
+                          </p:cTn>
+                        </p:par>
+                      </p:childTnLst>
+                    </p:cTn>
+                  </p:par>
+                  <p:par>
+                    <p:cTn fill="hold">
+                      <p:stCondLst>
+                        <p:cond delay="indefinite"/>
+                      </p:stCondLst>
+                      <p:childTnLst>
+                        <p:par>
+                          <p:cTn fill="hold">
+                            <p:stCondLst>
+                              <p:cond delay="0"/>
+                            </p:stCondLst>
+                            <p:childTnLst>
+                              <p:par>
+                                <p:cTn fill="hold" nodeType="clickEffect" presetClass="entr" presetID="1" presetSubtype="0">
+                                  <p:stCondLst>
+                                    <p:cond delay="0"/>
+                                  </p:stCondLst>
+                                  <p:childTnLst>
+                                    <p:set>
+                                      <p:cBhvr>
+                                        <p:cTn dur="1" fill="hold">
+                                          <p:stCondLst>
+                                            <p:cond delay="0"/>
+                                          </p:stCondLst>
+                                        </p:cTn>
+                                        <p:tgtEl>
+                                          <p:spTgt spid="349">
+                                            <p:txEl>
+                                              <p:pRg end="4" st="4"/>
+                                            </p:txEl>
+                                          </p:spTgt>
+                                        </p:tgtEl>
+                                        <p:attrNameLst>
+                                          <p:attrName>style.visibility</p:attrName>
+                                        </p:attrNameLst>
+                                      </p:cBhvr>
+                                      <p:to>
+                                        <p:strVal val="visible"/>
+                                      </p:to>
+                                    </p:set>
+                                  </p:childTnLst>
+                                </p:cTn>
+                              </p:par>
+                            </p:childTnLst>
+                          </p:cTn>
+                        </p:par>
+                      </p:childTnLst>
+                    </p:cTn>
+                  </p:par>
+                  <p:par>
+                    <p:cTn fill="hold">
+                      <p:stCondLst>
+                        <p:cond delay="indefinite"/>
+                      </p:stCondLst>
+                      <p:childTnLst>
+                        <p:par>
+                          <p:cTn fill="hold">
+                            <p:stCondLst>
+                              <p:cond delay="0"/>
+                            </p:stCondLst>
+                            <p:childTnLst>
+                              <p:par>
+                                <p:cTn fill="hold" nodeType="clickEffect" presetClass="entr" presetID="1" presetSubtype="0">
+                                  <p:stCondLst>
+                                    <p:cond delay="0"/>
+                                  </p:stCondLst>
+                                  <p:childTnLst>
+                                    <p:set>
+                                      <p:cBhvr>
+                                        <p:cTn dur="1" fill="hold">
+                                          <p:stCondLst>
+                                            <p:cond delay="0"/>
+                                          </p:stCondLst>
+                                        </p:cTn>
+                                        <p:tgtEl>
+                                          <p:spTgt spid="349">
+                                            <p:txEl>
+                                              <p:pRg end="5" st="5"/>
+                                            </p:txEl>
+                                          </p:spTgt>
+                                        </p:tgtEl>
+                                        <p:attrNameLst>
+                                          <p:attrName>style.visibility</p:attrName>
+                                        </p:attrNameLst>
+                                      </p:cBhvr>
+                                      <p:to>
+                                        <p:strVal val="visible"/>
+                                      </p:to>
+                                    </p:set>
+                                  </p:childTnLst>
+                                </p:cTn>
+                              </p:par>
+                            </p:childTnLst>
+                          </p:cTn>
+                        </p:par>
+                      </p:childTnLst>
+                    </p:cTn>
+                  </p:par>
+                  <p:par>
+                    <p:cTn fill="hold">
+                      <p:stCondLst>
+                        <p:cond delay="indefinite"/>
+                      </p:stCondLst>
+                      <p:childTnLst>
+                        <p:par>
+                          <p:cTn fill="hold">
+                            <p:stCondLst>
+                              <p:cond delay="0"/>
+                            </p:stCondLst>
+                            <p:childTnLst>
+                              <p:par>
+                                <p:cTn fill="hold" nodeType="clickEffect" presetClass="entr" presetID="1" presetSubtype="0">
+                                  <p:stCondLst>
+                                    <p:cond delay="0"/>
+                                  </p:stCondLst>
+                                  <p:childTnLst>
+                                    <p:set>
+                                      <p:cBhvr>
+                                        <p:cTn dur="1" fill="hold">
+                                          <p:stCondLst>
+                                            <p:cond delay="0"/>
+                                          </p:stCondLst>
+                                        </p:cTn>
+                                        <p:tgtEl>
+                                          <p:spTgt spid="349">
+                                            <p:txEl>
+                                              <p:pRg end="6" st="6"/>
+                                            </p:txEl>
+                                          </p:spTgt>
+                                        </p:tgtEl>
+                                        <p:attrNameLst>
+                                          <p:attrName>style.visibility</p:attrName>
+                                        </p:attrNameLst>
+                                      </p:cBhvr>
+                                      <p:to>
+                                        <p:strVal val="visible"/>
+                                      </p:to>
+                                    </p:set>
+                                  </p:childTnLst>
+                                </p:cTn>
+                              </p:par>
+                            </p:childTnLst>
+                          </p:cTn>
+                        </p:par>
+                      </p:childTnLst>
+                    </p:cTn>
+                  </p:par>
+                  <p:par>
+                    <p:cTn fill="hold">
+                      <p:stCondLst>
+                        <p:cond delay="indefinite"/>
+                      </p:stCondLst>
+                      <p:childTnLst>
+                        <p:par>
+                          <p:cTn fill="hold">
+                            <p:stCondLst>
+                              <p:cond delay="0"/>
+                            </p:stCondLst>
+                            <p:childTnLst>
+                              <p:par>
+                                <p:cTn fill="hold" nodeType="clickEffect" presetClass="entr" presetID="1" presetSubtype="0">
+                                  <p:stCondLst>
+                                    <p:cond delay="0"/>
+                                  </p:stCondLst>
+                                  <p:childTnLst>
+                                    <p:set>
+                                      <p:cBhvr>
+                                        <p:cTn dur="1" fill="hold">
+                                          <p:stCondLst>
+                                            <p:cond delay="0"/>
+                                          </p:stCondLst>
+                                        </p:cTn>
+                                        <p:tgtEl>
+                                          <p:spTgt spid="349">
+                                            <p:txEl>
+                                              <p:pRg end="7" st="7"/>
+                                            </p:txEl>
+                                          </p:spTgt>
+                                        </p:tgtEl>
+                                        <p:attrNameLst>
+                                          <p:attrName>style.visibility</p:attrName>
+                                        </p:attrNameLst>
+                                      </p:cBhvr>
+                                      <p:to>
+                                        <p:strVal val="visible"/>
+                                      </p:to>
+                                    </p:set>
+                                  </p:childTnLst>
+                                </p:cTn>
+                              </p:par>
+                            </p:childTnLst>
+                          </p:cTn>
+                        </p:par>
+                      </p:childTnLst>
+                    </p:cTn>
+                  </p:par>
+                  <p:par>
+                    <p:cTn fill="hold">
+                      <p:stCondLst>
+                        <p:cond delay="indefinite"/>
+                      </p:stCondLst>
+                      <p:childTnLst>
+                        <p:par>
+                          <p:cTn fill="hold">
+                            <p:stCondLst>
+                              <p:cond delay="0"/>
+                            </p:stCondLst>
+                            <p:childTnLst>
+                              <p:par>
+                                <p:cTn fill="hold" nodeType="clickEffect" presetClass="entr" presetID="1" presetSubtype="0">
+                                  <p:stCondLst>
+                                    <p:cond delay="0"/>
+                                  </p:stCondLst>
+                                  <p:childTnLst>
+                                    <p:set>
+                                      <p:cBhvr>
+                                        <p:cTn dur="1" fill="hold">
+                                          <p:stCondLst>
+                                            <p:cond delay="0"/>
+                                          </p:stCondLst>
+                                        </p:cTn>
+                                        <p:tgtEl>
+                                          <p:spTgt spid="349">
                                             <p:txEl>
                                               <p:pRg end="8" st="8"/>
                                             </p:txEl>
@@ -26408,7 +26481,7 @@
                                           </p:stCondLst>
                                         </p:cTn>
                                         <p:tgtEl>
-                                          <p:spTgt spid="348">
+                                          <p:spTgt spid="349">
                                             <p:txEl>
                                               <p:pRg end="9" st="9"/>
                                             </p:txEl>
@@ -26457,7 +26530,7 @@
                                           </p:stCondLst>
                                         </p:cTn>
                                         <p:tgtEl>
-                                          <p:spTgt spid="349"/>
+                                          <p:spTgt spid="350"/>
                                         </p:tgtEl>
                                         <p:attrNameLst>
                                           <p:attrName>style.visibility</p:attrName>
@@ -26506,7 +26579,7 @@
   <p:cSld>
     <p:spTree>
       <p:nvGrpSpPr>
-        <p:cNvPr id="353" name="Shape 353"/>
+        <p:cNvPr id="354" name="Shape 354"/>
         <p:cNvGrpSpPr/>
         <p:nvPr/>
       </p:nvGrpSpPr>
@@ -26520,7 +26593,7 @@
       </p:grpSpPr>
       <p:sp>
         <p:nvSpPr>
-          <p:cNvPr id="354" name="Google Shape;354;p21"/>
+          <p:cNvPr id="355" name="Google Shape;355;p21"/>
           <p:cNvSpPr txBox="1"/>
           <p:nvPr>
             <p:ph type="title"/>
@@ -26560,7 +26633,7 @@
       </p:sp>
       <p:sp>
         <p:nvSpPr>
-          <p:cNvPr id="355" name="Google Shape;355;p21"/>
+          <p:cNvPr id="356" name="Google Shape;356;p21"/>
           <p:cNvSpPr txBox="1"/>
           <p:nvPr>
             <p:ph idx="1" type="body"/>
@@ -26656,7 +26729,7 @@
       </p:sp>
       <p:pic>
         <p:nvPicPr>
-          <p:cNvPr id="356" name="Google Shape;356;p21"/>
+          <p:cNvPr id="357" name="Google Shape;357;p21"/>
           <p:cNvPicPr preferRelativeResize="0"/>
           <p:nvPr/>
         </p:nvPicPr>
@@ -26721,7 +26794,7 @@
                                           </p:stCondLst>
                                         </p:cTn>
                                         <p:tgtEl>
-                                          <p:spTgt spid="355">
+                                          <p:spTgt spid="356">
                                             <p:txEl>
                                               <p:pRg end="0" st="0"/>
                                             </p:txEl>
@@ -26770,7 +26843,7 @@
                                           </p:stCondLst>
                                         </p:cTn>
                                         <p:tgtEl>
-                                          <p:spTgt spid="355">
+                                          <p:spTgt spid="356">
                                             <p:txEl>
                                               <p:pRg end="1" st="1"/>
                                             </p:txEl>
@@ -26819,7 +26892,7 @@
                                           </p:stCondLst>
                                         </p:cTn>
                                         <p:tgtEl>
-                                          <p:spTgt spid="355">
+                                          <p:spTgt spid="356">
                                             <p:txEl>
                                               <p:pRg end="2" st="2"/>
                                             </p:txEl>
@@ -26868,7 +26941,7 @@
                                           </p:stCondLst>
                                         </p:cTn>
                                         <p:tgtEl>
-                                          <p:spTgt spid="355">
+                                          <p:spTgt spid="356">
                                             <p:txEl>
                                               <p:pRg end="3" st="3"/>
                                             </p:txEl>
